--- a/presentation.pptx
+++ b/presentation.pptx
@@ -13220,7 +13220,7 @@
                   <a:schemeClr val="accent2"/>
                 </a:solidFill>
               </a:rPr>
-              <a:t>Hi there! I’m a software engineer based in NY and working for the UN, and an </a:t>
+              <a:t>Hi there! I’m a software engineer based in NY and working for the UN, and an aspiring</a:t>
             </a:r>
             <a:r>
               <a:rPr lang="en-US" dirty="0">
@@ -13228,7 +13228,7 @@
                   <a:schemeClr val="accent1"/>
                 </a:solidFill>
               </a:rPr>
-              <a:t>aspiring data scientist</a:t>
+              <a:t> data scientist</a:t>
             </a:r>
             <a:r>
               <a:rPr lang="en-US" dirty="0">
@@ -13943,7 +13943,7 @@
                 <a:rPr lang="en-US" sz="3600" dirty="0">
                   <a:latin typeface="+mj-lt"/>
                 </a:rPr>
-                <a:t>House Prices King County </a:t>
+                <a:t>sales in King County </a:t>
               </a:r>
               <a:r>
                 <a:rPr lang="en-US" sz="3600" dirty="0">
@@ -15595,9 +15595,18 @@
             <a:p>
               <a:r>
                 <a:rPr lang="en-US" sz="3600" dirty="0">
+                  <a:solidFill>
+                    <a:schemeClr val="accent1"/>
+                  </a:solidFill>
                   <a:latin typeface="+mj-lt"/>
                 </a:rPr>
-                <a:t>predict house </a:t>
+                <a:t>feature</a:t>
+              </a:r>
+              <a:r>
+                <a:rPr lang="en-US" sz="3600" dirty="0">
+                  <a:latin typeface="+mj-lt"/>
+                </a:rPr>
+                <a:t> selection and </a:t>
               </a:r>
               <a:r>
                 <a:rPr lang="en-US" sz="3600" dirty="0">
@@ -15606,7 +15615,13 @@
                   </a:solidFill>
                   <a:latin typeface="+mj-lt"/>
                 </a:rPr>
-                <a:t>prices</a:t>
+                <a:t>price</a:t>
+              </a:r>
+              <a:r>
+                <a:rPr lang="en-US" sz="3600" dirty="0">
+                  <a:latin typeface="+mj-lt"/>
+                </a:rPr>
+                <a:t> prediction</a:t>
               </a:r>
               <a:endParaRPr lang="uk-UA" sz="3600" dirty="0">
                 <a:solidFill>
@@ -21663,8 +21678,8 @@
         </p:nvSpPr>
         <p:spPr>
           <a:xfrm>
-            <a:off x="7453593" y="2926497"/>
-            <a:ext cx="4295214" cy="1015663"/>
+            <a:off x="4724400" y="2648124"/>
+            <a:ext cx="9753600" cy="1692771"/>
           </a:xfrm>
           <a:prstGeom prst="rect">
             <a:avLst/>
@@ -21677,7 +21692,7 @@
           </a:bodyPr>
           <a:lstStyle/>
           <a:p>
-            <a:pPr algn="r"/>
+            <a:pPr algn="ctr"/>
             <a:r>
               <a:rPr lang="en-US" sz="6000" b="1" dirty="0"/>
               <a:t>However</a:t>
@@ -21685,6 +21700,25 @@
             <a:r>
               <a:rPr lang="en-US" sz="4400" b="1" dirty="0"/>
               <a:t>…</a:t>
+            </a:r>
+          </a:p>
+          <a:p>
+            <a:pPr algn="ctr"/>
+            <a:r>
+              <a:rPr lang="en-US" sz="4400" b="1" dirty="0"/>
+              <a:t>look at the </a:t>
+            </a:r>
+            <a:r>
+              <a:rPr lang="en-US" sz="4400" b="1" dirty="0">
+                <a:solidFill>
+                  <a:schemeClr val="accent5"/>
+                </a:solidFill>
+              </a:rPr>
+              <a:t>living</a:t>
+            </a:r>
+            <a:r>
+              <a:rPr lang="en-US" sz="4400" b="1" dirty="0"/>
+              <a:t> square footage!</a:t>
             </a:r>
           </a:p>
         </p:txBody>

--- a/presentation.pptx
+++ b/presentation.pptx
@@ -7,20 +7,19 @@
     <p:sldMasterId id="2147483677" r:id="rId3"/>
   </p:sldMasterIdLst>
   <p:notesMasterIdLst>
-    <p:notesMasterId r:id="rId15"/>
+    <p:notesMasterId r:id="rId14"/>
   </p:notesMasterIdLst>
   <p:sldIdLst>
     <p:sldId id="269" r:id="rId4"/>
     <p:sldId id="626" r:id="rId5"/>
     <p:sldId id="655" r:id="rId6"/>
-    <p:sldId id="657" r:id="rId7"/>
-    <p:sldId id="598" r:id="rId8"/>
-    <p:sldId id="478" r:id="rId9"/>
-    <p:sldId id="454" r:id="rId10"/>
-    <p:sldId id="455" r:id="rId11"/>
+    <p:sldId id="598" r:id="rId7"/>
+    <p:sldId id="478" r:id="rId8"/>
+    <p:sldId id="454" r:id="rId9"/>
+    <p:sldId id="455" r:id="rId10"/>
+    <p:sldId id="457" r:id="rId11"/>
     <p:sldId id="456" r:id="rId12"/>
-    <p:sldId id="457" r:id="rId13"/>
-    <p:sldId id="571" r:id="rId14"/>
+    <p:sldId id="571" r:id="rId13"/>
   </p:sldIdLst>
   <p:sldSz cx="18288000" cy="10287000"/>
   <p:notesSz cx="6858000" cy="9144000"/>
@@ -220,7 +219,7 @@
           <a:p>
             <a:fld id="{FB027185-10FB-4A57-B3F0-45136A811A24}" type="datetimeFigureOut">
               <a:rPr lang="uk-UA" smtClean="0"/>
-              <a:t>20.06.2019</a:t>
+              <a:t>21.06.19</a:t>
             </a:fld>
             <a:endParaRPr lang="uk-UA"/>
           </a:p>
@@ -488,90 +487,6 @@
 </p:notesMaster>
 </file>
 
-<file path=ppt/notesSlides/notesSlide1.xml><?xml version="1.0" encoding="utf-8"?>
-<p:notes xmlns:a="http://schemas.openxmlformats.org/drawingml/2006/main" xmlns:r="http://schemas.openxmlformats.org/officeDocument/2006/relationships" xmlns:p="http://schemas.openxmlformats.org/presentationml/2006/main">
-  <p:cSld>
-    <p:spTree>
-      <p:nvGrpSpPr>
-        <p:cNvPr id="1" name=""/>
-        <p:cNvGrpSpPr/>
-        <p:nvPr/>
-      </p:nvGrpSpPr>
-      <p:grpSpPr>
-        <a:xfrm>
-          <a:off x="0" y="0"/>
-          <a:ext cx="0" cy="0"/>
-          <a:chOff x="0" y="0"/>
-          <a:chExt cx="0" cy="0"/>
-        </a:xfrm>
-      </p:grpSpPr>
-      <p:sp>
-        <p:nvSpPr>
-          <p:cNvPr id="2" name="Slide Image Placeholder 1"/>
-          <p:cNvSpPr>
-            <a:spLocks noGrp="1" noRot="1" noChangeAspect="1"/>
-          </p:cNvSpPr>
-          <p:nvPr>
-            <p:ph type="sldImg"/>
-          </p:nvPr>
-        </p:nvSpPr>
-        <p:spPr/>
-      </p:sp>
-      <p:sp>
-        <p:nvSpPr>
-          <p:cNvPr id="3" name="Notes Placeholder 2"/>
-          <p:cNvSpPr>
-            <a:spLocks noGrp="1"/>
-          </p:cNvSpPr>
-          <p:nvPr>
-            <p:ph type="body" idx="1"/>
-          </p:nvPr>
-        </p:nvSpPr>
-        <p:spPr/>
-        <p:txBody>
-          <a:bodyPr/>
-          <a:lstStyle/>
-          <a:p>
-            <a:endParaRPr lang="uk-UA"/>
-          </a:p>
-        </p:txBody>
-      </p:sp>
-      <p:sp>
-        <p:nvSpPr>
-          <p:cNvPr id="4" name="Slide Number Placeholder 3"/>
-          <p:cNvSpPr>
-            <a:spLocks noGrp="1"/>
-          </p:cNvSpPr>
-          <p:nvPr>
-            <p:ph type="sldNum" sz="quarter" idx="10"/>
-          </p:nvPr>
-        </p:nvSpPr>
-        <p:spPr/>
-        <p:txBody>
-          <a:bodyPr/>
-          <a:lstStyle/>
-          <a:p>
-            <a:fld id="{BD9C3A12-1E0F-412B-B376-8089A55D946C}" type="slidenum">
-              <a:rPr lang="uk-UA" smtClean="0"/>
-              <a:t>4</a:t>
-            </a:fld>
-            <a:endParaRPr lang="uk-UA"/>
-          </a:p>
-        </p:txBody>
-      </p:sp>
-    </p:spTree>
-    <p:extLst>
-      <p:ext uri="{BB962C8B-B14F-4D97-AF65-F5344CB8AC3E}">
-        <p14:creationId xmlns:p14="http://schemas.microsoft.com/office/powerpoint/2010/main" val="303585812"/>
-      </p:ext>
-    </p:extLst>
-  </p:cSld>
-  <p:clrMapOvr>
-    <a:masterClrMapping/>
-  </p:clrMapOvr>
-</p:notes>
-</file>
-
 <file path=ppt/slideLayouts/slideLayout1.xml><?xml version="1.0" encoding="utf-8"?>
 <p:sldLayout xmlns:a="http://schemas.openxmlformats.org/drawingml/2006/main" xmlns:r="http://schemas.openxmlformats.org/officeDocument/2006/relationships" xmlns:p="http://schemas.openxmlformats.org/presentationml/2006/main" showMasterSp="0" preserve="1" userDrawn="1">
   <p:cSld name="BLANK">
@@ -604,69 +519,6 @@
 </file>
 
 <file path=ppt/slideLayouts/slideLayout10.xml><?xml version="1.0" encoding="utf-8"?>
-<p:sldLayout xmlns:a="http://schemas.openxmlformats.org/drawingml/2006/main" xmlns:r="http://schemas.openxmlformats.org/officeDocument/2006/relationships" xmlns:p="http://schemas.openxmlformats.org/presentationml/2006/main" showMasterSp="0" userDrawn="1">
-  <p:cSld name="1_IMAGE slide 5">
-    <p:spTree>
-      <p:nvGrpSpPr>
-        <p:cNvPr id="1" name=""/>
-        <p:cNvGrpSpPr/>
-        <p:nvPr/>
-      </p:nvGrpSpPr>
-      <p:grpSpPr>
-        <a:xfrm>
-          <a:off x="0" y="0"/>
-          <a:ext cx="0" cy="0"/>
-          <a:chOff x="0" y="0"/>
-          <a:chExt cx="0" cy="0"/>
-        </a:xfrm>
-      </p:grpSpPr>
-      <p:sp>
-        <p:nvSpPr>
-          <p:cNvPr id="3" name="Picture Placeholder 2"/>
-          <p:cNvSpPr>
-            <a:spLocks noGrp="1"/>
-          </p:cNvSpPr>
-          <p:nvPr>
-            <p:ph type="pic" sz="quarter" idx="10"/>
-          </p:nvPr>
-        </p:nvSpPr>
-        <p:spPr>
-          <a:xfrm>
-            <a:off x="2743200" y="3200400"/>
-            <a:ext cx="3886200" cy="3886200"/>
-          </a:xfrm>
-          <a:prstGeom prst="ellipse">
-            <a:avLst/>
-          </a:prstGeom>
-          <a:ln w="38100">
-            <a:solidFill>
-              <a:schemeClr val="accent1"/>
-            </a:solidFill>
-          </a:ln>
-          <a:effectLst/>
-        </p:spPr>
-        <p:txBody>
-          <a:bodyPr/>
-          <a:lstStyle/>
-          <a:p>
-            <a:endParaRPr lang="uk-UA"/>
-          </a:p>
-        </p:txBody>
-      </p:sp>
-    </p:spTree>
-    <p:extLst>
-      <p:ext uri="{BB962C8B-B14F-4D97-AF65-F5344CB8AC3E}">
-        <p14:creationId xmlns:p14="http://schemas.microsoft.com/office/powerpoint/2010/main" val="2021571170"/>
-      </p:ext>
-    </p:extLst>
-  </p:cSld>
-  <p:clrMapOvr>
-    <a:masterClrMapping/>
-  </p:clrMapOvr>
-</p:sldLayout>
-</file>
-
-<file path=ppt/slideLayouts/slideLayout11.xml><?xml version="1.0" encoding="utf-8"?>
 <p:sldLayout xmlns:a="http://schemas.openxmlformats.org/drawingml/2006/main" xmlns:r="http://schemas.openxmlformats.org/officeDocument/2006/relationships" xmlns:p="http://schemas.openxmlformats.org/presentationml/2006/main" preserve="1" userDrawn="1">
   <p:cSld name="IMG-SLIDE OPT-3">
     <p:spTree>
@@ -904,7 +756,7 @@
 </p:sldLayout>
 </file>
 
-<file path=ppt/slideLayouts/slideLayout12.xml><?xml version="1.0" encoding="utf-8"?>
+<file path=ppt/slideLayouts/slideLayout11.xml><?xml version="1.0" encoding="utf-8"?>
 <p:sldLayout xmlns:a="http://schemas.openxmlformats.org/drawingml/2006/main" xmlns:r="http://schemas.openxmlformats.org/officeDocument/2006/relationships" xmlns:p="http://schemas.openxmlformats.org/presentationml/2006/main" preserve="1" userDrawn="1">
   <p:cSld name="IMG-SLIDE OPT-5">
     <p:spTree>
@@ -1102,7 +954,7 @@
 </p:sldLayout>
 </file>
 
-<file path=ppt/slideLayouts/slideLayout13.xml><?xml version="1.0" encoding="utf-8"?>
+<file path=ppt/slideLayouts/slideLayout12.xml><?xml version="1.0" encoding="utf-8"?>
 <p:sldLayout xmlns:a="http://schemas.openxmlformats.org/drawingml/2006/main" xmlns:r="http://schemas.openxmlformats.org/officeDocument/2006/relationships" xmlns:p="http://schemas.openxmlformats.org/presentationml/2006/main" preserve="1" userDrawn="1">
   <p:cSld name="TEAM OPT-1">
     <p:spTree>
@@ -1304,7 +1156,7 @@
 </p:sldLayout>
 </file>
 
-<file path=ppt/slideLayouts/slideLayout14.xml><?xml version="1.0" encoding="utf-8"?>
+<file path=ppt/slideLayouts/slideLayout13.xml><?xml version="1.0" encoding="utf-8"?>
 <p:sldLayout xmlns:a="http://schemas.openxmlformats.org/drawingml/2006/main" xmlns:r="http://schemas.openxmlformats.org/officeDocument/2006/relationships" xmlns:p="http://schemas.openxmlformats.org/presentationml/2006/main" preserve="1" userDrawn="1">
   <p:cSld name="TEAM OPT-2">
     <p:spTree>
@@ -1506,7 +1358,7 @@
 </p:sldLayout>
 </file>
 
-<file path=ppt/slideLayouts/slideLayout15.xml><?xml version="1.0" encoding="utf-8"?>
+<file path=ppt/slideLayouts/slideLayout14.xml><?xml version="1.0" encoding="utf-8"?>
 <p:sldLayout xmlns:a="http://schemas.openxmlformats.org/drawingml/2006/main" xmlns:r="http://schemas.openxmlformats.org/officeDocument/2006/relationships" xmlns:p="http://schemas.openxmlformats.org/presentationml/2006/main" preserve="1" userDrawn="1">
   <p:cSld name="TEAM OPT-3">
     <p:spTree>
@@ -1744,7 +1596,7 @@
 </p:sldLayout>
 </file>
 
-<file path=ppt/slideLayouts/slideLayout16.xml><?xml version="1.0" encoding="utf-8"?>
+<file path=ppt/slideLayouts/slideLayout15.xml><?xml version="1.0" encoding="utf-8"?>
 <p:sldLayout xmlns:a="http://schemas.openxmlformats.org/drawingml/2006/main" xmlns:r="http://schemas.openxmlformats.org/officeDocument/2006/relationships" xmlns:p="http://schemas.openxmlformats.org/presentationml/2006/main" preserve="1" userDrawn="1">
   <p:cSld name="TEAM OPT-4">
     <p:spTree>
@@ -2018,7 +1870,7 @@
 </p:sldLayout>
 </file>
 
-<file path=ppt/slideLayouts/slideLayout17.xml><?xml version="1.0" encoding="utf-8"?>
+<file path=ppt/slideLayouts/slideLayout16.xml><?xml version="1.0" encoding="utf-8"?>
 <p:sldLayout xmlns:a="http://schemas.openxmlformats.org/drawingml/2006/main" xmlns:r="http://schemas.openxmlformats.org/officeDocument/2006/relationships" xmlns:p="http://schemas.openxmlformats.org/presentationml/2006/main" preserve="1" userDrawn="1">
   <p:cSld name="TEAM OPT-5">
     <p:spTree>
@@ -2328,7 +2180,7 @@
 </p:sldLayout>
 </file>
 
-<file path=ppt/slideLayouts/slideLayout18.xml><?xml version="1.0" encoding="utf-8"?>
+<file path=ppt/slideLayouts/slideLayout17.xml><?xml version="1.0" encoding="utf-8"?>
 <p:sldLayout xmlns:a="http://schemas.openxmlformats.org/drawingml/2006/main" xmlns:r="http://schemas.openxmlformats.org/officeDocument/2006/relationships" xmlns:p="http://schemas.openxmlformats.org/presentationml/2006/main" preserve="1" userDrawn="1">
   <p:cSld name="TEAM OPT-6">
     <p:spTree>
@@ -2742,7 +2594,7 @@
 </p:sldLayout>
 </file>
 
-<file path=ppt/slideLayouts/slideLayout19.xml><?xml version="1.0" encoding="utf-8"?>
+<file path=ppt/slideLayouts/slideLayout18.xml><?xml version="1.0" encoding="utf-8"?>
 <p:sldLayout xmlns:a="http://schemas.openxmlformats.org/drawingml/2006/main" xmlns:r="http://schemas.openxmlformats.org/officeDocument/2006/relationships" xmlns:p="http://schemas.openxmlformats.org/presentationml/2006/main" preserve="1" userDrawn="1">
   <p:cSld name="2_IMG-SLIDE 9">
     <p:spTree>
@@ -2870,6 +2722,144 @@
     <p:extLst>
       <p:ext uri="{BB962C8B-B14F-4D97-AF65-F5344CB8AC3E}">
         <p14:creationId xmlns:p14="http://schemas.microsoft.com/office/powerpoint/2010/main" val="3834950923"/>
+      </p:ext>
+    </p:extLst>
+  </p:cSld>
+  <p:clrMapOvr>
+    <a:masterClrMapping/>
+  </p:clrMapOvr>
+  <p:hf hdr="0" ftr="0" dt="0"/>
+</p:sldLayout>
+</file>
+
+<file path=ppt/slideLayouts/slideLayout19.xml><?xml version="1.0" encoding="utf-8"?>
+<p:sldLayout xmlns:a="http://schemas.openxmlformats.org/drawingml/2006/main" xmlns:r="http://schemas.openxmlformats.org/officeDocument/2006/relationships" xmlns:p="http://schemas.openxmlformats.org/presentationml/2006/main" showMasterSp="0" preserve="1" userDrawn="1">
+  <p:cSld name="IMG-SLIDE OPT-10">
+    <p:spTree>
+      <p:nvGrpSpPr>
+        <p:cNvPr id="1" name=""/>
+        <p:cNvGrpSpPr/>
+        <p:nvPr/>
+      </p:nvGrpSpPr>
+      <p:grpSpPr>
+        <a:xfrm>
+          <a:off x="0" y="0"/>
+          <a:ext cx="0" cy="0"/>
+          <a:chOff x="0" y="0"/>
+          <a:chExt cx="0" cy="0"/>
+        </a:xfrm>
+      </p:grpSpPr>
+      <p:sp>
+        <p:nvSpPr>
+          <p:cNvPr id="3" name="Picture Placeholder 2"/>
+          <p:cNvSpPr>
+            <a:spLocks noGrp="1"/>
+          </p:cNvSpPr>
+          <p:nvPr>
+            <p:ph type="pic" sz="quarter" idx="12"/>
+          </p:nvPr>
+        </p:nvSpPr>
+        <p:spPr>
+          <a:xfrm>
+            <a:off x="0" y="0"/>
+            <a:ext cx="9144000" cy="10287000"/>
+          </a:xfrm>
+          <a:prstGeom prst="rect">
+            <a:avLst/>
+          </a:prstGeom>
+        </p:spPr>
+        <p:txBody>
+          <a:bodyPr/>
+          <a:lstStyle/>
+          <a:p>
+            <a:endParaRPr lang="uk-UA"/>
+          </a:p>
+        </p:txBody>
+      </p:sp>
+      <p:cxnSp>
+        <p:nvCxnSpPr>
+          <p:cNvPr id="4" name="Straight Connector 3"/>
+          <p:cNvCxnSpPr/>
+          <p:nvPr userDrawn="1"/>
+        </p:nvCxnSpPr>
+        <p:spPr>
+          <a:xfrm>
+            <a:off x="9886950" y="685800"/>
+            <a:ext cx="0" cy="1028700"/>
+          </a:xfrm>
+          <a:prstGeom prst="line">
+            <a:avLst/>
+          </a:prstGeom>
+          <a:ln w="63500">
+            <a:solidFill>
+              <a:schemeClr val="accent1"/>
+            </a:solidFill>
+            <a:headEnd type="none"/>
+            <a:tailEnd type="none"/>
+          </a:ln>
+        </p:spPr>
+        <p:style>
+          <a:lnRef idx="1">
+            <a:schemeClr val="accent1"/>
+          </a:lnRef>
+          <a:fillRef idx="0">
+            <a:schemeClr val="accent1"/>
+          </a:fillRef>
+          <a:effectRef idx="0">
+            <a:schemeClr val="accent1"/>
+          </a:effectRef>
+          <a:fontRef idx="minor">
+            <a:schemeClr val="tx1"/>
+          </a:fontRef>
+        </p:style>
+      </p:cxnSp>
+      <p:sp>
+        <p:nvSpPr>
+          <p:cNvPr id="5" name="Title 7"/>
+          <p:cNvSpPr>
+            <a:spLocks noGrp="1"/>
+          </p:cNvSpPr>
+          <p:nvPr>
+            <p:ph type="title" hasCustomPrompt="1"/>
+          </p:nvPr>
+        </p:nvSpPr>
+        <p:spPr>
+          <a:xfrm>
+            <a:off x="10058400" y="571411"/>
+            <a:ext cx="5448300" cy="1338828"/>
+          </a:xfrm>
+          <a:prstGeom prst="rect">
+            <a:avLst/>
+          </a:prstGeom>
+          <a:noFill/>
+        </p:spPr>
+        <p:txBody>
+          <a:bodyPr wrap="square" rtlCol="0">
+            <a:spAutoFit/>
+          </a:bodyPr>
+          <a:lstStyle>
+            <a:lvl1pPr>
+              <a:defRPr lang="uk-UA" sz="4500" b="1">
+                <a:latin typeface="+mn-lt"/>
+                <a:ea typeface="Roboto Condensed" panose="02000000000000000000" pitchFamily="2" charset="0"/>
+                <a:cs typeface="+mn-cs"/>
+              </a:defRPr>
+            </a:lvl1pPr>
+          </a:lstStyle>
+          <a:p>
+            <a:pPr marL="0" lvl="0"/>
+            <a:r>
+              <a:rPr lang="en-US"/>
+              <a:t>click to edit master title style</a:t>
+            </a:r>
+            <a:endParaRPr lang="uk-UA"/>
+          </a:p>
+        </p:txBody>
+      </p:sp>
+    </p:spTree>
+    <p:extLst>
+      <p:ext uri="{BB962C8B-B14F-4D97-AF65-F5344CB8AC3E}">
+        <p14:creationId xmlns:p14="http://schemas.microsoft.com/office/powerpoint/2010/main" val="1099693045"/>
       </p:ext>
     </p:extLst>
   </p:cSld>
@@ -3047,144 +3037,6 @@
 </file>
 
 <file path=ppt/slideLayouts/slideLayout20.xml><?xml version="1.0" encoding="utf-8"?>
-<p:sldLayout xmlns:a="http://schemas.openxmlformats.org/drawingml/2006/main" xmlns:r="http://schemas.openxmlformats.org/officeDocument/2006/relationships" xmlns:p="http://schemas.openxmlformats.org/presentationml/2006/main" showMasterSp="0" preserve="1" userDrawn="1">
-  <p:cSld name="IMG-SLIDE OPT-10">
-    <p:spTree>
-      <p:nvGrpSpPr>
-        <p:cNvPr id="1" name=""/>
-        <p:cNvGrpSpPr/>
-        <p:nvPr/>
-      </p:nvGrpSpPr>
-      <p:grpSpPr>
-        <a:xfrm>
-          <a:off x="0" y="0"/>
-          <a:ext cx="0" cy="0"/>
-          <a:chOff x="0" y="0"/>
-          <a:chExt cx="0" cy="0"/>
-        </a:xfrm>
-      </p:grpSpPr>
-      <p:sp>
-        <p:nvSpPr>
-          <p:cNvPr id="3" name="Picture Placeholder 2"/>
-          <p:cNvSpPr>
-            <a:spLocks noGrp="1"/>
-          </p:cNvSpPr>
-          <p:nvPr>
-            <p:ph type="pic" sz="quarter" idx="12"/>
-          </p:nvPr>
-        </p:nvSpPr>
-        <p:spPr>
-          <a:xfrm>
-            <a:off x="0" y="0"/>
-            <a:ext cx="9144000" cy="10287000"/>
-          </a:xfrm>
-          <a:prstGeom prst="rect">
-            <a:avLst/>
-          </a:prstGeom>
-        </p:spPr>
-        <p:txBody>
-          <a:bodyPr/>
-          <a:lstStyle/>
-          <a:p>
-            <a:endParaRPr lang="uk-UA"/>
-          </a:p>
-        </p:txBody>
-      </p:sp>
-      <p:cxnSp>
-        <p:nvCxnSpPr>
-          <p:cNvPr id="4" name="Straight Connector 3"/>
-          <p:cNvCxnSpPr/>
-          <p:nvPr userDrawn="1"/>
-        </p:nvCxnSpPr>
-        <p:spPr>
-          <a:xfrm>
-            <a:off x="9886950" y="685800"/>
-            <a:ext cx="0" cy="1028700"/>
-          </a:xfrm>
-          <a:prstGeom prst="line">
-            <a:avLst/>
-          </a:prstGeom>
-          <a:ln w="63500">
-            <a:solidFill>
-              <a:schemeClr val="accent1"/>
-            </a:solidFill>
-            <a:headEnd type="none"/>
-            <a:tailEnd type="none"/>
-          </a:ln>
-        </p:spPr>
-        <p:style>
-          <a:lnRef idx="1">
-            <a:schemeClr val="accent1"/>
-          </a:lnRef>
-          <a:fillRef idx="0">
-            <a:schemeClr val="accent1"/>
-          </a:fillRef>
-          <a:effectRef idx="0">
-            <a:schemeClr val="accent1"/>
-          </a:effectRef>
-          <a:fontRef idx="minor">
-            <a:schemeClr val="tx1"/>
-          </a:fontRef>
-        </p:style>
-      </p:cxnSp>
-      <p:sp>
-        <p:nvSpPr>
-          <p:cNvPr id="5" name="Title 7"/>
-          <p:cNvSpPr>
-            <a:spLocks noGrp="1"/>
-          </p:cNvSpPr>
-          <p:nvPr>
-            <p:ph type="title" hasCustomPrompt="1"/>
-          </p:nvPr>
-        </p:nvSpPr>
-        <p:spPr>
-          <a:xfrm>
-            <a:off x="10058400" y="571411"/>
-            <a:ext cx="5448300" cy="1338828"/>
-          </a:xfrm>
-          <a:prstGeom prst="rect">
-            <a:avLst/>
-          </a:prstGeom>
-          <a:noFill/>
-        </p:spPr>
-        <p:txBody>
-          <a:bodyPr wrap="square" rtlCol="0">
-            <a:spAutoFit/>
-          </a:bodyPr>
-          <a:lstStyle>
-            <a:lvl1pPr>
-              <a:defRPr lang="uk-UA" sz="4500" b="1">
-                <a:latin typeface="+mn-lt"/>
-                <a:ea typeface="Roboto Condensed" panose="02000000000000000000" pitchFamily="2" charset="0"/>
-                <a:cs typeface="+mn-cs"/>
-              </a:defRPr>
-            </a:lvl1pPr>
-          </a:lstStyle>
-          <a:p>
-            <a:pPr marL="0" lvl="0"/>
-            <a:r>
-              <a:rPr lang="en-US"/>
-              <a:t>click to edit master title style</a:t>
-            </a:r>
-            <a:endParaRPr lang="uk-UA"/>
-          </a:p>
-        </p:txBody>
-      </p:sp>
-    </p:spTree>
-    <p:extLst>
-      <p:ext uri="{BB962C8B-B14F-4D97-AF65-F5344CB8AC3E}">
-        <p14:creationId xmlns:p14="http://schemas.microsoft.com/office/powerpoint/2010/main" val="1099693045"/>
-      </p:ext>
-    </p:extLst>
-  </p:cSld>
-  <p:clrMapOvr>
-    <a:masterClrMapping/>
-  </p:clrMapOvr>
-  <p:hf hdr="0" ftr="0" dt="0"/>
-</p:sldLayout>
-</file>
-
-<file path=ppt/slideLayouts/slideLayout21.xml><?xml version="1.0" encoding="utf-8"?>
 <p:sldLayout xmlns:a="http://schemas.openxmlformats.org/drawingml/2006/main" xmlns:r="http://schemas.openxmlformats.org/officeDocument/2006/relationships" xmlns:p="http://schemas.openxmlformats.org/presentationml/2006/main" userDrawn="1">
   <p:cSld name="DEFAULT SLIDE">
     <p:spTree>
@@ -3350,7 +3202,7 @@
 </p:sldLayout>
 </file>
 
-<file path=ppt/slideLayouts/slideLayout22.xml><?xml version="1.0" encoding="utf-8"?>
+<file path=ppt/slideLayouts/slideLayout21.xml><?xml version="1.0" encoding="utf-8"?>
 <p:sldLayout xmlns:a="http://schemas.openxmlformats.org/drawingml/2006/main" xmlns:r="http://schemas.openxmlformats.org/officeDocument/2006/relationships" xmlns:p="http://schemas.openxmlformats.org/presentationml/2006/main" preserve="1" userDrawn="1">
   <p:cSld name="DEVICES OPT-1">
     <p:spTree>
@@ -3543,7 +3395,7 @@
 </p:sldLayout>
 </file>
 
-<file path=ppt/slideLayouts/slideLayout23.xml><?xml version="1.0" encoding="utf-8"?>
+<file path=ppt/slideLayouts/slideLayout22.xml><?xml version="1.0" encoding="utf-8"?>
 <p:sldLayout xmlns:a="http://schemas.openxmlformats.org/drawingml/2006/main" xmlns:r="http://schemas.openxmlformats.org/officeDocument/2006/relationships" xmlns:p="http://schemas.openxmlformats.org/presentationml/2006/main" preserve="1" userDrawn="1">
   <p:cSld name="DEVICES OPT-2">
     <p:spTree>
@@ -3790,7 +3642,7 @@
 </p:sldLayout>
 </file>
 
-<file path=ppt/slideLayouts/slideLayout24.xml><?xml version="1.0" encoding="utf-8"?>
+<file path=ppt/slideLayouts/slideLayout23.xml><?xml version="1.0" encoding="utf-8"?>
 <p:sldLayout xmlns:a="http://schemas.openxmlformats.org/drawingml/2006/main" xmlns:r="http://schemas.openxmlformats.org/officeDocument/2006/relationships" xmlns:p="http://schemas.openxmlformats.org/presentationml/2006/main" preserve="1" userDrawn="1">
   <p:cSld name="DEVICES OPT-3">
     <p:spTree>
@@ -3983,7 +3835,7 @@
 </p:sldLayout>
 </file>
 
-<file path=ppt/slideLayouts/slideLayout25.xml><?xml version="1.0" encoding="utf-8"?>
+<file path=ppt/slideLayouts/slideLayout24.xml><?xml version="1.0" encoding="utf-8"?>
 <p:sldLayout xmlns:a="http://schemas.openxmlformats.org/drawingml/2006/main" xmlns:r="http://schemas.openxmlformats.org/officeDocument/2006/relationships" xmlns:p="http://schemas.openxmlformats.org/presentationml/2006/main" preserve="1" userDrawn="1">
   <p:cSld name="DEVICES OPT-6">
     <p:spTree>
@@ -4176,7 +4028,7 @@
 </p:sldLayout>
 </file>
 
-<file path=ppt/slideLayouts/slideLayout26.xml><?xml version="1.0" encoding="utf-8"?>
+<file path=ppt/slideLayouts/slideLayout25.xml><?xml version="1.0" encoding="utf-8"?>
 <p:sldLayout xmlns:a="http://schemas.openxmlformats.org/drawingml/2006/main" xmlns:r="http://schemas.openxmlformats.org/officeDocument/2006/relationships" xmlns:p="http://schemas.openxmlformats.org/presentationml/2006/main" preserve="1" userDrawn="1">
   <p:cSld name="DEVICES OPT-7">
     <p:spTree>
@@ -4369,7 +4221,7 @@
 </p:sldLayout>
 </file>
 
-<file path=ppt/slideLayouts/slideLayout27.xml><?xml version="1.0" encoding="utf-8"?>
+<file path=ppt/slideLayouts/slideLayout26.xml><?xml version="1.0" encoding="utf-8"?>
 <p:sldLayout xmlns:a="http://schemas.openxmlformats.org/drawingml/2006/main" xmlns:r="http://schemas.openxmlformats.org/officeDocument/2006/relationships" xmlns:p="http://schemas.openxmlformats.org/presentationml/2006/main" preserve="1" userDrawn="1">
   <p:cSld name="DEVICES OPT-4">
     <p:spTree>
@@ -4562,7 +4414,7 @@
 </p:sldLayout>
 </file>
 
-<file path=ppt/slideLayouts/slideLayout28.xml><?xml version="1.0" encoding="utf-8"?>
+<file path=ppt/slideLayouts/slideLayout27.xml><?xml version="1.0" encoding="utf-8"?>
 <p:sldLayout xmlns:a="http://schemas.openxmlformats.org/drawingml/2006/main" xmlns:r="http://schemas.openxmlformats.org/officeDocument/2006/relationships" xmlns:p="http://schemas.openxmlformats.org/presentationml/2006/main" preserve="1" userDrawn="1">
   <p:cSld name="DEVICES OPT-5">
     <p:spTree>
@@ -4755,7 +4607,7 @@
 </p:sldLayout>
 </file>
 
-<file path=ppt/slideLayouts/slideLayout29.xml><?xml version="1.0" encoding="utf-8"?>
+<file path=ppt/slideLayouts/slideLayout28.xml><?xml version="1.0" encoding="utf-8"?>
 <p:sldLayout xmlns:a="http://schemas.openxmlformats.org/drawingml/2006/main" xmlns:r="http://schemas.openxmlformats.org/officeDocument/2006/relationships" xmlns:p="http://schemas.openxmlformats.org/presentationml/2006/main" preserve="1" userDrawn="1">
   <p:cSld name="DEVICES OPT-8">
     <p:spTree>
@@ -5035,6 +4887,206 @@
     <p:extLst>
       <p:ext uri="{BB962C8B-B14F-4D97-AF65-F5344CB8AC3E}">
         <p14:creationId xmlns:p14="http://schemas.microsoft.com/office/powerpoint/2010/main" val="2009179937"/>
+      </p:ext>
+    </p:extLst>
+  </p:cSld>
+  <p:clrMapOvr>
+    <a:masterClrMapping/>
+  </p:clrMapOvr>
+  <p:hf hdr="0" ftr="0" dt="0"/>
+</p:sldLayout>
+</file>
+
+<file path=ppt/slideLayouts/slideLayout29.xml><?xml version="1.0" encoding="utf-8"?>
+<p:sldLayout xmlns:a="http://schemas.openxmlformats.org/drawingml/2006/main" xmlns:r="http://schemas.openxmlformats.org/officeDocument/2006/relationships" xmlns:p="http://schemas.openxmlformats.org/presentationml/2006/main" preserve="1" userDrawn="1">
+  <p:cSld name="DEVICES OPT-9">
+    <p:spTree>
+      <p:nvGrpSpPr>
+        <p:cNvPr id="1" name=""/>
+        <p:cNvGrpSpPr/>
+        <p:nvPr/>
+      </p:nvGrpSpPr>
+      <p:grpSpPr>
+        <a:xfrm>
+          <a:off x="0" y="0"/>
+          <a:ext cx="0" cy="0"/>
+          <a:chOff x="0" y="0"/>
+          <a:chExt cx="0" cy="0"/>
+        </a:xfrm>
+      </p:grpSpPr>
+      <p:cxnSp>
+        <p:nvCxnSpPr>
+          <p:cNvPr id="2" name="Straight Connector 1"/>
+          <p:cNvCxnSpPr/>
+          <p:nvPr userDrawn="1"/>
+        </p:nvCxnSpPr>
+        <p:spPr>
+          <a:xfrm>
+            <a:off x="704850" y="685800"/>
+            <a:ext cx="0" cy="1028700"/>
+          </a:xfrm>
+          <a:prstGeom prst="line">
+            <a:avLst/>
+          </a:prstGeom>
+          <a:ln w="63500">
+            <a:solidFill>
+              <a:schemeClr val="accent1"/>
+            </a:solidFill>
+            <a:headEnd type="none"/>
+            <a:tailEnd type="none"/>
+          </a:ln>
+        </p:spPr>
+        <p:style>
+          <a:lnRef idx="1">
+            <a:schemeClr val="accent1"/>
+          </a:lnRef>
+          <a:fillRef idx="0">
+            <a:schemeClr val="accent1"/>
+          </a:fillRef>
+          <a:effectRef idx="0">
+            <a:schemeClr val="accent1"/>
+          </a:effectRef>
+          <a:fontRef idx="minor">
+            <a:schemeClr val="tx1"/>
+          </a:fontRef>
+        </p:style>
+      </p:cxnSp>
+      <p:sp>
+        <p:nvSpPr>
+          <p:cNvPr id="8" name="Title 7"/>
+          <p:cNvSpPr>
+            <a:spLocks noGrp="1"/>
+          </p:cNvSpPr>
+          <p:nvPr>
+            <p:ph type="title" hasCustomPrompt="1"/>
+          </p:nvPr>
+        </p:nvSpPr>
+        <p:spPr>
+          <a:xfrm>
+            <a:off x="876300" y="571411"/>
+            <a:ext cx="5448300" cy="1338828"/>
+          </a:xfrm>
+          <a:prstGeom prst="rect">
+            <a:avLst/>
+          </a:prstGeom>
+          <a:noFill/>
+        </p:spPr>
+        <p:txBody>
+          <a:bodyPr wrap="square" rtlCol="0">
+            <a:spAutoFit/>
+          </a:bodyPr>
+          <a:lstStyle>
+            <a:lvl1pPr>
+              <a:defRPr lang="uk-UA" sz="4500" b="1">
+                <a:latin typeface="+mn-lt"/>
+                <a:ea typeface="Roboto Condensed" panose="02000000000000000000" pitchFamily="2" charset="0"/>
+                <a:cs typeface="+mn-cs"/>
+              </a:defRPr>
+            </a:lvl1pPr>
+          </a:lstStyle>
+          <a:p>
+            <a:pPr marL="0" lvl="0"/>
+            <a:r>
+              <a:rPr lang="en-US"/>
+              <a:t>click to edit master title style</a:t>
+            </a:r>
+            <a:endParaRPr lang="uk-UA"/>
+          </a:p>
+        </p:txBody>
+      </p:sp>
+      <p:sp>
+        <p:nvSpPr>
+          <p:cNvPr id="9" name="Slide Number Placeholder 8"/>
+          <p:cNvSpPr>
+            <a:spLocks noGrp="1"/>
+          </p:cNvSpPr>
+          <p:nvPr>
+            <p:ph type="sldNum" sz="quarter" idx="10"/>
+          </p:nvPr>
+        </p:nvSpPr>
+        <p:spPr>
+          <a:xfrm>
+            <a:off x="16916400" y="9072685"/>
+            <a:ext cx="1733550" cy="954107"/>
+          </a:xfrm>
+          <a:prstGeom prst="rect">
+            <a:avLst/>
+          </a:prstGeom>
+          <a:noFill/>
+        </p:spPr>
+        <p:txBody>
+          <a:bodyPr wrap="square" rtlCol="0">
+            <a:spAutoFit/>
+          </a:bodyPr>
+          <a:lstStyle>
+            <a:lvl1pPr>
+              <a:defRPr lang="uk-UA" sz="2800" b="1" smtClean="0">
+                <a:solidFill>
+                  <a:schemeClr val="accent2"/>
+                </a:solidFill>
+              </a:defRPr>
+            </a:lvl1pPr>
+          </a:lstStyle>
+          <a:p>
+            <a:pPr algn="l"/>
+            <a:r>
+              <a:rPr lang="en-US"/>
+              <a:t>page</a:t>
+            </a:r>
+          </a:p>
+          <a:p>
+            <a:pPr algn="l"/>
+            <a:r>
+              <a:rPr lang="en-US"/>
+              <a:t>0</a:t>
+            </a:r>
+            <a:fld id="{37D409AB-2201-4E18-8A34-C31753AD9B06}" type="slidenum">
+              <a:rPr smtClean="0"/>
+              <a:pPr algn="l"/>
+              <a:t>‹#›</a:t>
+            </a:fld>
+            <a:endParaRPr/>
+          </a:p>
+        </p:txBody>
+      </p:sp>
+      <p:sp>
+        <p:nvSpPr>
+          <p:cNvPr id="6" name="Picture Placeholder 5"/>
+          <p:cNvSpPr>
+            <a:spLocks noGrp="1"/>
+          </p:cNvSpPr>
+          <p:nvPr>
+            <p:ph type="pic" sz="quarter" idx="11"/>
+          </p:nvPr>
+        </p:nvSpPr>
+        <p:spPr>
+          <a:xfrm>
+            <a:off x="2807208" y="3200400"/>
+            <a:ext cx="3886200" cy="3886200"/>
+          </a:xfrm>
+          <a:prstGeom prst="roundRect">
+            <a:avLst/>
+          </a:prstGeom>
+          <a:effectLst>
+            <a:outerShdw blurRad="292100" dist="38100" dir="5400000" algn="t" rotWithShape="0">
+              <a:schemeClr val="accent1">
+                <a:alpha val="67000"/>
+              </a:schemeClr>
+            </a:outerShdw>
+          </a:effectLst>
+        </p:spPr>
+        <p:txBody>
+          <a:bodyPr/>
+          <a:lstStyle/>
+          <a:p>
+            <a:endParaRPr lang="uk-UA"/>
+          </a:p>
+        </p:txBody>
+      </p:sp>
+    </p:spTree>
+    <p:extLst>
+      <p:ext uri="{BB962C8B-B14F-4D97-AF65-F5344CB8AC3E}">
+        <p14:creationId xmlns:p14="http://schemas.microsoft.com/office/powerpoint/2010/main" val="1337995374"/>
       </p:ext>
     </p:extLst>
   </p:cSld>
@@ -5271,206 +5323,6 @@
 
 <file path=ppt/slideLayouts/slideLayout30.xml><?xml version="1.0" encoding="utf-8"?>
 <p:sldLayout xmlns:a="http://schemas.openxmlformats.org/drawingml/2006/main" xmlns:r="http://schemas.openxmlformats.org/officeDocument/2006/relationships" xmlns:p="http://schemas.openxmlformats.org/presentationml/2006/main" preserve="1" userDrawn="1">
-  <p:cSld name="DEVICES OPT-9">
-    <p:spTree>
-      <p:nvGrpSpPr>
-        <p:cNvPr id="1" name=""/>
-        <p:cNvGrpSpPr/>
-        <p:nvPr/>
-      </p:nvGrpSpPr>
-      <p:grpSpPr>
-        <a:xfrm>
-          <a:off x="0" y="0"/>
-          <a:ext cx="0" cy="0"/>
-          <a:chOff x="0" y="0"/>
-          <a:chExt cx="0" cy="0"/>
-        </a:xfrm>
-      </p:grpSpPr>
-      <p:cxnSp>
-        <p:nvCxnSpPr>
-          <p:cNvPr id="2" name="Straight Connector 1"/>
-          <p:cNvCxnSpPr/>
-          <p:nvPr userDrawn="1"/>
-        </p:nvCxnSpPr>
-        <p:spPr>
-          <a:xfrm>
-            <a:off x="704850" y="685800"/>
-            <a:ext cx="0" cy="1028700"/>
-          </a:xfrm>
-          <a:prstGeom prst="line">
-            <a:avLst/>
-          </a:prstGeom>
-          <a:ln w="63500">
-            <a:solidFill>
-              <a:schemeClr val="accent1"/>
-            </a:solidFill>
-            <a:headEnd type="none"/>
-            <a:tailEnd type="none"/>
-          </a:ln>
-        </p:spPr>
-        <p:style>
-          <a:lnRef idx="1">
-            <a:schemeClr val="accent1"/>
-          </a:lnRef>
-          <a:fillRef idx="0">
-            <a:schemeClr val="accent1"/>
-          </a:fillRef>
-          <a:effectRef idx="0">
-            <a:schemeClr val="accent1"/>
-          </a:effectRef>
-          <a:fontRef idx="minor">
-            <a:schemeClr val="tx1"/>
-          </a:fontRef>
-        </p:style>
-      </p:cxnSp>
-      <p:sp>
-        <p:nvSpPr>
-          <p:cNvPr id="8" name="Title 7"/>
-          <p:cNvSpPr>
-            <a:spLocks noGrp="1"/>
-          </p:cNvSpPr>
-          <p:nvPr>
-            <p:ph type="title" hasCustomPrompt="1"/>
-          </p:nvPr>
-        </p:nvSpPr>
-        <p:spPr>
-          <a:xfrm>
-            <a:off x="876300" y="571411"/>
-            <a:ext cx="5448300" cy="1338828"/>
-          </a:xfrm>
-          <a:prstGeom prst="rect">
-            <a:avLst/>
-          </a:prstGeom>
-          <a:noFill/>
-        </p:spPr>
-        <p:txBody>
-          <a:bodyPr wrap="square" rtlCol="0">
-            <a:spAutoFit/>
-          </a:bodyPr>
-          <a:lstStyle>
-            <a:lvl1pPr>
-              <a:defRPr lang="uk-UA" sz="4500" b="1">
-                <a:latin typeface="+mn-lt"/>
-                <a:ea typeface="Roboto Condensed" panose="02000000000000000000" pitchFamily="2" charset="0"/>
-                <a:cs typeface="+mn-cs"/>
-              </a:defRPr>
-            </a:lvl1pPr>
-          </a:lstStyle>
-          <a:p>
-            <a:pPr marL="0" lvl="0"/>
-            <a:r>
-              <a:rPr lang="en-US"/>
-              <a:t>click to edit master title style</a:t>
-            </a:r>
-            <a:endParaRPr lang="uk-UA"/>
-          </a:p>
-        </p:txBody>
-      </p:sp>
-      <p:sp>
-        <p:nvSpPr>
-          <p:cNvPr id="9" name="Slide Number Placeholder 8"/>
-          <p:cNvSpPr>
-            <a:spLocks noGrp="1"/>
-          </p:cNvSpPr>
-          <p:nvPr>
-            <p:ph type="sldNum" sz="quarter" idx="10"/>
-          </p:nvPr>
-        </p:nvSpPr>
-        <p:spPr>
-          <a:xfrm>
-            <a:off x="16916400" y="9072685"/>
-            <a:ext cx="1733550" cy="954107"/>
-          </a:xfrm>
-          <a:prstGeom prst="rect">
-            <a:avLst/>
-          </a:prstGeom>
-          <a:noFill/>
-        </p:spPr>
-        <p:txBody>
-          <a:bodyPr wrap="square" rtlCol="0">
-            <a:spAutoFit/>
-          </a:bodyPr>
-          <a:lstStyle>
-            <a:lvl1pPr>
-              <a:defRPr lang="uk-UA" sz="2800" b="1" smtClean="0">
-                <a:solidFill>
-                  <a:schemeClr val="accent2"/>
-                </a:solidFill>
-              </a:defRPr>
-            </a:lvl1pPr>
-          </a:lstStyle>
-          <a:p>
-            <a:pPr algn="l"/>
-            <a:r>
-              <a:rPr lang="en-US"/>
-              <a:t>page</a:t>
-            </a:r>
-          </a:p>
-          <a:p>
-            <a:pPr algn="l"/>
-            <a:r>
-              <a:rPr lang="en-US"/>
-              <a:t>0</a:t>
-            </a:r>
-            <a:fld id="{37D409AB-2201-4E18-8A34-C31753AD9B06}" type="slidenum">
-              <a:rPr smtClean="0"/>
-              <a:pPr algn="l"/>
-              <a:t>‹#›</a:t>
-            </a:fld>
-            <a:endParaRPr/>
-          </a:p>
-        </p:txBody>
-      </p:sp>
-      <p:sp>
-        <p:nvSpPr>
-          <p:cNvPr id="6" name="Picture Placeholder 5"/>
-          <p:cNvSpPr>
-            <a:spLocks noGrp="1"/>
-          </p:cNvSpPr>
-          <p:nvPr>
-            <p:ph type="pic" sz="quarter" idx="11"/>
-          </p:nvPr>
-        </p:nvSpPr>
-        <p:spPr>
-          <a:xfrm>
-            <a:off x="2807208" y="3200400"/>
-            <a:ext cx="3886200" cy="3886200"/>
-          </a:xfrm>
-          <a:prstGeom prst="roundRect">
-            <a:avLst/>
-          </a:prstGeom>
-          <a:effectLst>
-            <a:outerShdw blurRad="292100" dist="38100" dir="5400000" algn="t" rotWithShape="0">
-              <a:schemeClr val="accent1">
-                <a:alpha val="67000"/>
-              </a:schemeClr>
-            </a:outerShdw>
-          </a:effectLst>
-        </p:spPr>
-        <p:txBody>
-          <a:bodyPr/>
-          <a:lstStyle/>
-          <a:p>
-            <a:endParaRPr lang="uk-UA"/>
-          </a:p>
-        </p:txBody>
-      </p:sp>
-    </p:spTree>
-    <p:extLst>
-      <p:ext uri="{BB962C8B-B14F-4D97-AF65-F5344CB8AC3E}">
-        <p14:creationId xmlns:p14="http://schemas.microsoft.com/office/powerpoint/2010/main" val="1337995374"/>
-      </p:ext>
-    </p:extLst>
-  </p:cSld>
-  <p:clrMapOvr>
-    <a:masterClrMapping/>
-  </p:clrMapOvr>
-  <p:hf hdr="0" ftr="0" dt="0"/>
-</p:sldLayout>
-</file>
-
-<file path=ppt/slideLayouts/slideLayout31.xml><?xml version="1.0" encoding="utf-8"?>
-<p:sldLayout xmlns:a="http://schemas.openxmlformats.org/drawingml/2006/main" xmlns:r="http://schemas.openxmlformats.org/officeDocument/2006/relationships" xmlns:p="http://schemas.openxmlformats.org/presentationml/2006/main" preserve="1" userDrawn="1">
   <p:cSld name="DEVICES OPT-11">
     <p:spTree>
       <p:nvGrpSpPr>
@@ -5720,7 +5572,7 @@
 </p:sldLayout>
 </file>
 
-<file path=ppt/slideLayouts/slideLayout32.xml><?xml version="1.0" encoding="utf-8"?>
+<file path=ppt/slideLayouts/slideLayout31.xml><?xml version="1.0" encoding="utf-8"?>
 <p:sldLayout xmlns:a="http://schemas.openxmlformats.org/drawingml/2006/main" xmlns:r="http://schemas.openxmlformats.org/officeDocument/2006/relationships" xmlns:p="http://schemas.openxmlformats.org/presentationml/2006/main" preserve="1" userDrawn="1">
   <p:cSld name="DEVICES OPT-12">
     <p:spTree>
@@ -6025,7 +5877,7 @@
 </p:sldLayout>
 </file>
 
-<file path=ppt/slideLayouts/slideLayout33.xml><?xml version="1.0" encoding="utf-8"?>
+<file path=ppt/slideLayouts/slideLayout32.xml><?xml version="1.0" encoding="utf-8"?>
 <p:sldLayout xmlns:a="http://schemas.openxmlformats.org/drawingml/2006/main" xmlns:r="http://schemas.openxmlformats.org/officeDocument/2006/relationships" xmlns:p="http://schemas.openxmlformats.org/presentationml/2006/main" preserve="1" userDrawn="1">
   <p:cSld name="DEVICES OPT-13">
     <p:spTree>
@@ -6276,7 +6128,7 @@
 </p:sldLayout>
 </file>
 
-<file path=ppt/slideLayouts/slideLayout34.xml><?xml version="1.0" encoding="utf-8"?>
+<file path=ppt/slideLayouts/slideLayout33.xml><?xml version="1.0" encoding="utf-8"?>
 <p:sldLayout xmlns:a="http://schemas.openxmlformats.org/drawingml/2006/main" xmlns:r="http://schemas.openxmlformats.org/officeDocument/2006/relationships" xmlns:p="http://schemas.openxmlformats.org/presentationml/2006/main" preserve="1" userDrawn="1">
   <p:cSld name="DEVICES OPT-14">
     <p:spTree>
@@ -6527,7 +6379,7 @@
 </p:sldLayout>
 </file>
 
-<file path=ppt/slideLayouts/slideLayout35.xml><?xml version="1.0" encoding="utf-8"?>
+<file path=ppt/slideLayouts/slideLayout34.xml><?xml version="1.0" encoding="utf-8"?>
 <p:sldLayout xmlns:a="http://schemas.openxmlformats.org/drawingml/2006/main" xmlns:r="http://schemas.openxmlformats.org/officeDocument/2006/relationships" xmlns:p="http://schemas.openxmlformats.org/presentationml/2006/main" preserve="1" userDrawn="1">
   <p:cSld name="DEVICES OPT-15">
     <p:spTree>
@@ -6778,7 +6630,7 @@
 </p:sldLayout>
 </file>
 
-<file path=ppt/slideLayouts/slideLayout36.xml><?xml version="1.0" encoding="utf-8"?>
+<file path=ppt/slideLayouts/slideLayout35.xml><?xml version="1.0" encoding="utf-8"?>
 <p:sldLayout xmlns:a="http://schemas.openxmlformats.org/drawingml/2006/main" xmlns:r="http://schemas.openxmlformats.org/officeDocument/2006/relationships" xmlns:p="http://schemas.openxmlformats.org/presentationml/2006/main" preserve="1" userDrawn="1">
   <p:cSld name="DEVICES OPT-16">
     <p:spTree>
@@ -7029,7 +6881,7 @@
 </p:sldLayout>
 </file>
 
-<file path=ppt/slideLayouts/slideLayout37.xml><?xml version="1.0" encoding="utf-8"?>
+<file path=ppt/slideLayouts/slideLayout36.xml><?xml version="1.0" encoding="utf-8"?>
 <p:sldLayout xmlns:a="http://schemas.openxmlformats.org/drawingml/2006/main" xmlns:r="http://schemas.openxmlformats.org/officeDocument/2006/relationships" xmlns:p="http://schemas.openxmlformats.org/presentationml/2006/main" preserve="1" userDrawn="1">
   <p:cSld name="PORTFOLIO OPT-1">
     <p:spTree>
@@ -7233,7 +7085,7 @@
 </p:sldLayout>
 </file>
 
-<file path=ppt/slideLayouts/slideLayout38.xml><?xml version="1.0" encoding="utf-8"?>
+<file path=ppt/slideLayouts/slideLayout37.xml><?xml version="1.0" encoding="utf-8"?>
 <p:sldLayout xmlns:a="http://schemas.openxmlformats.org/drawingml/2006/main" xmlns:r="http://schemas.openxmlformats.org/officeDocument/2006/relationships" xmlns:p="http://schemas.openxmlformats.org/presentationml/2006/main" preserve="1" userDrawn="1">
   <p:cSld name="PORTFOLIO OPT-2">
     <p:spTree>
@@ -7475,7 +7327,7 @@
 </p:sldLayout>
 </file>
 
-<file path=ppt/slideLayouts/slideLayout39.xml><?xml version="1.0" encoding="utf-8"?>
+<file path=ppt/slideLayouts/slideLayout38.xml><?xml version="1.0" encoding="utf-8"?>
 <p:sldLayout xmlns:a="http://schemas.openxmlformats.org/drawingml/2006/main" xmlns:r="http://schemas.openxmlformats.org/officeDocument/2006/relationships" xmlns:p="http://schemas.openxmlformats.org/presentationml/2006/main" preserve="1" userDrawn="1">
   <p:cSld name="PORTFOLIO OPT-3">
     <p:spTree>
@@ -7745,6 +7597,286 @@
     <p:extLst>
       <p:ext uri="{BB962C8B-B14F-4D97-AF65-F5344CB8AC3E}">
         <p14:creationId xmlns:p14="http://schemas.microsoft.com/office/powerpoint/2010/main" val="1916747259"/>
+      </p:ext>
+    </p:extLst>
+  </p:cSld>
+  <p:clrMapOvr>
+    <a:masterClrMapping/>
+  </p:clrMapOvr>
+  <p:hf hdr="0" ftr="0" dt="0"/>
+</p:sldLayout>
+</file>
+
+<file path=ppt/slideLayouts/slideLayout39.xml><?xml version="1.0" encoding="utf-8"?>
+<p:sldLayout xmlns:a="http://schemas.openxmlformats.org/drawingml/2006/main" xmlns:r="http://schemas.openxmlformats.org/officeDocument/2006/relationships" xmlns:p="http://schemas.openxmlformats.org/presentationml/2006/main" preserve="1" userDrawn="1">
+  <p:cSld name="PORTFOLIO OPT-4">
+    <p:spTree>
+      <p:nvGrpSpPr>
+        <p:cNvPr id="1" name=""/>
+        <p:cNvGrpSpPr/>
+        <p:nvPr/>
+      </p:nvGrpSpPr>
+      <p:grpSpPr>
+        <a:xfrm>
+          <a:off x="0" y="0"/>
+          <a:ext cx="0" cy="0"/>
+          <a:chOff x="0" y="0"/>
+          <a:chExt cx="0" cy="0"/>
+        </a:xfrm>
+      </p:grpSpPr>
+      <p:cxnSp>
+        <p:nvCxnSpPr>
+          <p:cNvPr id="2" name="Straight Connector 1"/>
+          <p:cNvCxnSpPr/>
+          <p:nvPr userDrawn="1"/>
+        </p:nvCxnSpPr>
+        <p:spPr>
+          <a:xfrm>
+            <a:off x="704850" y="685800"/>
+            <a:ext cx="0" cy="1028700"/>
+          </a:xfrm>
+          <a:prstGeom prst="line">
+            <a:avLst/>
+          </a:prstGeom>
+          <a:ln w="63500">
+            <a:solidFill>
+              <a:schemeClr val="accent1"/>
+            </a:solidFill>
+            <a:headEnd type="none"/>
+            <a:tailEnd type="none"/>
+          </a:ln>
+        </p:spPr>
+        <p:style>
+          <a:lnRef idx="1">
+            <a:schemeClr val="accent1"/>
+          </a:lnRef>
+          <a:fillRef idx="0">
+            <a:schemeClr val="accent1"/>
+          </a:fillRef>
+          <a:effectRef idx="0">
+            <a:schemeClr val="accent1"/>
+          </a:effectRef>
+          <a:fontRef idx="minor">
+            <a:schemeClr val="tx1"/>
+          </a:fontRef>
+        </p:style>
+      </p:cxnSp>
+      <p:sp>
+        <p:nvSpPr>
+          <p:cNvPr id="8" name="Title 7"/>
+          <p:cNvSpPr>
+            <a:spLocks noGrp="1"/>
+          </p:cNvSpPr>
+          <p:nvPr>
+            <p:ph type="title" hasCustomPrompt="1"/>
+          </p:nvPr>
+        </p:nvSpPr>
+        <p:spPr>
+          <a:xfrm>
+            <a:off x="876300" y="571411"/>
+            <a:ext cx="5448300" cy="1338828"/>
+          </a:xfrm>
+          <a:prstGeom prst="rect">
+            <a:avLst/>
+          </a:prstGeom>
+          <a:noFill/>
+        </p:spPr>
+        <p:txBody>
+          <a:bodyPr wrap="square" rtlCol="0">
+            <a:spAutoFit/>
+          </a:bodyPr>
+          <a:lstStyle>
+            <a:lvl1pPr>
+              <a:defRPr lang="uk-UA" sz="4500" b="1">
+                <a:latin typeface="+mn-lt"/>
+                <a:ea typeface="Roboto Condensed" panose="02000000000000000000" pitchFamily="2" charset="0"/>
+                <a:cs typeface="+mn-cs"/>
+              </a:defRPr>
+            </a:lvl1pPr>
+          </a:lstStyle>
+          <a:p>
+            <a:pPr marL="0" lvl="0"/>
+            <a:r>
+              <a:rPr lang="en-US"/>
+              <a:t>click to edit master title style</a:t>
+            </a:r>
+            <a:endParaRPr lang="uk-UA"/>
+          </a:p>
+        </p:txBody>
+      </p:sp>
+      <p:sp>
+        <p:nvSpPr>
+          <p:cNvPr id="9" name="Slide Number Placeholder 8"/>
+          <p:cNvSpPr>
+            <a:spLocks noGrp="1"/>
+          </p:cNvSpPr>
+          <p:nvPr>
+            <p:ph type="sldNum" sz="quarter" idx="10"/>
+          </p:nvPr>
+        </p:nvSpPr>
+        <p:spPr>
+          <a:xfrm>
+            <a:off x="16916400" y="9072685"/>
+            <a:ext cx="1733550" cy="954107"/>
+          </a:xfrm>
+          <a:prstGeom prst="rect">
+            <a:avLst/>
+          </a:prstGeom>
+          <a:noFill/>
+        </p:spPr>
+        <p:txBody>
+          <a:bodyPr wrap="square" rtlCol="0">
+            <a:spAutoFit/>
+          </a:bodyPr>
+          <a:lstStyle>
+            <a:lvl1pPr>
+              <a:defRPr lang="uk-UA" sz="2800" b="1" smtClean="0">
+                <a:solidFill>
+                  <a:schemeClr val="accent2"/>
+                </a:solidFill>
+              </a:defRPr>
+            </a:lvl1pPr>
+          </a:lstStyle>
+          <a:p>
+            <a:pPr algn="l"/>
+            <a:r>
+              <a:rPr lang="en-US"/>
+              <a:t>page</a:t>
+            </a:r>
+          </a:p>
+          <a:p>
+            <a:pPr algn="l"/>
+            <a:r>
+              <a:rPr lang="en-US"/>
+              <a:t>0</a:t>
+            </a:r>
+            <a:fld id="{37D409AB-2201-4E18-8A34-C31753AD9B06}" type="slidenum">
+              <a:rPr smtClean="0"/>
+              <a:pPr algn="l"/>
+              <a:t>‹#›</a:t>
+            </a:fld>
+            <a:endParaRPr/>
+          </a:p>
+        </p:txBody>
+      </p:sp>
+      <p:sp>
+        <p:nvSpPr>
+          <p:cNvPr id="13" name="Picture Placeholder 2"/>
+          <p:cNvSpPr>
+            <a:spLocks noGrp="1"/>
+          </p:cNvSpPr>
+          <p:nvPr>
+            <p:ph type="pic" sz="quarter" idx="12"/>
+          </p:nvPr>
+        </p:nvSpPr>
+        <p:spPr>
+          <a:xfrm>
+            <a:off x="1257300" y="2400300"/>
+            <a:ext cx="5029200" cy="5029200"/>
+          </a:xfrm>
+          <a:prstGeom prst="rect">
+            <a:avLst/>
+          </a:prstGeom>
+          <a:effectLst>
+            <a:outerShdw blurRad="127000" dist="38100" dir="5400000" algn="t" rotWithShape="0">
+              <a:prstClr val="black">
+                <a:alpha val="67000"/>
+              </a:prstClr>
+            </a:outerShdw>
+          </a:effectLst>
+        </p:spPr>
+        <p:txBody>
+          <a:bodyPr/>
+          <a:lstStyle>
+            <a:lvl1pPr>
+              <a:defRPr sz="2000"/>
+            </a:lvl1pPr>
+          </a:lstStyle>
+          <a:p>
+            <a:endParaRPr lang="uk-UA"/>
+          </a:p>
+        </p:txBody>
+      </p:sp>
+      <p:sp>
+        <p:nvSpPr>
+          <p:cNvPr id="14" name="Picture Placeholder 2"/>
+          <p:cNvSpPr>
+            <a:spLocks noGrp="1"/>
+          </p:cNvSpPr>
+          <p:nvPr>
+            <p:ph type="pic" sz="quarter" idx="13"/>
+          </p:nvPr>
+        </p:nvSpPr>
+        <p:spPr>
+          <a:xfrm>
+            <a:off x="12001500" y="2400300"/>
+            <a:ext cx="5029200" cy="5029200"/>
+          </a:xfrm>
+          <a:prstGeom prst="rect">
+            <a:avLst/>
+          </a:prstGeom>
+          <a:effectLst>
+            <a:outerShdw blurRad="127000" dist="38100" dir="5400000" algn="t" rotWithShape="0">
+              <a:prstClr val="black">
+                <a:alpha val="67000"/>
+              </a:prstClr>
+            </a:outerShdw>
+          </a:effectLst>
+        </p:spPr>
+        <p:txBody>
+          <a:bodyPr/>
+          <a:lstStyle>
+            <a:lvl1pPr>
+              <a:defRPr sz="2000"/>
+            </a:lvl1pPr>
+          </a:lstStyle>
+          <a:p>
+            <a:endParaRPr lang="uk-UA"/>
+          </a:p>
+        </p:txBody>
+      </p:sp>
+      <p:sp>
+        <p:nvSpPr>
+          <p:cNvPr id="15" name="Picture Placeholder 2"/>
+          <p:cNvSpPr>
+            <a:spLocks noGrp="1"/>
+          </p:cNvSpPr>
+          <p:nvPr>
+            <p:ph type="pic" sz="quarter" idx="14"/>
+          </p:nvPr>
+        </p:nvSpPr>
+        <p:spPr>
+          <a:xfrm>
+            <a:off x="6629400" y="2400300"/>
+            <a:ext cx="5029200" cy="5029200"/>
+          </a:xfrm>
+          <a:prstGeom prst="rect">
+            <a:avLst/>
+          </a:prstGeom>
+          <a:effectLst>
+            <a:outerShdw blurRad="127000" dist="38100" dir="5400000" algn="t" rotWithShape="0">
+              <a:prstClr val="black">
+                <a:alpha val="67000"/>
+              </a:prstClr>
+            </a:outerShdw>
+          </a:effectLst>
+        </p:spPr>
+        <p:txBody>
+          <a:bodyPr/>
+          <a:lstStyle>
+            <a:lvl1pPr>
+              <a:defRPr sz="2000"/>
+            </a:lvl1pPr>
+          </a:lstStyle>
+          <a:p>
+            <a:endParaRPr lang="uk-UA"/>
+          </a:p>
+        </p:txBody>
+      </p:sp>
+    </p:spTree>
+    <p:extLst>
+      <p:ext uri="{BB962C8B-B14F-4D97-AF65-F5344CB8AC3E}">
+        <p14:creationId xmlns:p14="http://schemas.microsoft.com/office/powerpoint/2010/main" val="1400998396"/>
       </p:ext>
     </p:extLst>
   </p:cSld>
@@ -7978,286 +8110,6 @@
 
 <file path=ppt/slideLayouts/slideLayout40.xml><?xml version="1.0" encoding="utf-8"?>
 <p:sldLayout xmlns:a="http://schemas.openxmlformats.org/drawingml/2006/main" xmlns:r="http://schemas.openxmlformats.org/officeDocument/2006/relationships" xmlns:p="http://schemas.openxmlformats.org/presentationml/2006/main" preserve="1" userDrawn="1">
-  <p:cSld name="PORTFOLIO OPT-4">
-    <p:spTree>
-      <p:nvGrpSpPr>
-        <p:cNvPr id="1" name=""/>
-        <p:cNvGrpSpPr/>
-        <p:nvPr/>
-      </p:nvGrpSpPr>
-      <p:grpSpPr>
-        <a:xfrm>
-          <a:off x="0" y="0"/>
-          <a:ext cx="0" cy="0"/>
-          <a:chOff x="0" y="0"/>
-          <a:chExt cx="0" cy="0"/>
-        </a:xfrm>
-      </p:grpSpPr>
-      <p:cxnSp>
-        <p:nvCxnSpPr>
-          <p:cNvPr id="2" name="Straight Connector 1"/>
-          <p:cNvCxnSpPr/>
-          <p:nvPr userDrawn="1"/>
-        </p:nvCxnSpPr>
-        <p:spPr>
-          <a:xfrm>
-            <a:off x="704850" y="685800"/>
-            <a:ext cx="0" cy="1028700"/>
-          </a:xfrm>
-          <a:prstGeom prst="line">
-            <a:avLst/>
-          </a:prstGeom>
-          <a:ln w="63500">
-            <a:solidFill>
-              <a:schemeClr val="accent1"/>
-            </a:solidFill>
-            <a:headEnd type="none"/>
-            <a:tailEnd type="none"/>
-          </a:ln>
-        </p:spPr>
-        <p:style>
-          <a:lnRef idx="1">
-            <a:schemeClr val="accent1"/>
-          </a:lnRef>
-          <a:fillRef idx="0">
-            <a:schemeClr val="accent1"/>
-          </a:fillRef>
-          <a:effectRef idx="0">
-            <a:schemeClr val="accent1"/>
-          </a:effectRef>
-          <a:fontRef idx="minor">
-            <a:schemeClr val="tx1"/>
-          </a:fontRef>
-        </p:style>
-      </p:cxnSp>
-      <p:sp>
-        <p:nvSpPr>
-          <p:cNvPr id="8" name="Title 7"/>
-          <p:cNvSpPr>
-            <a:spLocks noGrp="1"/>
-          </p:cNvSpPr>
-          <p:nvPr>
-            <p:ph type="title" hasCustomPrompt="1"/>
-          </p:nvPr>
-        </p:nvSpPr>
-        <p:spPr>
-          <a:xfrm>
-            <a:off x="876300" y="571411"/>
-            <a:ext cx="5448300" cy="1338828"/>
-          </a:xfrm>
-          <a:prstGeom prst="rect">
-            <a:avLst/>
-          </a:prstGeom>
-          <a:noFill/>
-        </p:spPr>
-        <p:txBody>
-          <a:bodyPr wrap="square" rtlCol="0">
-            <a:spAutoFit/>
-          </a:bodyPr>
-          <a:lstStyle>
-            <a:lvl1pPr>
-              <a:defRPr lang="uk-UA" sz="4500" b="1">
-                <a:latin typeface="+mn-lt"/>
-                <a:ea typeface="Roboto Condensed" panose="02000000000000000000" pitchFamily="2" charset="0"/>
-                <a:cs typeface="+mn-cs"/>
-              </a:defRPr>
-            </a:lvl1pPr>
-          </a:lstStyle>
-          <a:p>
-            <a:pPr marL="0" lvl="0"/>
-            <a:r>
-              <a:rPr lang="en-US"/>
-              <a:t>click to edit master title style</a:t>
-            </a:r>
-            <a:endParaRPr lang="uk-UA"/>
-          </a:p>
-        </p:txBody>
-      </p:sp>
-      <p:sp>
-        <p:nvSpPr>
-          <p:cNvPr id="9" name="Slide Number Placeholder 8"/>
-          <p:cNvSpPr>
-            <a:spLocks noGrp="1"/>
-          </p:cNvSpPr>
-          <p:nvPr>
-            <p:ph type="sldNum" sz="quarter" idx="10"/>
-          </p:nvPr>
-        </p:nvSpPr>
-        <p:spPr>
-          <a:xfrm>
-            <a:off x="16916400" y="9072685"/>
-            <a:ext cx="1733550" cy="954107"/>
-          </a:xfrm>
-          <a:prstGeom prst="rect">
-            <a:avLst/>
-          </a:prstGeom>
-          <a:noFill/>
-        </p:spPr>
-        <p:txBody>
-          <a:bodyPr wrap="square" rtlCol="0">
-            <a:spAutoFit/>
-          </a:bodyPr>
-          <a:lstStyle>
-            <a:lvl1pPr>
-              <a:defRPr lang="uk-UA" sz="2800" b="1" smtClean="0">
-                <a:solidFill>
-                  <a:schemeClr val="accent2"/>
-                </a:solidFill>
-              </a:defRPr>
-            </a:lvl1pPr>
-          </a:lstStyle>
-          <a:p>
-            <a:pPr algn="l"/>
-            <a:r>
-              <a:rPr lang="en-US"/>
-              <a:t>page</a:t>
-            </a:r>
-          </a:p>
-          <a:p>
-            <a:pPr algn="l"/>
-            <a:r>
-              <a:rPr lang="en-US"/>
-              <a:t>0</a:t>
-            </a:r>
-            <a:fld id="{37D409AB-2201-4E18-8A34-C31753AD9B06}" type="slidenum">
-              <a:rPr smtClean="0"/>
-              <a:pPr algn="l"/>
-              <a:t>‹#›</a:t>
-            </a:fld>
-            <a:endParaRPr/>
-          </a:p>
-        </p:txBody>
-      </p:sp>
-      <p:sp>
-        <p:nvSpPr>
-          <p:cNvPr id="13" name="Picture Placeholder 2"/>
-          <p:cNvSpPr>
-            <a:spLocks noGrp="1"/>
-          </p:cNvSpPr>
-          <p:nvPr>
-            <p:ph type="pic" sz="quarter" idx="12"/>
-          </p:nvPr>
-        </p:nvSpPr>
-        <p:spPr>
-          <a:xfrm>
-            <a:off x="1257300" y="2400300"/>
-            <a:ext cx="5029200" cy="5029200"/>
-          </a:xfrm>
-          <a:prstGeom prst="rect">
-            <a:avLst/>
-          </a:prstGeom>
-          <a:effectLst>
-            <a:outerShdw blurRad="127000" dist="38100" dir="5400000" algn="t" rotWithShape="0">
-              <a:prstClr val="black">
-                <a:alpha val="67000"/>
-              </a:prstClr>
-            </a:outerShdw>
-          </a:effectLst>
-        </p:spPr>
-        <p:txBody>
-          <a:bodyPr/>
-          <a:lstStyle>
-            <a:lvl1pPr>
-              <a:defRPr sz="2000"/>
-            </a:lvl1pPr>
-          </a:lstStyle>
-          <a:p>
-            <a:endParaRPr lang="uk-UA"/>
-          </a:p>
-        </p:txBody>
-      </p:sp>
-      <p:sp>
-        <p:nvSpPr>
-          <p:cNvPr id="14" name="Picture Placeholder 2"/>
-          <p:cNvSpPr>
-            <a:spLocks noGrp="1"/>
-          </p:cNvSpPr>
-          <p:nvPr>
-            <p:ph type="pic" sz="quarter" idx="13"/>
-          </p:nvPr>
-        </p:nvSpPr>
-        <p:spPr>
-          <a:xfrm>
-            <a:off x="12001500" y="2400300"/>
-            <a:ext cx="5029200" cy="5029200"/>
-          </a:xfrm>
-          <a:prstGeom prst="rect">
-            <a:avLst/>
-          </a:prstGeom>
-          <a:effectLst>
-            <a:outerShdw blurRad="127000" dist="38100" dir="5400000" algn="t" rotWithShape="0">
-              <a:prstClr val="black">
-                <a:alpha val="67000"/>
-              </a:prstClr>
-            </a:outerShdw>
-          </a:effectLst>
-        </p:spPr>
-        <p:txBody>
-          <a:bodyPr/>
-          <a:lstStyle>
-            <a:lvl1pPr>
-              <a:defRPr sz="2000"/>
-            </a:lvl1pPr>
-          </a:lstStyle>
-          <a:p>
-            <a:endParaRPr lang="uk-UA"/>
-          </a:p>
-        </p:txBody>
-      </p:sp>
-      <p:sp>
-        <p:nvSpPr>
-          <p:cNvPr id="15" name="Picture Placeholder 2"/>
-          <p:cNvSpPr>
-            <a:spLocks noGrp="1"/>
-          </p:cNvSpPr>
-          <p:nvPr>
-            <p:ph type="pic" sz="quarter" idx="14"/>
-          </p:nvPr>
-        </p:nvSpPr>
-        <p:spPr>
-          <a:xfrm>
-            <a:off x="6629400" y="2400300"/>
-            <a:ext cx="5029200" cy="5029200"/>
-          </a:xfrm>
-          <a:prstGeom prst="rect">
-            <a:avLst/>
-          </a:prstGeom>
-          <a:effectLst>
-            <a:outerShdw blurRad="127000" dist="38100" dir="5400000" algn="t" rotWithShape="0">
-              <a:prstClr val="black">
-                <a:alpha val="67000"/>
-              </a:prstClr>
-            </a:outerShdw>
-          </a:effectLst>
-        </p:spPr>
-        <p:txBody>
-          <a:bodyPr/>
-          <a:lstStyle>
-            <a:lvl1pPr>
-              <a:defRPr sz="2000"/>
-            </a:lvl1pPr>
-          </a:lstStyle>
-          <a:p>
-            <a:endParaRPr lang="uk-UA"/>
-          </a:p>
-        </p:txBody>
-      </p:sp>
-    </p:spTree>
-    <p:extLst>
-      <p:ext uri="{BB962C8B-B14F-4D97-AF65-F5344CB8AC3E}">
-        <p14:creationId xmlns:p14="http://schemas.microsoft.com/office/powerpoint/2010/main" val="1400998396"/>
-      </p:ext>
-    </p:extLst>
-  </p:cSld>
-  <p:clrMapOvr>
-    <a:masterClrMapping/>
-  </p:clrMapOvr>
-  <p:hf hdr="0" ftr="0" dt="0"/>
-</p:sldLayout>
-</file>
-
-<file path=ppt/slideLayouts/slideLayout41.xml><?xml version="1.0" encoding="utf-8"?>
-<p:sldLayout xmlns:a="http://schemas.openxmlformats.org/drawingml/2006/main" xmlns:r="http://schemas.openxmlformats.org/officeDocument/2006/relationships" xmlns:p="http://schemas.openxmlformats.org/presentationml/2006/main" preserve="1" userDrawn="1">
   <p:cSld name="PORTFOLIO OPT-5">
     <p:spTree>
       <p:nvGrpSpPr>
@@ -8701,7 +8553,7 @@
 </p:sldLayout>
 </file>
 
-<file path=ppt/slideLayouts/slideLayout42.xml><?xml version="1.0" encoding="utf-8"?>
+<file path=ppt/slideLayouts/slideLayout41.xml><?xml version="1.0" encoding="utf-8"?>
 <p:sldLayout xmlns:a="http://schemas.openxmlformats.org/drawingml/2006/main" xmlns:r="http://schemas.openxmlformats.org/officeDocument/2006/relationships" xmlns:p="http://schemas.openxmlformats.org/presentationml/2006/main" preserve="1" userDrawn="1">
   <p:cSld name="PORTFOLIO OPT-6">
     <p:spTree>
@@ -9237,7 +9089,7 @@
 </p:sldLayout>
 </file>
 
-<file path=ppt/slideLayouts/slideLayout43.xml><?xml version="1.0" encoding="utf-8"?>
+<file path=ppt/slideLayouts/slideLayout42.xml><?xml version="1.0" encoding="utf-8"?>
 <p:sldLayout xmlns:a="http://schemas.openxmlformats.org/drawingml/2006/main" xmlns:r="http://schemas.openxmlformats.org/officeDocument/2006/relationships" xmlns:p="http://schemas.openxmlformats.org/presentationml/2006/main" preserve="1" userDrawn="1">
   <p:cSld name="PORTFOLIO OPT-7">
     <p:spTree>
@@ -9531,7 +9383,7 @@
 </p:sldLayout>
 </file>
 
-<file path=ppt/slideLayouts/slideLayout44.xml><?xml version="1.0" encoding="utf-8"?>
+<file path=ppt/slideLayouts/slideLayout43.xml><?xml version="1.0" encoding="utf-8"?>
 <p:sldLayout xmlns:a="http://schemas.openxmlformats.org/drawingml/2006/main" xmlns:r="http://schemas.openxmlformats.org/officeDocument/2006/relationships" xmlns:p="http://schemas.openxmlformats.org/presentationml/2006/main" preserve="1" userDrawn="1">
   <p:cSld name="PORTFOLIO OPT-8">
     <p:spTree>
@@ -9805,7 +9657,7 @@
 </p:sldLayout>
 </file>
 
-<file path=ppt/slideLayouts/slideLayout45.xml><?xml version="1.0" encoding="utf-8"?>
+<file path=ppt/slideLayouts/slideLayout44.xml><?xml version="1.0" encoding="utf-8"?>
 <p:sldLayout xmlns:a="http://schemas.openxmlformats.org/drawingml/2006/main" xmlns:r="http://schemas.openxmlformats.org/officeDocument/2006/relationships" xmlns:p="http://schemas.openxmlformats.org/presentationml/2006/main" preserve="1" userDrawn="1">
   <p:cSld name="DEFAULT SLIDE">
     <p:spTree>
@@ -9999,236 +9851,6 @@
 </file>
 
 <file path=ppt/slideLayouts/slideLayout5.xml><?xml version="1.0" encoding="utf-8"?>
-<p:sldLayout xmlns:a="http://schemas.openxmlformats.org/drawingml/2006/main" xmlns:r="http://schemas.openxmlformats.org/officeDocument/2006/relationships" xmlns:p="http://schemas.openxmlformats.org/presentationml/2006/main" userDrawn="1">
-  <p:cSld name="1_IMAGE slide 13">
-    <p:spTree>
-      <p:nvGrpSpPr>
-        <p:cNvPr id="1" name=""/>
-        <p:cNvGrpSpPr/>
-        <p:nvPr/>
-      </p:nvGrpSpPr>
-      <p:grpSpPr>
-        <a:xfrm>
-          <a:off x="0" y="0"/>
-          <a:ext cx="0" cy="0"/>
-          <a:chOff x="0" y="0"/>
-          <a:chExt cx="0" cy="0"/>
-        </a:xfrm>
-      </p:grpSpPr>
-      <p:sp>
-        <p:nvSpPr>
-          <p:cNvPr id="17" name="Picture Placeholder 5"/>
-          <p:cNvSpPr>
-            <a:spLocks noGrp="1"/>
-          </p:cNvSpPr>
-          <p:nvPr>
-            <p:ph type="pic" sz="quarter" idx="11"/>
-          </p:nvPr>
-        </p:nvSpPr>
-        <p:spPr>
-          <a:xfrm>
-            <a:off x="0" y="2400300"/>
-            <a:ext cx="18288000" cy="3657600"/>
-          </a:xfrm>
-          <a:prstGeom prst="rect">
-            <a:avLst/>
-          </a:prstGeom>
-        </p:spPr>
-        <p:txBody>
-          <a:bodyPr/>
-          <a:lstStyle/>
-          <a:p>
-            <a:endParaRPr lang="uk-UA"/>
-          </a:p>
-        </p:txBody>
-      </p:sp>
-      <p:cxnSp>
-        <p:nvCxnSpPr>
-          <p:cNvPr id="15" name="Straight Connector 14"/>
-          <p:cNvCxnSpPr/>
-          <p:nvPr userDrawn="1"/>
-        </p:nvCxnSpPr>
-        <p:spPr>
-          <a:xfrm>
-            <a:off x="704850" y="685800"/>
-            <a:ext cx="0" cy="1028700"/>
-          </a:xfrm>
-          <a:prstGeom prst="line">
-            <a:avLst/>
-          </a:prstGeom>
-          <a:ln w="63500">
-            <a:solidFill>
-              <a:schemeClr val="accent1"/>
-            </a:solidFill>
-            <a:headEnd type="none"/>
-            <a:tailEnd type="none"/>
-          </a:ln>
-        </p:spPr>
-        <p:style>
-          <a:lnRef idx="1">
-            <a:schemeClr val="accent1"/>
-          </a:lnRef>
-          <a:fillRef idx="0">
-            <a:schemeClr val="accent1"/>
-          </a:fillRef>
-          <a:effectRef idx="0">
-            <a:schemeClr val="accent1"/>
-          </a:effectRef>
-          <a:fontRef idx="minor">
-            <a:schemeClr val="tx1"/>
-          </a:fontRef>
-        </p:style>
-      </p:cxnSp>
-      <p:cxnSp>
-        <p:nvCxnSpPr>
-          <p:cNvPr id="25" name="Straight Connector 24"/>
-          <p:cNvCxnSpPr/>
-          <p:nvPr userDrawn="1"/>
-        </p:nvCxnSpPr>
-        <p:spPr>
-          <a:xfrm>
-            <a:off x="16744950" y="9186985"/>
-            <a:ext cx="0" cy="742950"/>
-          </a:xfrm>
-          <a:prstGeom prst="line">
-            <a:avLst/>
-          </a:prstGeom>
-          <a:ln w="63500">
-            <a:solidFill>
-              <a:schemeClr val="accent1"/>
-            </a:solidFill>
-            <a:headEnd type="none"/>
-            <a:tailEnd type="none"/>
-          </a:ln>
-        </p:spPr>
-        <p:style>
-          <a:lnRef idx="1">
-            <a:schemeClr val="accent1"/>
-          </a:lnRef>
-          <a:fillRef idx="0">
-            <a:schemeClr val="accent1"/>
-          </a:fillRef>
-          <a:effectRef idx="0">
-            <a:schemeClr val="accent1"/>
-          </a:effectRef>
-          <a:fontRef idx="minor">
-            <a:schemeClr val="tx1"/>
-          </a:fontRef>
-        </p:style>
-      </p:cxnSp>
-      <p:sp>
-        <p:nvSpPr>
-          <p:cNvPr id="26" name="Title 7"/>
-          <p:cNvSpPr>
-            <a:spLocks noGrp="1"/>
-          </p:cNvSpPr>
-          <p:nvPr>
-            <p:ph type="title" hasCustomPrompt="1"/>
-          </p:nvPr>
-        </p:nvSpPr>
-        <p:spPr>
-          <a:xfrm>
-            <a:off x="876300" y="571411"/>
-            <a:ext cx="5448300" cy="1338828"/>
-          </a:xfrm>
-          <a:prstGeom prst="rect">
-            <a:avLst/>
-          </a:prstGeom>
-          <a:noFill/>
-        </p:spPr>
-        <p:txBody>
-          <a:bodyPr wrap="square" rtlCol="0">
-            <a:spAutoFit/>
-          </a:bodyPr>
-          <a:lstStyle>
-            <a:lvl1pPr>
-              <a:defRPr lang="uk-UA" sz="4500" b="1">
-                <a:latin typeface="+mn-lt"/>
-                <a:ea typeface="Roboto Condensed" panose="02000000000000000000" pitchFamily="2" charset="0"/>
-                <a:cs typeface="+mn-cs"/>
-              </a:defRPr>
-            </a:lvl1pPr>
-          </a:lstStyle>
-          <a:p>
-            <a:pPr marL="0" lvl="0"/>
-            <a:r>
-              <a:rPr lang="en-US"/>
-              <a:t>click to edit master title style</a:t>
-            </a:r>
-            <a:endParaRPr lang="uk-UA"/>
-          </a:p>
-        </p:txBody>
-      </p:sp>
-      <p:sp>
-        <p:nvSpPr>
-          <p:cNvPr id="27" name="Slide Number Placeholder 8"/>
-          <p:cNvSpPr>
-            <a:spLocks noGrp="1"/>
-          </p:cNvSpPr>
-          <p:nvPr>
-            <p:ph type="sldNum" sz="quarter" idx="10"/>
-          </p:nvPr>
-        </p:nvSpPr>
-        <p:spPr>
-          <a:xfrm>
-            <a:off x="16916400" y="9072685"/>
-            <a:ext cx="1733550" cy="954107"/>
-          </a:xfrm>
-          <a:prstGeom prst="rect">
-            <a:avLst/>
-          </a:prstGeom>
-          <a:noFill/>
-        </p:spPr>
-        <p:txBody>
-          <a:bodyPr wrap="square" rtlCol="0">
-            <a:spAutoFit/>
-          </a:bodyPr>
-          <a:lstStyle>
-            <a:lvl1pPr>
-              <a:defRPr lang="uk-UA" sz="2800" b="1" smtClean="0">
-                <a:solidFill>
-                  <a:schemeClr val="accent2"/>
-                </a:solidFill>
-              </a:defRPr>
-            </a:lvl1pPr>
-          </a:lstStyle>
-          <a:p>
-            <a:pPr algn="l"/>
-            <a:r>
-              <a:rPr lang="en-US"/>
-              <a:t>page</a:t>
-            </a:r>
-          </a:p>
-          <a:p>
-            <a:pPr algn="l"/>
-            <a:r>
-              <a:rPr lang="en-US"/>
-              <a:t>0</a:t>
-            </a:r>
-            <a:fld id="{37D409AB-2201-4E18-8A34-C31753AD9B06}" type="slidenum">
-              <a:rPr smtClean="0"/>
-              <a:pPr algn="l"/>
-              <a:t>‹#›</a:t>
-            </a:fld>
-            <a:endParaRPr/>
-          </a:p>
-        </p:txBody>
-      </p:sp>
-    </p:spTree>
-    <p:extLst>
-      <p:ext uri="{BB962C8B-B14F-4D97-AF65-F5344CB8AC3E}">
-        <p14:creationId xmlns:p14="http://schemas.microsoft.com/office/powerpoint/2010/main" val="1030448886"/>
-      </p:ext>
-    </p:extLst>
-  </p:cSld>
-  <p:clrMapOvr>
-    <a:masterClrMapping/>
-  </p:clrMapOvr>
-  <p:hf hdr="0" ftr="0" dt="0"/>
-</p:sldLayout>
-</file>
-
-<file path=ppt/slideLayouts/slideLayout6.xml><?xml version="1.0" encoding="utf-8"?>
 <p:sldLayout xmlns:a="http://schemas.openxmlformats.org/drawingml/2006/main" xmlns:r="http://schemas.openxmlformats.org/officeDocument/2006/relationships" xmlns:p="http://schemas.openxmlformats.org/presentationml/2006/main" preserve="1" userDrawn="1">
   <p:cSld name="IMG-SLIDE OPT-6">
     <p:spTree>
@@ -10421,7 +10043,7 @@
 </p:sldLayout>
 </file>
 
-<file path=ppt/slideLayouts/slideLayout7.xml><?xml version="1.0" encoding="utf-8"?>
+<file path=ppt/slideLayouts/slideLayout6.xml><?xml version="1.0" encoding="utf-8"?>
 <p:sldLayout xmlns:a="http://schemas.openxmlformats.org/drawingml/2006/main" xmlns:r="http://schemas.openxmlformats.org/officeDocument/2006/relationships" xmlns:p="http://schemas.openxmlformats.org/presentationml/2006/main" preserve="1" userDrawn="1">
   <p:cSld name="IMG-SLIDE OPT-4">
     <p:spTree>
@@ -10614,7 +10236,7 @@
 </p:sldLayout>
 </file>
 
-<file path=ppt/slideLayouts/slideLayout8.xml><?xml version="1.0" encoding="utf-8"?>
+<file path=ppt/slideLayouts/slideLayout7.xml><?xml version="1.0" encoding="utf-8"?>
 <p:sldLayout xmlns:a="http://schemas.openxmlformats.org/drawingml/2006/main" xmlns:r="http://schemas.openxmlformats.org/officeDocument/2006/relationships" xmlns:p="http://schemas.openxmlformats.org/presentationml/2006/main" preserve="1" userDrawn="1">
   <p:cSld name="IMG-SLIDE OPT-7">
     <p:spTree>
@@ -10807,7 +10429,7 @@
 </p:sldLayout>
 </file>
 
-<file path=ppt/slideLayouts/slideLayout9.xml><?xml version="1.0" encoding="utf-8"?>
+<file path=ppt/slideLayouts/slideLayout8.xml><?xml version="1.0" encoding="utf-8"?>
 <p:sldLayout xmlns:a="http://schemas.openxmlformats.org/drawingml/2006/main" xmlns:r="http://schemas.openxmlformats.org/officeDocument/2006/relationships" xmlns:p="http://schemas.openxmlformats.org/presentationml/2006/main" preserve="1" userDrawn="1">
   <p:cSld name="IMG-SLIDE OPT-8">
     <p:spTree>
@@ -10997,6 +10619,69 @@
     <a:masterClrMapping/>
   </p:clrMapOvr>
   <p:hf hdr="0" ftr="0" dt="0"/>
+</p:sldLayout>
+</file>
+
+<file path=ppt/slideLayouts/slideLayout9.xml><?xml version="1.0" encoding="utf-8"?>
+<p:sldLayout xmlns:a="http://schemas.openxmlformats.org/drawingml/2006/main" xmlns:r="http://schemas.openxmlformats.org/officeDocument/2006/relationships" xmlns:p="http://schemas.openxmlformats.org/presentationml/2006/main" showMasterSp="0" userDrawn="1">
+  <p:cSld name="1_IMAGE slide 5">
+    <p:spTree>
+      <p:nvGrpSpPr>
+        <p:cNvPr id="1" name=""/>
+        <p:cNvGrpSpPr/>
+        <p:nvPr/>
+      </p:nvGrpSpPr>
+      <p:grpSpPr>
+        <a:xfrm>
+          <a:off x="0" y="0"/>
+          <a:ext cx="0" cy="0"/>
+          <a:chOff x="0" y="0"/>
+          <a:chExt cx="0" cy="0"/>
+        </a:xfrm>
+      </p:grpSpPr>
+      <p:sp>
+        <p:nvSpPr>
+          <p:cNvPr id="3" name="Picture Placeholder 2"/>
+          <p:cNvSpPr>
+            <a:spLocks noGrp="1"/>
+          </p:cNvSpPr>
+          <p:nvPr>
+            <p:ph type="pic" sz="quarter" idx="10"/>
+          </p:nvPr>
+        </p:nvSpPr>
+        <p:spPr>
+          <a:xfrm>
+            <a:off x="2743200" y="3200400"/>
+            <a:ext cx="3886200" cy="3886200"/>
+          </a:xfrm>
+          <a:prstGeom prst="ellipse">
+            <a:avLst/>
+          </a:prstGeom>
+          <a:ln w="38100">
+            <a:solidFill>
+              <a:schemeClr val="accent1"/>
+            </a:solidFill>
+          </a:ln>
+          <a:effectLst/>
+        </p:spPr>
+        <p:txBody>
+          <a:bodyPr/>
+          <a:lstStyle/>
+          <a:p>
+            <a:endParaRPr lang="uk-UA"/>
+          </a:p>
+        </p:txBody>
+      </p:sp>
+    </p:spTree>
+    <p:extLst>
+      <p:ext uri="{BB962C8B-B14F-4D97-AF65-F5344CB8AC3E}">
+        <p14:creationId xmlns:p14="http://schemas.microsoft.com/office/powerpoint/2010/main" val="2021571170"/>
+      </p:ext>
+    </p:extLst>
+  </p:cSld>
+  <p:clrMapOvr>
+    <a:masterClrMapping/>
+  </p:clrMapOvr>
 </p:sldLayout>
 </file>
 
@@ -11540,23 +11225,22 @@
   </p:cSld>
   <p:clrMap bg1="lt1" tx1="dk1" bg2="lt2" tx2="dk2" accent1="accent1" accent2="accent2" accent3="accent3" accent4="accent4" accent5="accent5" accent6="accent6" hlink="hlink" folHlink="folHlink"/>
   <p:sldLayoutIdLst>
-    <p:sldLayoutId id="2147483744" r:id="rId1"/>
-    <p:sldLayoutId id="2147483668" r:id="rId2"/>
-    <p:sldLayoutId id="2147483699" r:id="rId3"/>
-    <p:sldLayoutId id="2147483670" r:id="rId4"/>
-    <p:sldLayoutId id="2147483671" r:id="rId5"/>
-    <p:sldLayoutId id="2147483741" r:id="rId6"/>
-    <p:sldLayoutId id="2147483701" r:id="rId7"/>
-    <p:sldLayoutId id="2147483700" r:id="rId8"/>
-    <p:sldLayoutId id="2147483709" r:id="rId9"/>
-    <p:sldLayoutId id="2147483710" r:id="rId10"/>
-    <p:sldLayoutId id="2147483711" r:id="rId11"/>
-    <p:sldLayoutId id="2147483712" r:id="rId12"/>
-    <p:sldLayoutId id="2147483713" r:id="rId13"/>
-    <p:sldLayoutId id="2147483676" r:id="rId14"/>
-    <p:sldLayoutId id="2147483695" r:id="rId15"/>
-    <p:sldLayoutId id="2147483696" r:id="rId16"/>
-    <p:sldLayoutId id="2147483780" r:id="rId17"/>
+    <p:sldLayoutId id="2147483668" r:id="rId1"/>
+    <p:sldLayoutId id="2147483699" r:id="rId2"/>
+    <p:sldLayoutId id="2147483670" r:id="rId3"/>
+    <p:sldLayoutId id="2147483671" r:id="rId4"/>
+    <p:sldLayoutId id="2147483741" r:id="rId5"/>
+    <p:sldLayoutId id="2147483701" r:id="rId6"/>
+    <p:sldLayoutId id="2147483700" r:id="rId7"/>
+    <p:sldLayoutId id="2147483709" r:id="rId8"/>
+    <p:sldLayoutId id="2147483710" r:id="rId9"/>
+    <p:sldLayoutId id="2147483711" r:id="rId10"/>
+    <p:sldLayoutId id="2147483712" r:id="rId11"/>
+    <p:sldLayoutId id="2147483713" r:id="rId12"/>
+    <p:sldLayoutId id="2147483676" r:id="rId13"/>
+    <p:sldLayoutId id="2147483695" r:id="rId14"/>
+    <p:sldLayoutId id="2147483696" r:id="rId15"/>
+    <p:sldLayoutId id="2147483780" r:id="rId16"/>
   </p:sldLayoutIdLst>
   <p:txStyles>
     <p:titleStyle>
@@ -12245,6 +11929,41 @@
           <a:chExt cx="0" cy="0"/>
         </a:xfrm>
       </p:grpSpPr>
+      <p:pic>
+        <p:nvPicPr>
+          <p:cNvPr id="13" name="Picture Placeholder 23">
+            <a:extLst>
+              <a:ext uri="{FF2B5EF4-FFF2-40B4-BE49-F238E27FC236}">
+                <a16:creationId xmlns:a16="http://schemas.microsoft.com/office/drawing/2014/main" xmlns="" id="{C8E8BF94-D455-452D-988D-E5B3B9AEB641}"/>
+              </a:ext>
+            </a:extLst>
+          </p:cNvPr>
+          <p:cNvPicPr>
+            <a:picLocks noChangeAspect="1"/>
+          </p:cNvPicPr>
+          <p:nvPr/>
+        </p:nvPicPr>
+        <p:blipFill>
+          <a:blip r:embed="rId2">
+            <a:extLst>
+              <a:ext uri="{28A0092B-C50C-407E-A947-70E740481C1C}">
+                <a14:useLocalDpi xmlns:a14="http://schemas.microsoft.com/office/drawing/2010/main" val="0"/>
+              </a:ext>
+            </a:extLst>
+          </a:blip>
+          <a:srcRect/>
+          <a:stretch/>
+        </p:blipFill>
+        <p:spPr>
+          <a:xfrm>
+            <a:off x="0" y="2095501"/>
+            <a:ext cx="18288000" cy="3657599"/>
+          </a:xfrm>
+          <a:prstGeom prst="rect">
+            <a:avLst/>
+          </a:prstGeom>
+        </p:spPr>
+      </p:pic>
       <p:sp>
         <p:nvSpPr>
           <p:cNvPr id="3" name="TextBox 2"/>
@@ -12253,7 +11972,7 @@
         </p:nvSpPr>
         <p:spPr>
           <a:xfrm>
-            <a:off x="3657602" y="4589502"/>
+            <a:off x="3657602" y="6342102"/>
             <a:ext cx="10972796" cy="1107996"/>
           </a:xfrm>
           <a:prstGeom prst="rect">
@@ -12296,7 +12015,7 @@
         </p:nvGrpSpPr>
         <p:grpSpPr>
           <a:xfrm>
-            <a:off x="3581400" y="4457700"/>
+            <a:off x="3581400" y="6210300"/>
             <a:ext cx="685800" cy="685800"/>
             <a:chOff x="6324600" y="4114799"/>
             <a:chExt cx="685800" cy="685800"/>
@@ -12379,6 +12098,65 @@
           </p:style>
         </p:cxnSp>
       </p:grpSp>
+      <p:sp>
+        <p:nvSpPr>
+          <p:cNvPr id="11" name="Rectangle 10"/>
+          <p:cNvSpPr>
+            <a:spLocks/>
+          </p:cNvSpPr>
+          <p:nvPr/>
+        </p:nvSpPr>
+        <p:spPr>
+          <a:xfrm>
+            <a:off x="0" y="2083555"/>
+            <a:ext cx="18288000" cy="3657600"/>
+          </a:xfrm>
+          <a:prstGeom prst="rect">
+            <a:avLst/>
+          </a:prstGeom>
+          <a:solidFill>
+            <a:schemeClr val="tx1">
+              <a:alpha val="50000"/>
+            </a:schemeClr>
+          </a:solidFill>
+          <a:ln w="38100">
+            <a:noFill/>
+          </a:ln>
+        </p:spPr>
+        <p:style>
+          <a:lnRef idx="2">
+            <a:schemeClr val="accent1">
+              <a:shade val="50000"/>
+            </a:schemeClr>
+          </a:lnRef>
+          <a:fillRef idx="1">
+            <a:schemeClr val="accent1"/>
+          </a:fillRef>
+          <a:effectRef idx="0">
+            <a:schemeClr val="accent1"/>
+          </a:effectRef>
+          <a:fontRef idx="minor">
+            <a:schemeClr val="lt1"/>
+          </a:fontRef>
+        </p:style>
+        <p:txBody>
+          <a:bodyPr rot="0" spcFirstLastPara="0" vertOverflow="overflow" horzOverflow="overflow" vert="horz" wrap="square" lIns="91440" tIns="45720" rIns="91440" bIns="45720" numCol="1" spcCol="0" rtlCol="0" fromWordArt="0" anchor="ctr" anchorCtr="0" forceAA="0" compatLnSpc="1">
+            <a:prstTxWarp prst="textNoShape">
+              <a:avLst/>
+            </a:prstTxWarp>
+            <a:noAutofit/>
+          </a:bodyPr>
+          <a:lstStyle/>
+          <a:p>
+            <a:pPr algn="ctr"/>
+            <a:endParaRPr lang="uk-UA" sz="3600" b="1">
+              <a:solidFill>
+                <a:schemeClr val="bg1"/>
+              </a:solidFill>
+            </a:endParaRPr>
+          </a:p>
+        </p:txBody>
+      </p:sp>
       <p:grpSp>
         <p:nvGrpSpPr>
           <p:cNvPr id="8" name="Group 7"/>
@@ -12387,7 +12165,7 @@
         </p:nvGrpSpPr>
         <p:grpSpPr>
           <a:xfrm rot="10800000">
-            <a:off x="14020800" y="5143500"/>
+            <a:off x="14020800" y="6896100"/>
             <a:ext cx="685800" cy="685800"/>
             <a:chOff x="6324600" y="4114799"/>
             <a:chExt cx="685800" cy="685800"/>
@@ -12502,424 +12280,6 @@
       </p:grpSpPr>
       <p:sp>
         <p:nvSpPr>
-          <p:cNvPr id="8" name="Freeform 7"/>
-          <p:cNvSpPr/>
-          <p:nvPr/>
-        </p:nvSpPr>
-        <p:spPr>
-          <a:xfrm rot="16200000">
-            <a:off x="13173075" y="0"/>
-            <a:ext cx="5143500" cy="5143500"/>
-          </a:xfrm>
-          <a:custGeom>
-            <a:avLst/>
-            <a:gdLst>
-              <a:gd name="connsiteX0" fmla="*/ 5143500 w 5143500"/>
-              <a:gd name="connsiteY0" fmla="*/ 0 h 5143500"/>
-              <a:gd name="connsiteX1" fmla="*/ 5143500 w 5143500"/>
-              <a:gd name="connsiteY1" fmla="*/ 5143500 h 5143500"/>
-              <a:gd name="connsiteX2" fmla="*/ 0 w 5143500"/>
-              <a:gd name="connsiteY2" fmla="*/ 5143500 h 5143500"/>
-              <a:gd name="connsiteX3" fmla="*/ 5143500 w 5143500"/>
-              <a:gd name="connsiteY3" fmla="*/ 0 h 5143500"/>
-            </a:gdLst>
-            <a:ahLst/>
-            <a:cxnLst>
-              <a:cxn ang="0">
-                <a:pos x="connsiteX0" y="connsiteY0"/>
-              </a:cxn>
-              <a:cxn ang="0">
-                <a:pos x="connsiteX1" y="connsiteY1"/>
-              </a:cxn>
-              <a:cxn ang="0">
-                <a:pos x="connsiteX2" y="connsiteY2"/>
-              </a:cxn>
-              <a:cxn ang="0">
-                <a:pos x="connsiteX3" y="connsiteY3"/>
-              </a:cxn>
-            </a:cxnLst>
-            <a:rect l="l" t="t" r="r" b="b"/>
-            <a:pathLst>
-              <a:path w="5143500" h="5143500">
-                <a:moveTo>
-                  <a:pt x="5143500" y="0"/>
-                </a:moveTo>
-                <a:lnTo>
-                  <a:pt x="5143500" y="5143500"/>
-                </a:lnTo>
-                <a:lnTo>
-                  <a:pt x="0" y="5143500"/>
-                </a:lnTo>
-                <a:cubicBezTo>
-                  <a:pt x="0" y="2302823"/>
-                  <a:pt x="2302823" y="0"/>
-                  <a:pt x="5143500" y="0"/>
-                </a:cubicBezTo>
-                <a:close/>
-              </a:path>
-            </a:pathLst>
-          </a:custGeom>
-          <a:solidFill>
-            <a:schemeClr val="accent1"/>
-          </a:solidFill>
-          <a:ln w="63500">
-            <a:noFill/>
-          </a:ln>
-        </p:spPr>
-        <p:style>
-          <a:lnRef idx="2">
-            <a:schemeClr val="accent1">
-              <a:shade val="50000"/>
-            </a:schemeClr>
-          </a:lnRef>
-          <a:fillRef idx="1">
-            <a:schemeClr val="accent1"/>
-          </a:fillRef>
-          <a:effectRef idx="0">
-            <a:schemeClr val="accent1"/>
-          </a:effectRef>
-          <a:fontRef idx="minor">
-            <a:schemeClr val="lt1"/>
-          </a:fontRef>
-        </p:style>
-        <p:txBody>
-          <a:bodyPr rot="0" spcFirstLastPara="0" vertOverflow="overflow" horzOverflow="overflow" vert="horz" wrap="square" lIns="91440" tIns="45720" rIns="91440" bIns="45720" numCol="1" spcCol="0" rtlCol="0" fromWordArt="0" anchor="ctr" anchorCtr="0" forceAA="0" compatLnSpc="1">
-            <a:prstTxWarp prst="textNoShape">
-              <a:avLst/>
-            </a:prstTxWarp>
-            <a:noAutofit/>
-          </a:bodyPr>
-          <a:lstStyle/>
-          <a:p>
-            <a:pPr algn="ctr"/>
-            <a:endParaRPr lang="uk-UA" sz="2800">
-              <a:solidFill>
-                <a:schemeClr val="tx1"/>
-              </a:solidFill>
-            </a:endParaRPr>
-          </a:p>
-        </p:txBody>
-      </p:sp>
-      <p:sp>
-        <p:nvSpPr>
-          <p:cNvPr id="10" name="TextBox 9"/>
-          <p:cNvSpPr txBox="1"/>
-          <p:nvPr/>
-        </p:nvSpPr>
-        <p:spPr>
-          <a:xfrm>
-            <a:off x="12420600" y="0"/>
-            <a:ext cx="5143500" cy="3554819"/>
-          </a:xfrm>
-          <a:prstGeom prst="rect">
-            <a:avLst/>
-          </a:prstGeom>
-          <a:noFill/>
-        </p:spPr>
-        <p:txBody>
-          <a:bodyPr wrap="square" rtlCol="0">
-            <a:spAutoFit/>
-          </a:bodyPr>
-          <a:lstStyle/>
-          <a:p>
-            <a:pPr algn="r"/>
-            <a:r>
-              <a:rPr lang="en-US" sz="22500" b="1">
-                <a:solidFill>
-                  <a:schemeClr val="bg1"/>
-                </a:solidFill>
-                <a:latin typeface="+mj-lt"/>
-              </a:rPr>
-              <a:t>04</a:t>
-            </a:r>
-            <a:endParaRPr lang="uk-UA" sz="22500" b="1">
-              <a:solidFill>
-                <a:schemeClr val="bg1"/>
-              </a:solidFill>
-              <a:latin typeface="+mj-lt"/>
-            </a:endParaRPr>
-          </a:p>
-        </p:txBody>
-      </p:sp>
-      <p:sp>
-        <p:nvSpPr>
-          <p:cNvPr id="6" name="TextBox 5">
-            <a:extLst>
-              <a:ext uri="{FF2B5EF4-FFF2-40B4-BE49-F238E27FC236}">
-                <a16:creationId xmlns:a16="http://schemas.microsoft.com/office/drawing/2014/main" id="{2C24567D-78BA-47C8-A331-D7E28FACD0EC}"/>
-              </a:ext>
-            </a:extLst>
-          </p:cNvPr>
-          <p:cNvSpPr txBox="1"/>
-          <p:nvPr/>
-        </p:nvSpPr>
-        <p:spPr>
-          <a:xfrm>
-            <a:off x="723900" y="330859"/>
-            <a:ext cx="3390900" cy="1446550"/>
-          </a:xfrm>
-          <a:prstGeom prst="rect">
-            <a:avLst/>
-          </a:prstGeom>
-          <a:noFill/>
-        </p:spPr>
-        <p:txBody>
-          <a:bodyPr wrap="square" rtlCol="0">
-            <a:spAutoFit/>
-          </a:bodyPr>
-          <a:lstStyle/>
-          <a:p>
-            <a:r>
-              <a:rPr lang="en-US" sz="4400" b="1" dirty="0"/>
-              <a:t>grade</a:t>
-            </a:r>
-          </a:p>
-          <a:p>
-            <a:r>
-              <a:rPr lang="en-US" sz="4400" b="1" dirty="0">
-                <a:solidFill>
-                  <a:srgbClr val="F26B6C"/>
-                </a:solidFill>
-              </a:rPr>
-              <a:t>condition</a:t>
-            </a:r>
-            <a:endParaRPr lang="uk-UA" sz="4400" b="1" dirty="0">
-              <a:solidFill>
-                <a:srgbClr val="F26B6C"/>
-              </a:solidFill>
-            </a:endParaRPr>
-          </a:p>
-        </p:txBody>
-      </p:sp>
-      <p:sp>
-        <p:nvSpPr>
-          <p:cNvPr id="7" name="TextBox 6">
-            <a:extLst>
-              <a:ext uri="{FF2B5EF4-FFF2-40B4-BE49-F238E27FC236}">
-                <a16:creationId xmlns:a16="http://schemas.microsoft.com/office/drawing/2014/main" id="{4776A2D6-2AA4-4EEB-B05F-BDE3C8A10517}"/>
-              </a:ext>
-            </a:extLst>
-          </p:cNvPr>
-          <p:cNvSpPr txBox="1"/>
-          <p:nvPr/>
-        </p:nvSpPr>
-        <p:spPr>
-          <a:xfrm>
-            <a:off x="723900" y="2164259"/>
-            <a:ext cx="10968558" cy="769441"/>
-          </a:xfrm>
-          <a:prstGeom prst="rect">
-            <a:avLst/>
-          </a:prstGeom>
-          <a:noFill/>
-        </p:spPr>
-        <p:txBody>
-          <a:bodyPr wrap="square" rtlCol="0">
-            <a:spAutoFit/>
-          </a:bodyPr>
-          <a:lstStyle/>
-          <a:p>
-            <a:r>
-              <a:rPr lang="en-US" sz="4400" b="1" dirty="0"/>
-              <a:t>Grade can increase price up to </a:t>
-            </a:r>
-            <a:r>
-              <a:rPr lang="en-US" sz="4400" b="1" dirty="0">
-                <a:solidFill>
-                  <a:srgbClr val="F26B6C"/>
-                </a:solidFill>
-              </a:rPr>
-              <a:t>180%</a:t>
-            </a:r>
-            <a:endParaRPr lang="uk-UA" sz="2800" b="1" dirty="0"/>
-          </a:p>
-        </p:txBody>
-      </p:sp>
-      <p:pic>
-        <p:nvPicPr>
-          <p:cNvPr id="2" name="Picture 1">
-            <a:extLst>
-              <a:ext uri="{FF2B5EF4-FFF2-40B4-BE49-F238E27FC236}">
-                <a16:creationId xmlns:a16="http://schemas.microsoft.com/office/drawing/2014/main" id="{432BD102-E7F5-419D-B799-5889630EC673}"/>
-              </a:ext>
-            </a:extLst>
-          </p:cNvPr>
-          <p:cNvPicPr>
-            <a:picLocks noChangeAspect="1"/>
-          </p:cNvPicPr>
-          <p:nvPr/>
-        </p:nvPicPr>
-        <p:blipFill>
-          <a:blip r:embed="rId2"/>
-          <a:stretch>
-            <a:fillRect/>
-          </a:stretch>
-        </p:blipFill>
-        <p:spPr>
-          <a:xfrm>
-            <a:off x="1325434" y="3554819"/>
-            <a:ext cx="5578732" cy="3554819"/>
-          </a:xfrm>
-          <a:prstGeom prst="rect">
-            <a:avLst/>
-          </a:prstGeom>
-        </p:spPr>
-      </p:pic>
-      <p:sp>
-        <p:nvSpPr>
-          <p:cNvPr id="9" name="TextBox 8">
-            <a:extLst>
-              <a:ext uri="{FF2B5EF4-FFF2-40B4-BE49-F238E27FC236}">
-                <a16:creationId xmlns:a16="http://schemas.microsoft.com/office/drawing/2014/main" id="{09A688BC-2574-4A07-AE96-29D996D6454D}"/>
-              </a:ext>
-            </a:extLst>
-          </p:cNvPr>
-          <p:cNvSpPr txBox="1"/>
-          <p:nvPr/>
-        </p:nvSpPr>
-        <p:spPr>
-          <a:xfrm>
-            <a:off x="723900" y="7738020"/>
-            <a:ext cx="10968558" cy="769441"/>
-          </a:xfrm>
-          <a:prstGeom prst="rect">
-            <a:avLst/>
-          </a:prstGeom>
-          <a:noFill/>
-        </p:spPr>
-        <p:txBody>
-          <a:bodyPr wrap="square" rtlCol="0">
-            <a:spAutoFit/>
-          </a:bodyPr>
-          <a:lstStyle/>
-          <a:p>
-            <a:r>
-              <a:rPr lang="en-US" sz="4400" b="1" dirty="0"/>
-              <a:t>Condition can increase price up to </a:t>
-            </a:r>
-            <a:r>
-              <a:rPr lang="en-US" sz="4400" b="1" dirty="0">
-                <a:solidFill>
-                  <a:srgbClr val="F26B6C"/>
-                </a:solidFill>
-              </a:rPr>
-              <a:t>12%</a:t>
-            </a:r>
-            <a:endParaRPr lang="uk-UA" sz="2800" b="1" dirty="0"/>
-          </a:p>
-        </p:txBody>
-      </p:sp>
-      <p:sp>
-        <p:nvSpPr>
-          <p:cNvPr id="3" name="Rectangle 2">
-            <a:extLst>
-              <a:ext uri="{FF2B5EF4-FFF2-40B4-BE49-F238E27FC236}">
-                <a16:creationId xmlns:a16="http://schemas.microsoft.com/office/drawing/2014/main" id="{E0415715-969A-4487-89FB-BB33E851BD61}"/>
-              </a:ext>
-            </a:extLst>
-          </p:cNvPr>
-          <p:cNvSpPr/>
-          <p:nvPr/>
-        </p:nvSpPr>
-        <p:spPr>
-          <a:xfrm>
-            <a:off x="7162800" y="3345203"/>
-            <a:ext cx="6858000" cy="3939540"/>
-          </a:xfrm>
-          <a:prstGeom prst="rect">
-            <a:avLst/>
-          </a:prstGeom>
-        </p:spPr>
-        <p:txBody>
-          <a:bodyPr wrap="square">
-            <a:spAutoFit/>
-          </a:bodyPr>
-          <a:lstStyle/>
-          <a:p>
-            <a:r>
-              <a:rPr lang="en-US" sz="4400" dirty="0">
-                <a:latin typeface="Open Sans"/>
-              </a:rPr>
-              <a:t>1.</a:t>
-            </a:r>
-            <a:r>
-              <a:rPr lang="en-US" sz="2800" dirty="0">
-                <a:latin typeface="Open Sans"/>
-              </a:rPr>
-              <a:t> </a:t>
-            </a:r>
-            <a:r>
-              <a:rPr lang="en-US" dirty="0">
-                <a:solidFill>
-                  <a:srgbClr val="23221F"/>
-                </a:solidFill>
-                <a:latin typeface="Open Sans"/>
-              </a:rPr>
-              <a:t>Falls short of minimum building standards. Normally cabin or inferior structure.</a:t>
-            </a:r>
-          </a:p>
-          <a:p>
-            <a:r>
-              <a:rPr lang="en-US" dirty="0"/>
-              <a:t>...</a:t>
-            </a:r>
-          </a:p>
-          <a:p>
-            <a:r>
-              <a:rPr lang="en-US" sz="4400" dirty="0"/>
-              <a:t>13. </a:t>
-            </a:r>
-            <a:r>
-              <a:rPr lang="en-US" dirty="0"/>
-              <a:t>Generally custom designed and built. Mansion level. Large amount of highest quality cabinet work, wood trim, marble, entry ways etc.</a:t>
-            </a:r>
-          </a:p>
-        </p:txBody>
-      </p:sp>
-    </p:spTree>
-    <p:extLst>
-      <p:ext uri="{BB962C8B-B14F-4D97-AF65-F5344CB8AC3E}">
-        <p14:creationId xmlns:p14="http://schemas.microsoft.com/office/powerpoint/2010/main" val="509447778"/>
-      </p:ext>
-    </p:extLst>
-  </p:cSld>
-  <p:clrMapOvr>
-    <a:masterClrMapping/>
-  </p:clrMapOvr>
-  <mc:AlternateContent xmlns:mc="http://schemas.openxmlformats.org/markup-compatibility/2006" xmlns:p14="http://schemas.microsoft.com/office/powerpoint/2010/main">
-    <mc:Choice Requires="p14">
-      <p:transition spd="slow" p14:dur="2000">
-        <p:push dir="r"/>
-      </p:transition>
-    </mc:Choice>
-    <mc:Fallback xmlns="">
-      <p:transition spd="slow">
-        <p:push dir="r"/>
-      </p:transition>
-    </mc:Fallback>
-  </mc:AlternateContent>
-</p:sld>
-</file>
-
-<file path=ppt/slides/slide11.xml><?xml version="1.0" encoding="utf-8"?>
-<p:sld xmlns:a="http://schemas.openxmlformats.org/drawingml/2006/main" xmlns:r="http://schemas.openxmlformats.org/officeDocument/2006/relationships" xmlns:p="http://schemas.openxmlformats.org/presentationml/2006/main">
-  <p:cSld>
-    <p:spTree>
-      <p:nvGrpSpPr>
-        <p:cNvPr id="1" name=""/>
-        <p:cNvGrpSpPr/>
-        <p:nvPr/>
-      </p:nvGrpSpPr>
-      <p:grpSpPr>
-        <a:xfrm>
-          <a:off x="0" y="0"/>
-          <a:ext cx="0" cy="0"/>
-          <a:chOff x="0" y="0"/>
-          <a:chExt cx="0" cy="0"/>
-        </a:xfrm>
-      </p:grpSpPr>
-      <p:sp>
-        <p:nvSpPr>
           <p:cNvPr id="3" name="TextBox 2"/>
           <p:cNvSpPr txBox="1"/>
           <p:nvPr/>
@@ -13307,7 +12667,7 @@
           <p:cNvPr id="4" name="Picture Placeholder 3" descr="A person standing in front of a building&#10;&#10;Description automatically generated">
             <a:extLst>
               <a:ext uri="{FF2B5EF4-FFF2-40B4-BE49-F238E27FC236}">
-                <a16:creationId xmlns:a16="http://schemas.microsoft.com/office/drawing/2014/main" id="{7BA39BDC-BFB5-4B65-8E26-122B579737F3}"/>
+                <a16:creationId xmlns:a16="http://schemas.microsoft.com/office/drawing/2014/main" xmlns="" id="{7BA39BDC-BFB5-4B65-8E26-122B579737F3}"/>
               </a:ext>
             </a:extLst>
           </p:cNvPr>
@@ -13385,6 +12745,10 @@
                 </a:solidFill>
               </a:rPr>
               <a:t>the</a:t>
+            </a:r>
+            <a:r>
+              <a:rPr lang="en-US" dirty="0"/>
+              <a:t/>
             </a:r>
             <a:br>
               <a:rPr lang="en-US" dirty="0"/>
@@ -13969,7 +13333,7 @@
           <p:cNvPr id="22" name="Group 21">
             <a:extLst>
               <a:ext uri="{FF2B5EF4-FFF2-40B4-BE49-F238E27FC236}">
-                <a16:creationId xmlns:a16="http://schemas.microsoft.com/office/drawing/2014/main" id="{51849497-9A36-4FD9-9532-EF5238A85784}"/>
+                <a16:creationId xmlns:a16="http://schemas.microsoft.com/office/drawing/2014/main" xmlns="" id="{51849497-9A36-4FD9-9532-EF5238A85784}"/>
               </a:ext>
             </a:extLst>
           </p:cNvPr>
@@ -13989,7 +13353,7 @@
             <p:cNvPr id="23" name="Freeform 29">
               <a:extLst>
                 <a:ext uri="{FF2B5EF4-FFF2-40B4-BE49-F238E27FC236}">
-                  <a16:creationId xmlns:a16="http://schemas.microsoft.com/office/drawing/2014/main" id="{DC881332-0D34-46BE-8FB0-E53C6711D440}"/>
+                  <a16:creationId xmlns:a16="http://schemas.microsoft.com/office/drawing/2014/main" xmlns="" id="{DC881332-0D34-46BE-8FB0-E53C6711D440}"/>
                 </a:ext>
               </a:extLst>
             </p:cNvPr>
@@ -14465,7 +13829,7 @@
             <p:cNvPr id="24" name="TextBox 23">
               <a:extLst>
                 <a:ext uri="{FF2B5EF4-FFF2-40B4-BE49-F238E27FC236}">
-                  <a16:creationId xmlns:a16="http://schemas.microsoft.com/office/drawing/2014/main" id="{1D637D19-B8BA-492B-A329-1D29B75AAF3A}"/>
+                  <a16:creationId xmlns:a16="http://schemas.microsoft.com/office/drawing/2014/main" xmlns="" id="{1D637D19-B8BA-492B-A329-1D29B75AAF3A}"/>
                 </a:ext>
               </a:extLst>
             </p:cNvPr>
@@ -14501,7 +13865,13 @@
                 <a:rPr lang="en-US" sz="3600" dirty="0">
                   <a:latin typeface="+mj-lt"/>
                 </a:rPr>
-                <a:t> rows of data</a:t>
+                <a:t> </a:t>
+              </a:r>
+              <a:r>
+                <a:rPr lang="en-US" sz="3600" dirty="0" smtClean="0">
+                  <a:latin typeface="+mj-lt"/>
+                </a:rPr>
+                <a:t>sales</a:t>
               </a:r>
               <a:endParaRPr lang="uk-UA" sz="3600" dirty="0">
                 <a:solidFill>
@@ -14525,7 +13895,7 @@
           <p:cNvPr id="25" name="Group 24">
             <a:extLst>
               <a:ext uri="{FF2B5EF4-FFF2-40B4-BE49-F238E27FC236}">
-                <a16:creationId xmlns:a16="http://schemas.microsoft.com/office/drawing/2014/main" id="{FDA5F824-E4E3-47D0-8086-EA25DCA4988F}"/>
+                <a16:creationId xmlns:a16="http://schemas.microsoft.com/office/drawing/2014/main" xmlns="" id="{FDA5F824-E4E3-47D0-8086-EA25DCA4988F}"/>
               </a:ext>
             </a:extLst>
           </p:cNvPr>
@@ -14545,7 +13915,7 @@
             <p:cNvPr id="26" name="Freeform 29">
               <a:extLst>
                 <a:ext uri="{FF2B5EF4-FFF2-40B4-BE49-F238E27FC236}">
-                  <a16:creationId xmlns:a16="http://schemas.microsoft.com/office/drawing/2014/main" id="{8B067D5B-47B1-453B-B731-0476D0354BC9}"/>
+                  <a16:creationId xmlns:a16="http://schemas.microsoft.com/office/drawing/2014/main" xmlns="" id="{8B067D5B-47B1-453B-B731-0476D0354BC9}"/>
                 </a:ext>
               </a:extLst>
             </p:cNvPr>
@@ -15021,7 +14391,7 @@
             <p:cNvPr id="27" name="TextBox 26">
               <a:extLst>
                 <a:ext uri="{FF2B5EF4-FFF2-40B4-BE49-F238E27FC236}">
-                  <a16:creationId xmlns:a16="http://schemas.microsoft.com/office/drawing/2014/main" id="{4BE0CBB9-EB26-45B2-9726-9FABD4F05877}"/>
+                  <a16:creationId xmlns:a16="http://schemas.microsoft.com/office/drawing/2014/main" xmlns="" id="{4BE0CBB9-EB26-45B2-9726-9FABD4F05877}"/>
                 </a:ext>
               </a:extLst>
             </p:cNvPr>
@@ -15074,7 +14444,7 @@
           <p:cNvPr id="28" name="Group 27">
             <a:extLst>
               <a:ext uri="{FF2B5EF4-FFF2-40B4-BE49-F238E27FC236}">
-                <a16:creationId xmlns:a16="http://schemas.microsoft.com/office/drawing/2014/main" id="{E819EB98-8C75-439A-9133-4F316DAB9713}"/>
+                <a16:creationId xmlns:a16="http://schemas.microsoft.com/office/drawing/2014/main" xmlns="" id="{E819EB98-8C75-439A-9133-4F316DAB9713}"/>
               </a:ext>
             </a:extLst>
           </p:cNvPr>
@@ -15084,9 +14454,9 @@
         <p:grpSpPr>
           <a:xfrm>
             <a:off x="2966197" y="7505700"/>
-            <a:ext cx="10884555" cy="1143000"/>
+            <a:ext cx="11664203" cy="1143000"/>
             <a:chOff x="3429000" y="3046511"/>
-            <a:chExt cx="10884555" cy="1143000"/>
+            <a:chExt cx="11664203" cy="1143000"/>
           </a:xfrm>
         </p:grpSpPr>
         <p:sp>
@@ -15094,7 +14464,7 @@
             <p:cNvPr id="29" name="Freeform 29">
               <a:extLst>
                 <a:ext uri="{FF2B5EF4-FFF2-40B4-BE49-F238E27FC236}">
-                  <a16:creationId xmlns:a16="http://schemas.microsoft.com/office/drawing/2014/main" id="{EE954227-565E-4953-9909-5BA9C37AF617}"/>
+                  <a16:creationId xmlns:a16="http://schemas.microsoft.com/office/drawing/2014/main" xmlns="" id="{EE954227-565E-4953-9909-5BA9C37AF617}"/>
                 </a:ext>
               </a:extLst>
             </p:cNvPr>
@@ -15570,7 +14940,7 @@
             <p:cNvPr id="30" name="TextBox 29">
               <a:extLst>
                 <a:ext uri="{FF2B5EF4-FFF2-40B4-BE49-F238E27FC236}">
-                  <a16:creationId xmlns:a16="http://schemas.microsoft.com/office/drawing/2014/main" id="{8BD1A21A-E01A-4330-B581-35921DCAF1AD}"/>
+                  <a16:creationId xmlns:a16="http://schemas.microsoft.com/office/drawing/2014/main" xmlns="" id="{8BD1A21A-E01A-4330-B581-35921DCAF1AD}"/>
                 </a:ext>
               </a:extLst>
             </p:cNvPr>
@@ -15580,7 +14950,7 @@
           <p:spPr>
             <a:xfrm>
               <a:off x="5124450" y="3289022"/>
-              <a:ext cx="9189105" cy="646331"/>
+              <a:ext cx="9968753" cy="646331"/>
             </a:xfrm>
             <a:prstGeom prst="rect">
               <a:avLst/>
@@ -15594,19 +14964,10 @@
             <a:lstStyle/>
             <a:p>
               <a:r>
-                <a:rPr lang="en-US" sz="3600" dirty="0">
-                  <a:solidFill>
-                    <a:schemeClr val="accent1"/>
-                  </a:solidFill>
+                <a:rPr lang="en-US" sz="3600" dirty="0" smtClean="0">
                   <a:latin typeface="+mj-lt"/>
                 </a:rPr>
-                <a:t>feature</a:t>
-              </a:r>
-              <a:r>
-                <a:rPr lang="en-US" sz="3600" dirty="0">
-                  <a:latin typeface="+mj-lt"/>
-                </a:rPr>
-                <a:t> selection and </a:t>
+                <a:t>top factors influencing the </a:t>
               </a:r>
               <a:r>
                 <a:rPr lang="en-US" sz="3600" dirty="0">
@@ -15618,10 +14979,19 @@
                 <a:t>price</a:t>
               </a:r>
               <a:r>
-                <a:rPr lang="en-US" sz="3600" dirty="0">
+                <a:rPr lang="en-US" sz="3600" dirty="0" smtClean="0">
                   <a:latin typeface="+mj-lt"/>
                 </a:rPr>
-                <a:t> prediction</a:t>
+                <a:t> and best </a:t>
+              </a:r>
+              <a:r>
+                <a:rPr lang="en-US" sz="3600" dirty="0">
+                  <a:solidFill>
+                    <a:schemeClr val="accent1"/>
+                  </a:solidFill>
+                  <a:latin typeface="+mj-lt"/>
+                </a:rPr>
+                <a:t>locations</a:t>
               </a:r>
               <a:endParaRPr lang="uk-UA" sz="3600" dirty="0">
                 <a:solidFill>
@@ -15663,3167 +15033,12 @@
           <a:chExt cx="0" cy="0"/>
         </a:xfrm>
       </p:grpSpPr>
-      <p:pic>
-        <p:nvPicPr>
-          <p:cNvPr id="24" name="Picture Placeholder 23">
-            <a:extLst>
-              <a:ext uri="{FF2B5EF4-FFF2-40B4-BE49-F238E27FC236}">
-                <a16:creationId xmlns:a16="http://schemas.microsoft.com/office/drawing/2014/main" id="{C8E8BF94-D455-452D-988D-E5B3B9AEB641}"/>
-              </a:ext>
-            </a:extLst>
-          </p:cNvPr>
-          <p:cNvPicPr>
-            <a:picLocks noGrp="1" noChangeAspect="1"/>
-          </p:cNvPicPr>
-          <p:nvPr>
-            <p:ph type="pic" sz="quarter" idx="11"/>
-          </p:nvPr>
-        </p:nvPicPr>
-        <p:blipFill>
-          <a:blip r:embed="rId3">
-            <a:extLst>
-              <a:ext uri="{28A0092B-C50C-407E-A947-70E740481C1C}">
-                <a14:useLocalDpi xmlns:a14="http://schemas.microsoft.com/office/drawing/2010/main" val="0"/>
-              </a:ext>
-            </a:extLst>
-          </a:blip>
-          <a:srcRect/>
-          <a:stretch/>
-        </p:blipFill>
-        <p:spPr>
-          <a:xfrm>
-            <a:off x="0" y="2412246"/>
-            <a:ext cx="18288000" cy="3657599"/>
-          </a:xfrm>
-        </p:spPr>
-      </p:pic>
-      <p:sp>
-        <p:nvSpPr>
-          <p:cNvPr id="7" name="Rectangle 6"/>
-          <p:cNvSpPr>
-            <a:spLocks/>
-          </p:cNvSpPr>
-          <p:nvPr/>
-        </p:nvSpPr>
-        <p:spPr>
-          <a:xfrm>
-            <a:off x="0" y="2400300"/>
-            <a:ext cx="18288000" cy="3657600"/>
-          </a:xfrm>
-          <a:prstGeom prst="rect">
-            <a:avLst/>
-          </a:prstGeom>
-          <a:solidFill>
-            <a:schemeClr val="tx1">
-              <a:alpha val="50000"/>
-            </a:schemeClr>
-          </a:solidFill>
-          <a:ln w="38100">
-            <a:noFill/>
-          </a:ln>
-        </p:spPr>
-        <p:style>
-          <a:lnRef idx="2">
-            <a:schemeClr val="accent1">
-              <a:shade val="50000"/>
-            </a:schemeClr>
-          </a:lnRef>
-          <a:fillRef idx="1">
-            <a:schemeClr val="accent1"/>
-          </a:fillRef>
-          <a:effectRef idx="0">
-            <a:schemeClr val="accent1"/>
-          </a:effectRef>
-          <a:fontRef idx="minor">
-            <a:schemeClr val="lt1"/>
-          </a:fontRef>
-        </p:style>
-        <p:txBody>
-          <a:bodyPr rot="0" spcFirstLastPara="0" vertOverflow="overflow" horzOverflow="overflow" vert="horz" wrap="square" lIns="91440" tIns="45720" rIns="91440" bIns="45720" numCol="1" spcCol="0" rtlCol="0" fromWordArt="0" anchor="ctr" anchorCtr="0" forceAA="0" compatLnSpc="1">
-            <a:prstTxWarp prst="textNoShape">
-              <a:avLst/>
-            </a:prstTxWarp>
-            <a:noAutofit/>
-          </a:bodyPr>
-          <a:lstStyle/>
-          <a:p>
-            <a:pPr algn="ctr"/>
-            <a:endParaRPr lang="uk-UA" sz="3600" b="1">
-              <a:solidFill>
-                <a:schemeClr val="bg1"/>
-              </a:solidFill>
-            </a:endParaRPr>
-          </a:p>
-        </p:txBody>
-      </p:sp>
-      <p:sp>
-        <p:nvSpPr>
-          <p:cNvPr id="4" name="Title 3"/>
-          <p:cNvSpPr>
-            <a:spLocks noGrp="1"/>
-          </p:cNvSpPr>
-          <p:nvPr>
-            <p:ph type="title"/>
-          </p:nvPr>
-        </p:nvSpPr>
-        <p:spPr>
-          <a:prstGeom prst="rect">
-            <a:avLst/>
-          </a:prstGeom>
-        </p:spPr>
-        <p:txBody>
-          <a:bodyPr/>
-          <a:lstStyle/>
-          <a:p>
-            <a:r>
-              <a:rPr lang="en-US" dirty="0">
-                <a:solidFill>
-                  <a:schemeClr val="accent1"/>
-                </a:solidFill>
-              </a:rPr>
-              <a:t>the</a:t>
-            </a:r>
-            <a:r>
-              <a:rPr lang="en-US" dirty="0"/>
-              <a:t> </a:t>
-            </a:r>
-            <a:br>
-              <a:rPr lang="en-US" dirty="0"/>
-            </a:br>
-            <a:r>
-              <a:rPr lang="en-US" dirty="0"/>
-              <a:t>process</a:t>
-            </a:r>
-            <a:endParaRPr lang="uk-UA" dirty="0">
-              <a:solidFill>
-                <a:schemeClr val="tx1"/>
-              </a:solidFill>
-            </a:endParaRPr>
-          </a:p>
-        </p:txBody>
-      </p:sp>
-      <p:grpSp>
-        <p:nvGrpSpPr>
-          <p:cNvPr id="19" name="Group 18"/>
-          <p:cNvGrpSpPr/>
-          <p:nvPr/>
-        </p:nvGrpSpPr>
-        <p:grpSpPr>
-          <a:xfrm>
-            <a:off x="9626600" y="5372100"/>
-            <a:ext cx="2984500" cy="2245180"/>
-            <a:chOff x="9626600" y="5372100"/>
-            <a:chExt cx="2984500" cy="2245180"/>
-          </a:xfrm>
-        </p:grpSpPr>
-        <p:sp>
-          <p:nvSpPr>
-            <p:cNvPr id="39" name="TextBox 38"/>
-            <p:cNvSpPr txBox="1"/>
-            <p:nvPr/>
-          </p:nvSpPr>
-          <p:spPr>
-            <a:xfrm>
-              <a:off x="9626600" y="6970949"/>
-              <a:ext cx="2984500" cy="646331"/>
-            </a:xfrm>
-            <a:prstGeom prst="rect">
-              <a:avLst/>
-            </a:prstGeom>
-            <a:noFill/>
-          </p:spPr>
-          <p:txBody>
-            <a:bodyPr wrap="square" rtlCol="0">
-              <a:spAutoFit/>
-            </a:bodyPr>
-            <a:lstStyle>
-              <a:defPPr>
-                <a:defRPr lang="uk-UA"/>
-              </a:defPPr>
-              <a:lvl1pPr algn="ctr">
-                <a:defRPr sz="3600">
-                  <a:latin typeface="+mj-lt"/>
-                </a:defRPr>
-              </a:lvl1pPr>
-            </a:lstStyle>
-            <a:p>
-              <a:r>
-                <a:rPr lang="en-US" dirty="0"/>
-                <a:t>Model</a:t>
-              </a:r>
-              <a:endParaRPr lang="uk-UA" dirty="0"/>
-            </a:p>
-          </p:txBody>
-        </p:sp>
-        <p:sp>
-          <p:nvSpPr>
-            <p:cNvPr id="37" name="Oval 36"/>
-            <p:cNvSpPr/>
-            <p:nvPr/>
-          </p:nvSpPr>
-          <p:spPr>
-            <a:xfrm>
-              <a:off x="10433050" y="5372100"/>
-              <a:ext cx="1371600" cy="1371600"/>
-            </a:xfrm>
-            <a:prstGeom prst="ellipse">
-              <a:avLst/>
-            </a:prstGeom>
-            <a:solidFill>
-              <a:schemeClr val="accent1"/>
-            </a:solidFill>
-            <a:ln w="38100">
-              <a:solidFill>
-                <a:schemeClr val="bg1"/>
-              </a:solidFill>
-            </a:ln>
-          </p:spPr>
-          <p:style>
-            <a:lnRef idx="2">
-              <a:schemeClr val="accent1">
-                <a:shade val="50000"/>
-              </a:schemeClr>
-            </a:lnRef>
-            <a:fillRef idx="1">
-              <a:schemeClr val="accent1"/>
-            </a:fillRef>
-            <a:effectRef idx="0">
-              <a:schemeClr val="accent1"/>
-            </a:effectRef>
-            <a:fontRef idx="minor">
-              <a:schemeClr val="lt1"/>
-            </a:fontRef>
-          </p:style>
-          <p:txBody>
-            <a:bodyPr rot="0" spcFirstLastPara="0" vertOverflow="overflow" horzOverflow="overflow" vert="horz" wrap="square" lIns="91440" tIns="45720" rIns="91440" bIns="45720" numCol="1" spcCol="0" rtlCol="0" fromWordArt="0" anchor="ctr" anchorCtr="0" forceAA="0" compatLnSpc="1">
-              <a:prstTxWarp prst="textNoShape">
-                <a:avLst/>
-              </a:prstTxWarp>
-              <a:noAutofit/>
-            </a:bodyPr>
-            <a:lstStyle/>
-            <a:p>
-              <a:pPr algn="ctr"/>
-              <a:endParaRPr lang="uk-UA" sz="3600" b="1">
-                <a:solidFill>
-                  <a:schemeClr val="bg1"/>
-                </a:solidFill>
-              </a:endParaRPr>
-            </a:p>
-          </p:txBody>
-        </p:sp>
-      </p:grpSp>
-      <p:grpSp>
-        <p:nvGrpSpPr>
-          <p:cNvPr id="20" name="Group 19"/>
-          <p:cNvGrpSpPr/>
-          <p:nvPr/>
-        </p:nvGrpSpPr>
-        <p:grpSpPr>
-          <a:xfrm>
-            <a:off x="13487400" y="5372100"/>
-            <a:ext cx="2984500" cy="2245180"/>
-            <a:chOff x="13487400" y="5372100"/>
-            <a:chExt cx="2984500" cy="2245180"/>
-          </a:xfrm>
-        </p:grpSpPr>
-        <p:sp>
-          <p:nvSpPr>
-            <p:cNvPr id="44" name="TextBox 43"/>
-            <p:cNvSpPr txBox="1"/>
-            <p:nvPr/>
-          </p:nvSpPr>
-          <p:spPr>
-            <a:xfrm>
-              <a:off x="13487400" y="6970949"/>
-              <a:ext cx="2984500" cy="646331"/>
-            </a:xfrm>
-            <a:prstGeom prst="rect">
-              <a:avLst/>
-            </a:prstGeom>
-            <a:noFill/>
-          </p:spPr>
-          <p:txBody>
-            <a:bodyPr wrap="square" rtlCol="0">
-              <a:spAutoFit/>
-            </a:bodyPr>
-            <a:lstStyle>
-              <a:defPPr>
-                <a:defRPr lang="uk-UA"/>
-              </a:defPPr>
-              <a:lvl1pPr algn="ctr">
-                <a:defRPr sz="3600">
-                  <a:latin typeface="+mj-lt"/>
-                </a:defRPr>
-              </a:lvl1pPr>
-            </a:lstStyle>
-            <a:p>
-              <a:r>
-                <a:rPr lang="en-US" dirty="0"/>
-                <a:t>Interpret</a:t>
-              </a:r>
-              <a:endParaRPr lang="uk-UA" dirty="0"/>
-            </a:p>
-          </p:txBody>
-        </p:sp>
-        <p:sp>
-          <p:nvSpPr>
-            <p:cNvPr id="42" name="Oval 41"/>
-            <p:cNvSpPr/>
-            <p:nvPr/>
-          </p:nvSpPr>
-          <p:spPr>
-            <a:xfrm>
-              <a:off x="14293850" y="5372100"/>
-              <a:ext cx="1371600" cy="1371600"/>
-            </a:xfrm>
-            <a:prstGeom prst="ellipse">
-              <a:avLst/>
-            </a:prstGeom>
-            <a:solidFill>
-              <a:schemeClr val="accent1"/>
-            </a:solidFill>
-            <a:ln w="38100">
-              <a:solidFill>
-                <a:schemeClr val="bg1"/>
-              </a:solidFill>
-            </a:ln>
-          </p:spPr>
-          <p:style>
-            <a:lnRef idx="2">
-              <a:schemeClr val="accent1">
-                <a:shade val="50000"/>
-              </a:schemeClr>
-            </a:lnRef>
-            <a:fillRef idx="1">
-              <a:schemeClr val="accent1"/>
-            </a:fillRef>
-            <a:effectRef idx="0">
-              <a:schemeClr val="accent1"/>
-            </a:effectRef>
-            <a:fontRef idx="minor">
-              <a:schemeClr val="lt1"/>
-            </a:fontRef>
-          </p:style>
-          <p:txBody>
-            <a:bodyPr rot="0" spcFirstLastPara="0" vertOverflow="overflow" horzOverflow="overflow" vert="horz" wrap="square" lIns="91440" tIns="45720" rIns="91440" bIns="45720" numCol="1" spcCol="0" rtlCol="0" fromWordArt="0" anchor="ctr" anchorCtr="0" forceAA="0" compatLnSpc="1">
-              <a:prstTxWarp prst="textNoShape">
-                <a:avLst/>
-              </a:prstTxWarp>
-              <a:noAutofit/>
-            </a:bodyPr>
-            <a:lstStyle/>
-            <a:p>
-              <a:pPr algn="ctr"/>
-              <a:endParaRPr lang="uk-UA" sz="3600" b="1">
-                <a:solidFill>
-                  <a:schemeClr val="bg1"/>
-                </a:solidFill>
-              </a:endParaRPr>
-            </a:p>
-          </p:txBody>
-        </p:sp>
-      </p:grpSp>
-      <p:grpSp>
-        <p:nvGrpSpPr>
-          <p:cNvPr id="18" name="Group 17"/>
-          <p:cNvGrpSpPr/>
-          <p:nvPr/>
-        </p:nvGrpSpPr>
-        <p:grpSpPr>
-          <a:xfrm>
-            <a:off x="5765800" y="5372100"/>
-            <a:ext cx="2984500" cy="2245180"/>
-            <a:chOff x="5765800" y="5372100"/>
-            <a:chExt cx="2984500" cy="2245180"/>
-          </a:xfrm>
-        </p:grpSpPr>
-        <p:sp>
-          <p:nvSpPr>
-            <p:cNvPr id="34" name="TextBox 33"/>
-            <p:cNvSpPr txBox="1"/>
-            <p:nvPr/>
-          </p:nvSpPr>
-          <p:spPr>
-            <a:xfrm>
-              <a:off x="5765800" y="6970949"/>
-              <a:ext cx="2984500" cy="646331"/>
-            </a:xfrm>
-            <a:prstGeom prst="rect">
-              <a:avLst/>
-            </a:prstGeom>
-            <a:noFill/>
-          </p:spPr>
-          <p:txBody>
-            <a:bodyPr wrap="square" rtlCol="0">
-              <a:spAutoFit/>
-            </a:bodyPr>
-            <a:lstStyle>
-              <a:defPPr>
-                <a:defRPr lang="uk-UA"/>
-              </a:defPPr>
-              <a:lvl1pPr algn="ctr">
-                <a:defRPr sz="3600">
-                  <a:latin typeface="+mj-lt"/>
-                </a:defRPr>
-              </a:lvl1pPr>
-            </a:lstStyle>
-            <a:p>
-              <a:r>
-                <a:rPr lang="en-US" dirty="0"/>
-                <a:t>Explore</a:t>
-              </a:r>
-              <a:endParaRPr lang="uk-UA" dirty="0"/>
-            </a:p>
-          </p:txBody>
-        </p:sp>
-        <p:sp>
-          <p:nvSpPr>
-            <p:cNvPr id="32" name="Oval 31"/>
-            <p:cNvSpPr/>
-            <p:nvPr/>
-          </p:nvSpPr>
-          <p:spPr>
-            <a:xfrm>
-              <a:off x="6572250" y="5372100"/>
-              <a:ext cx="1371600" cy="1371600"/>
-            </a:xfrm>
-            <a:prstGeom prst="ellipse">
-              <a:avLst/>
-            </a:prstGeom>
-            <a:solidFill>
-              <a:schemeClr val="accent1"/>
-            </a:solidFill>
-            <a:ln w="38100">
-              <a:solidFill>
-                <a:schemeClr val="bg1"/>
-              </a:solidFill>
-            </a:ln>
-          </p:spPr>
-          <p:style>
-            <a:lnRef idx="2">
-              <a:schemeClr val="accent1">
-                <a:shade val="50000"/>
-              </a:schemeClr>
-            </a:lnRef>
-            <a:fillRef idx="1">
-              <a:schemeClr val="accent1"/>
-            </a:fillRef>
-            <a:effectRef idx="0">
-              <a:schemeClr val="accent1"/>
-            </a:effectRef>
-            <a:fontRef idx="minor">
-              <a:schemeClr val="lt1"/>
-            </a:fontRef>
-          </p:style>
-          <p:txBody>
-            <a:bodyPr rot="0" spcFirstLastPara="0" vertOverflow="overflow" horzOverflow="overflow" vert="horz" wrap="square" lIns="91440" tIns="45720" rIns="91440" bIns="45720" numCol="1" spcCol="0" rtlCol="0" fromWordArt="0" anchor="ctr" anchorCtr="0" forceAA="0" compatLnSpc="1">
-              <a:prstTxWarp prst="textNoShape">
-                <a:avLst/>
-              </a:prstTxWarp>
-              <a:noAutofit/>
-            </a:bodyPr>
-            <a:lstStyle/>
-            <a:p>
-              <a:pPr algn="ctr"/>
-              <a:endParaRPr lang="uk-UA" sz="3600" b="1">
-                <a:solidFill>
-                  <a:schemeClr val="bg1"/>
-                </a:solidFill>
-              </a:endParaRPr>
-            </a:p>
-          </p:txBody>
-        </p:sp>
-      </p:grpSp>
-      <p:grpSp>
-        <p:nvGrpSpPr>
-          <p:cNvPr id="17" name="Group 16"/>
-          <p:cNvGrpSpPr/>
-          <p:nvPr/>
-        </p:nvGrpSpPr>
-        <p:grpSpPr>
-          <a:xfrm>
-            <a:off x="1905000" y="5372100"/>
-            <a:ext cx="2984500" cy="2245180"/>
-            <a:chOff x="1905000" y="5372100"/>
-            <a:chExt cx="2984500" cy="2245180"/>
-          </a:xfrm>
-        </p:grpSpPr>
-        <p:sp>
-          <p:nvSpPr>
-            <p:cNvPr id="9" name="TextBox 8"/>
-            <p:cNvSpPr txBox="1"/>
-            <p:nvPr/>
-          </p:nvSpPr>
-          <p:spPr>
-            <a:xfrm>
-              <a:off x="1905000" y="6970949"/>
-              <a:ext cx="2984500" cy="646331"/>
-            </a:xfrm>
-            <a:prstGeom prst="rect">
-              <a:avLst/>
-            </a:prstGeom>
-            <a:noFill/>
-          </p:spPr>
-          <p:txBody>
-            <a:bodyPr wrap="square" rtlCol="0">
-              <a:spAutoFit/>
-            </a:bodyPr>
-            <a:lstStyle>
-              <a:defPPr>
-                <a:defRPr lang="uk-UA"/>
-              </a:defPPr>
-              <a:lvl1pPr algn="ctr">
-                <a:defRPr sz="3600">
-                  <a:latin typeface="+mj-lt"/>
-                </a:defRPr>
-              </a:lvl1pPr>
-            </a:lstStyle>
-            <a:p>
-              <a:r>
-                <a:rPr lang="en-US" dirty="0"/>
-                <a:t>Scrub</a:t>
-              </a:r>
-              <a:endParaRPr lang="uk-UA" dirty="0"/>
-            </a:p>
-          </p:txBody>
-        </p:sp>
-        <p:sp>
-          <p:nvSpPr>
-            <p:cNvPr id="11" name="Oval 10"/>
-            <p:cNvSpPr/>
-            <p:nvPr/>
-          </p:nvSpPr>
-          <p:spPr>
-            <a:xfrm>
-              <a:off x="2711450" y="5372100"/>
-              <a:ext cx="1371600" cy="1371600"/>
-            </a:xfrm>
-            <a:prstGeom prst="ellipse">
-              <a:avLst/>
-            </a:prstGeom>
-            <a:solidFill>
-              <a:schemeClr val="accent1"/>
-            </a:solidFill>
-            <a:ln w="38100">
-              <a:solidFill>
-                <a:schemeClr val="bg1"/>
-              </a:solidFill>
-            </a:ln>
-          </p:spPr>
-          <p:style>
-            <a:lnRef idx="2">
-              <a:schemeClr val="accent1">
-                <a:shade val="50000"/>
-              </a:schemeClr>
-            </a:lnRef>
-            <a:fillRef idx="1">
-              <a:schemeClr val="accent1"/>
-            </a:fillRef>
-            <a:effectRef idx="0">
-              <a:schemeClr val="accent1"/>
-            </a:effectRef>
-            <a:fontRef idx="minor">
-              <a:schemeClr val="lt1"/>
-            </a:fontRef>
-          </p:style>
-          <p:txBody>
-            <a:bodyPr rot="0" spcFirstLastPara="0" vertOverflow="overflow" horzOverflow="overflow" vert="horz" wrap="square" lIns="91440" tIns="45720" rIns="91440" bIns="45720" numCol="1" spcCol="0" rtlCol="0" fromWordArt="0" anchor="ctr" anchorCtr="0" forceAA="0" compatLnSpc="1">
-              <a:prstTxWarp prst="textNoShape">
-                <a:avLst/>
-              </a:prstTxWarp>
-              <a:noAutofit/>
-            </a:bodyPr>
-            <a:lstStyle/>
-            <a:p>
-              <a:pPr algn="ctr"/>
-              <a:endParaRPr lang="uk-UA" sz="3600" b="1" dirty="0">
-                <a:solidFill>
-                  <a:schemeClr val="bg1"/>
-                </a:solidFill>
-              </a:endParaRPr>
-            </a:p>
-          </p:txBody>
-        </p:sp>
-      </p:grpSp>
-      <p:sp>
-        <p:nvSpPr>
-          <p:cNvPr id="5" name="Slide Number Placeholder 4"/>
-          <p:cNvSpPr>
-            <a:spLocks noGrp="1"/>
-          </p:cNvSpPr>
-          <p:nvPr>
-            <p:ph type="sldNum" sz="quarter" idx="10"/>
-          </p:nvPr>
-        </p:nvSpPr>
-        <p:spPr/>
-        <p:txBody>
-          <a:bodyPr/>
-          <a:lstStyle/>
-          <a:p>
-            <a:pPr algn="l"/>
-            <a:r>
-              <a:rPr lang="en-US"/>
-              <a:t>page</a:t>
-            </a:r>
-          </a:p>
-          <a:p>
-            <a:pPr algn="l"/>
-            <a:r>
-              <a:rPr lang="en-US"/>
-              <a:t>0</a:t>
-            </a:r>
-            <a:fld id="{37D409AB-2201-4E18-8A34-C31753AD9B06}" type="slidenum">
-              <a:rPr smtClean="0"/>
-              <a:pPr algn="l"/>
-              <a:t>4</a:t>
-            </a:fld>
-            <a:endParaRPr/>
-          </a:p>
-        </p:txBody>
-      </p:sp>
-      <p:sp>
-        <p:nvSpPr>
-          <p:cNvPr id="94" name="Freeform 158">
-            <a:extLst>
-              <a:ext uri="{FF2B5EF4-FFF2-40B4-BE49-F238E27FC236}">
-                <a16:creationId xmlns:a16="http://schemas.microsoft.com/office/drawing/2014/main" id="{AA9F5707-4248-42E2-AFF0-8D6AECE2E8D0}"/>
-              </a:ext>
-            </a:extLst>
-          </p:cNvPr>
-          <p:cNvSpPr>
-            <a:spLocks noEditPoints="1"/>
-          </p:cNvSpPr>
-          <p:nvPr/>
-        </p:nvSpPr>
-        <p:spPr bwMode="auto">
-          <a:xfrm>
-            <a:off x="3176823" y="5844296"/>
-            <a:ext cx="440853" cy="440853"/>
-          </a:xfrm>
-          <a:custGeom>
-            <a:avLst/>
-            <a:gdLst>
-              <a:gd name="T0" fmla="*/ 32 w 176"/>
-              <a:gd name="T1" fmla="*/ 0 h 176"/>
-              <a:gd name="T2" fmla="*/ 16 w 176"/>
-              <a:gd name="T3" fmla="*/ 65 h 176"/>
-              <a:gd name="T4" fmla="*/ 0 w 176"/>
-              <a:gd name="T5" fmla="*/ 8 h 176"/>
-              <a:gd name="T6" fmla="*/ 8 w 176"/>
-              <a:gd name="T7" fmla="*/ 128 h 176"/>
-              <a:gd name="T8" fmla="*/ 0 w 176"/>
-              <a:gd name="T9" fmla="*/ 8 h 176"/>
-              <a:gd name="T10" fmla="*/ 40 w 176"/>
-              <a:gd name="T11" fmla="*/ 0 h 176"/>
-              <a:gd name="T12" fmla="*/ 48 w 176"/>
-              <a:gd name="T13" fmla="*/ 37 h 176"/>
-              <a:gd name="T14" fmla="*/ 76 w 176"/>
-              <a:gd name="T15" fmla="*/ 32 h 176"/>
-              <a:gd name="T16" fmla="*/ 56 w 176"/>
-              <a:gd name="T17" fmla="*/ 0 h 176"/>
-              <a:gd name="T18" fmla="*/ 72 w 176"/>
-              <a:gd name="T19" fmla="*/ 32 h 176"/>
-              <a:gd name="T20" fmla="*/ 108 w 176"/>
-              <a:gd name="T21" fmla="*/ 0 h 176"/>
-              <a:gd name="T22" fmla="*/ 100 w 176"/>
-              <a:gd name="T23" fmla="*/ 39 h 176"/>
-              <a:gd name="T24" fmla="*/ 108 w 176"/>
-              <a:gd name="T25" fmla="*/ 0 h 176"/>
-              <a:gd name="T26" fmla="*/ 17 w 176"/>
-              <a:gd name="T27" fmla="*/ 128 h 176"/>
-              <a:gd name="T28" fmla="*/ 16 w 176"/>
-              <a:gd name="T29" fmla="*/ 128 h 176"/>
-              <a:gd name="T30" fmla="*/ 84 w 176"/>
-              <a:gd name="T31" fmla="*/ 0 h 176"/>
-              <a:gd name="T32" fmla="*/ 92 w 176"/>
-              <a:gd name="T33" fmla="*/ 35 h 176"/>
-              <a:gd name="T34" fmla="*/ 136 w 176"/>
-              <a:gd name="T35" fmla="*/ 0 h 176"/>
-              <a:gd name="T36" fmla="*/ 116 w 176"/>
-              <a:gd name="T37" fmla="*/ 50 h 176"/>
-              <a:gd name="T38" fmla="*/ 136 w 176"/>
-              <a:gd name="T39" fmla="*/ 0 h 176"/>
-              <a:gd name="T40" fmla="*/ 136 w 176"/>
-              <a:gd name="T41" fmla="*/ 96 h 176"/>
-              <a:gd name="T42" fmla="*/ 136 w 176"/>
-              <a:gd name="T43" fmla="*/ 128 h 176"/>
-              <a:gd name="T44" fmla="*/ 152 w 176"/>
-              <a:gd name="T45" fmla="*/ 128 h 176"/>
-              <a:gd name="T46" fmla="*/ 144 w 176"/>
-              <a:gd name="T47" fmla="*/ 0 h 176"/>
-              <a:gd name="T48" fmla="*/ 114 w 176"/>
-              <a:gd name="T49" fmla="*/ 133 h 176"/>
-              <a:gd name="T50" fmla="*/ 72 w 176"/>
-              <a:gd name="T51" fmla="*/ 40 h 176"/>
-              <a:gd name="T52" fmla="*/ 72 w 176"/>
-              <a:gd name="T53" fmla="*/ 152 h 176"/>
-              <a:gd name="T54" fmla="*/ 145 w 176"/>
-              <a:gd name="T55" fmla="*/ 175 h 176"/>
-              <a:gd name="T56" fmla="*/ 152 w 176"/>
-              <a:gd name="T57" fmla="*/ 172 h 176"/>
-              <a:gd name="T58" fmla="*/ 114 w 176"/>
-              <a:gd name="T59" fmla="*/ 133 h 176"/>
-              <a:gd name="T60" fmla="*/ 24 w 176"/>
-              <a:gd name="T61" fmla="*/ 96 h 176"/>
-              <a:gd name="T62" fmla="*/ 120 w 176"/>
-              <a:gd name="T63" fmla="*/ 96 h 176"/>
-              <a:gd name="T64" fmla="*/ 168 w 176"/>
-              <a:gd name="T65" fmla="*/ 0 h 176"/>
-              <a:gd name="T66" fmla="*/ 160 w 176"/>
-              <a:gd name="T67" fmla="*/ 128 h 176"/>
-              <a:gd name="T68" fmla="*/ 176 w 176"/>
-              <a:gd name="T69" fmla="*/ 120 h 176"/>
-              <a:gd name="T70" fmla="*/ 168 w 176"/>
-              <a:gd name="T71" fmla="*/ 0 h 176"/>
-              <a:gd name="T72" fmla="*/ 56 w 176"/>
-              <a:gd name="T73" fmla="*/ 124 h 176"/>
-              <a:gd name="T74" fmla="*/ 76 w 176"/>
-              <a:gd name="T75" fmla="*/ 128 h 176"/>
-              <a:gd name="T76" fmla="*/ 72 w 176"/>
-              <a:gd name="T77" fmla="*/ 64 h 176"/>
-              <a:gd name="T78" fmla="*/ 48 w 176"/>
-              <a:gd name="T79" fmla="*/ 117 h 176"/>
-              <a:gd name="T80" fmla="*/ 40 w 176"/>
-              <a:gd name="T81" fmla="*/ 96 h 176"/>
-              <a:gd name="T82" fmla="*/ 100 w 176"/>
-              <a:gd name="T83" fmla="*/ 111 h 176"/>
-              <a:gd name="T84" fmla="*/ 100 w 176"/>
-              <a:gd name="T85" fmla="*/ 81 h 176"/>
-              <a:gd name="T86" fmla="*/ 84 w 176"/>
-              <a:gd name="T87" fmla="*/ 126 h 176"/>
-              <a:gd name="T88" fmla="*/ 92 w 176"/>
-              <a:gd name="T89" fmla="*/ 71 h 176"/>
-              <a:gd name="T90" fmla="*/ 84 w 176"/>
-              <a:gd name="T91" fmla="*/ 126 h 176"/>
-            </a:gdLst>
-            <a:ahLst/>
-            <a:cxnLst>
-              <a:cxn ang="0">
-                <a:pos x="T0" y="T1"/>
-              </a:cxn>
-              <a:cxn ang="0">
-                <a:pos x="T2" y="T3"/>
-              </a:cxn>
-              <a:cxn ang="0">
-                <a:pos x="T4" y="T5"/>
-              </a:cxn>
-              <a:cxn ang="0">
-                <a:pos x="T6" y="T7"/>
-              </a:cxn>
-              <a:cxn ang="0">
-                <a:pos x="T8" y="T9"/>
-              </a:cxn>
-              <a:cxn ang="0">
-                <a:pos x="T10" y="T11"/>
-              </a:cxn>
-              <a:cxn ang="0">
-                <a:pos x="T12" y="T13"/>
-              </a:cxn>
-              <a:cxn ang="0">
-                <a:pos x="T14" y="T15"/>
-              </a:cxn>
-              <a:cxn ang="0">
-                <a:pos x="T16" y="T17"/>
-              </a:cxn>
-              <a:cxn ang="0">
-                <a:pos x="T18" y="T19"/>
-              </a:cxn>
-              <a:cxn ang="0">
-                <a:pos x="T20" y="T21"/>
-              </a:cxn>
-              <a:cxn ang="0">
-                <a:pos x="T22" y="T23"/>
-              </a:cxn>
-              <a:cxn ang="0">
-                <a:pos x="T24" y="T25"/>
-              </a:cxn>
-              <a:cxn ang="0">
-                <a:pos x="T26" y="T27"/>
-              </a:cxn>
-              <a:cxn ang="0">
-                <a:pos x="T28" y="T29"/>
-              </a:cxn>
-              <a:cxn ang="0">
-                <a:pos x="T30" y="T31"/>
-              </a:cxn>
-              <a:cxn ang="0">
-                <a:pos x="T32" y="T33"/>
-              </a:cxn>
-              <a:cxn ang="0">
-                <a:pos x="T34" y="T35"/>
-              </a:cxn>
-              <a:cxn ang="0">
-                <a:pos x="T36" y="T37"/>
-              </a:cxn>
-              <a:cxn ang="0">
-                <a:pos x="T38" y="T39"/>
-              </a:cxn>
-              <a:cxn ang="0">
-                <a:pos x="T40" y="T41"/>
-              </a:cxn>
-              <a:cxn ang="0">
-                <a:pos x="T42" y="T43"/>
-              </a:cxn>
-              <a:cxn ang="0">
-                <a:pos x="T44" y="T45"/>
-              </a:cxn>
-              <a:cxn ang="0">
-                <a:pos x="T46" y="T47"/>
-              </a:cxn>
-              <a:cxn ang="0">
-                <a:pos x="T48" y="T49"/>
-              </a:cxn>
-              <a:cxn ang="0">
-                <a:pos x="T50" y="T51"/>
-              </a:cxn>
-              <a:cxn ang="0">
-                <a:pos x="T52" y="T53"/>
-              </a:cxn>
-              <a:cxn ang="0">
-                <a:pos x="T54" y="T55"/>
-              </a:cxn>
-              <a:cxn ang="0">
-                <a:pos x="T56" y="T57"/>
-              </a:cxn>
-              <a:cxn ang="0">
-                <a:pos x="T58" y="T59"/>
-              </a:cxn>
-              <a:cxn ang="0">
-                <a:pos x="T60" y="T61"/>
-              </a:cxn>
-              <a:cxn ang="0">
-                <a:pos x="T62" y="T63"/>
-              </a:cxn>
-              <a:cxn ang="0">
-                <a:pos x="T64" y="T65"/>
-              </a:cxn>
-              <a:cxn ang="0">
-                <a:pos x="T66" y="T67"/>
-              </a:cxn>
-              <a:cxn ang="0">
-                <a:pos x="T68" y="T69"/>
-              </a:cxn>
-              <a:cxn ang="0">
-                <a:pos x="T70" y="T71"/>
-              </a:cxn>
-              <a:cxn ang="0">
-                <a:pos x="T72" y="T73"/>
-              </a:cxn>
-              <a:cxn ang="0">
-                <a:pos x="T74" y="T75"/>
-              </a:cxn>
-              <a:cxn ang="0">
-                <a:pos x="T76" y="T77"/>
-              </a:cxn>
-              <a:cxn ang="0">
-                <a:pos x="T78" y="T79"/>
-              </a:cxn>
-              <a:cxn ang="0">
-                <a:pos x="T80" y="T81"/>
-              </a:cxn>
-              <a:cxn ang="0">
-                <a:pos x="T82" y="T83"/>
-              </a:cxn>
-              <a:cxn ang="0">
-                <a:pos x="T84" y="T85"/>
-              </a:cxn>
-              <a:cxn ang="0">
-                <a:pos x="T86" y="T87"/>
-              </a:cxn>
-              <a:cxn ang="0">
-                <a:pos x="T88" y="T89"/>
-              </a:cxn>
-              <a:cxn ang="0">
-                <a:pos x="T90" y="T91"/>
-              </a:cxn>
-            </a:cxnLst>
-            <a:rect l="0" t="0" r="r" b="b"/>
-            <a:pathLst>
-              <a:path w="176" h="176">
-                <a:moveTo>
-                  <a:pt x="32" y="46"/>
-                </a:moveTo>
-                <a:cubicBezTo>
-                  <a:pt x="32" y="0"/>
-                  <a:pt x="32" y="0"/>
-                  <a:pt x="32" y="0"/>
-                </a:cubicBezTo>
-                <a:cubicBezTo>
-                  <a:pt x="16" y="0"/>
-                  <a:pt x="16" y="0"/>
-                  <a:pt x="16" y="0"/>
-                </a:cubicBezTo>
-                <a:cubicBezTo>
-                  <a:pt x="16" y="65"/>
-                  <a:pt x="16" y="65"/>
-                  <a:pt x="16" y="65"/>
-                </a:cubicBezTo>
-                <a:cubicBezTo>
-                  <a:pt x="20" y="58"/>
-                  <a:pt x="26" y="51"/>
-                  <a:pt x="32" y="46"/>
-                </a:cubicBezTo>
-                <a:moveTo>
-                  <a:pt x="0" y="8"/>
-                </a:moveTo>
-                <a:cubicBezTo>
-                  <a:pt x="0" y="120"/>
-                  <a:pt x="0" y="120"/>
-                  <a:pt x="0" y="120"/>
-                </a:cubicBezTo>
-                <a:cubicBezTo>
-                  <a:pt x="0" y="124"/>
-                  <a:pt x="4" y="128"/>
-                  <a:pt x="8" y="128"/>
-                </a:cubicBezTo>
-                <a:cubicBezTo>
-                  <a:pt x="8" y="0"/>
-                  <a:pt x="8" y="0"/>
-                  <a:pt x="8" y="0"/>
-                </a:cubicBezTo>
-                <a:cubicBezTo>
-                  <a:pt x="4" y="0"/>
-                  <a:pt x="0" y="4"/>
-                  <a:pt x="0" y="8"/>
-                </a:cubicBezTo>
-                <a:moveTo>
-                  <a:pt x="48" y="0"/>
-                </a:moveTo>
-                <a:cubicBezTo>
-                  <a:pt x="40" y="0"/>
-                  <a:pt x="40" y="0"/>
-                  <a:pt x="40" y="0"/>
-                </a:cubicBezTo>
-                <a:cubicBezTo>
-                  <a:pt x="40" y="41"/>
-                  <a:pt x="40" y="41"/>
-                  <a:pt x="40" y="41"/>
-                </a:cubicBezTo>
-                <a:cubicBezTo>
-                  <a:pt x="43" y="39"/>
-                  <a:pt x="45" y="38"/>
-                  <a:pt x="48" y="37"/>
-                </a:cubicBezTo>
-                <a:lnTo>
-                  <a:pt x="48" y="0"/>
-                </a:lnTo>
-                <a:close/>
-                <a:moveTo>
-                  <a:pt x="76" y="32"/>
-                </a:moveTo>
-                <a:cubicBezTo>
-                  <a:pt x="76" y="0"/>
-                  <a:pt x="76" y="0"/>
-                  <a:pt x="76" y="0"/>
-                </a:cubicBezTo>
-                <a:cubicBezTo>
-                  <a:pt x="56" y="0"/>
-                  <a:pt x="56" y="0"/>
-                  <a:pt x="56" y="0"/>
-                </a:cubicBezTo>
-                <a:cubicBezTo>
-                  <a:pt x="56" y="34"/>
-                  <a:pt x="56" y="34"/>
-                  <a:pt x="56" y="34"/>
-                </a:cubicBezTo>
-                <a:cubicBezTo>
-                  <a:pt x="61" y="33"/>
-                  <a:pt x="66" y="32"/>
-                  <a:pt x="72" y="32"/>
-                </a:cubicBezTo>
-                <a:cubicBezTo>
-                  <a:pt x="73" y="32"/>
-                  <a:pt x="75" y="32"/>
-                  <a:pt x="76" y="32"/>
-                </a:cubicBezTo>
-                <a:moveTo>
-                  <a:pt x="108" y="0"/>
-                </a:moveTo>
-                <a:cubicBezTo>
-                  <a:pt x="100" y="0"/>
-                  <a:pt x="100" y="0"/>
-                  <a:pt x="100" y="0"/>
-                </a:cubicBezTo>
-                <a:cubicBezTo>
-                  <a:pt x="100" y="39"/>
-                  <a:pt x="100" y="39"/>
-                  <a:pt x="100" y="39"/>
-                </a:cubicBezTo>
-                <a:cubicBezTo>
-                  <a:pt x="103" y="40"/>
-                  <a:pt x="105" y="41"/>
-                  <a:pt x="108" y="43"/>
-                </a:cubicBezTo>
-                <a:lnTo>
-                  <a:pt x="108" y="0"/>
-                </a:lnTo>
-                <a:close/>
-                <a:moveTo>
-                  <a:pt x="16" y="128"/>
-                </a:moveTo>
-                <a:cubicBezTo>
-                  <a:pt x="17" y="128"/>
-                  <a:pt x="17" y="128"/>
-                  <a:pt x="17" y="128"/>
-                </a:cubicBezTo>
-                <a:cubicBezTo>
-                  <a:pt x="16" y="128"/>
-                  <a:pt x="16" y="127"/>
-                  <a:pt x="16" y="127"/>
-                </a:cubicBezTo>
-                <a:lnTo>
-                  <a:pt x="16" y="128"/>
-                </a:lnTo>
-                <a:close/>
-                <a:moveTo>
-                  <a:pt x="92" y="0"/>
-                </a:moveTo>
-                <a:cubicBezTo>
-                  <a:pt x="84" y="0"/>
-                  <a:pt x="84" y="0"/>
-                  <a:pt x="84" y="0"/>
-                </a:cubicBezTo>
-                <a:cubicBezTo>
-                  <a:pt x="84" y="33"/>
-                  <a:pt x="84" y="33"/>
-                  <a:pt x="84" y="33"/>
-                </a:cubicBezTo>
-                <a:cubicBezTo>
-                  <a:pt x="87" y="34"/>
-                  <a:pt x="89" y="34"/>
-                  <a:pt x="92" y="35"/>
-                </a:cubicBezTo>
-                <a:lnTo>
-                  <a:pt x="92" y="0"/>
-                </a:lnTo>
-                <a:close/>
-                <a:moveTo>
-                  <a:pt x="136" y="0"/>
-                </a:moveTo>
-                <a:cubicBezTo>
-                  <a:pt x="116" y="0"/>
-                  <a:pt x="116" y="0"/>
-                  <a:pt x="116" y="0"/>
-                </a:cubicBezTo>
-                <a:cubicBezTo>
-                  <a:pt x="116" y="50"/>
-                  <a:pt x="116" y="50"/>
-                  <a:pt x="116" y="50"/>
-                </a:cubicBezTo>
-                <a:cubicBezTo>
-                  <a:pt x="128" y="61"/>
-                  <a:pt x="136" y="78"/>
-                  <a:pt x="136" y="96"/>
-                </a:cubicBezTo>
-                <a:lnTo>
-                  <a:pt x="136" y="0"/>
-                </a:lnTo>
-                <a:close/>
-                <a:moveTo>
-                  <a:pt x="136" y="128"/>
-                </a:moveTo>
-                <a:cubicBezTo>
-                  <a:pt x="136" y="96"/>
-                  <a:pt x="136" y="96"/>
-                  <a:pt x="136" y="96"/>
-                </a:cubicBezTo>
-                <a:cubicBezTo>
-                  <a:pt x="136" y="108"/>
-                  <a:pt x="133" y="119"/>
-                  <a:pt x="127" y="128"/>
-                </a:cubicBezTo>
-                <a:lnTo>
-                  <a:pt x="136" y="128"/>
-                </a:lnTo>
-                <a:close/>
-                <a:moveTo>
-                  <a:pt x="144" y="128"/>
-                </a:moveTo>
-                <a:cubicBezTo>
-                  <a:pt x="152" y="128"/>
-                  <a:pt x="152" y="128"/>
-                  <a:pt x="152" y="128"/>
-                </a:cubicBezTo>
-                <a:cubicBezTo>
-                  <a:pt x="152" y="0"/>
-                  <a:pt x="152" y="0"/>
-                  <a:pt x="152" y="0"/>
-                </a:cubicBezTo>
-                <a:cubicBezTo>
-                  <a:pt x="144" y="0"/>
-                  <a:pt x="144" y="0"/>
-                  <a:pt x="144" y="0"/>
-                </a:cubicBezTo>
-                <a:lnTo>
-                  <a:pt x="144" y="128"/>
-                </a:lnTo>
-                <a:close/>
-                <a:moveTo>
-                  <a:pt x="114" y="133"/>
-                </a:moveTo>
-                <a:cubicBezTo>
-                  <a:pt x="123" y="123"/>
-                  <a:pt x="128" y="110"/>
-                  <a:pt x="128" y="96"/>
-                </a:cubicBezTo>
-                <a:cubicBezTo>
-                  <a:pt x="128" y="65"/>
-                  <a:pt x="103" y="40"/>
-                  <a:pt x="72" y="40"/>
-                </a:cubicBezTo>
-                <a:cubicBezTo>
-                  <a:pt x="41" y="40"/>
-                  <a:pt x="16" y="65"/>
-                  <a:pt x="16" y="96"/>
-                </a:cubicBezTo>
-                <a:cubicBezTo>
-                  <a:pt x="16" y="127"/>
-                  <a:pt x="41" y="152"/>
-                  <a:pt x="72" y="152"/>
-                </a:cubicBezTo>
-                <a:cubicBezTo>
-                  <a:pt x="86" y="152"/>
-                  <a:pt x="99" y="147"/>
-                  <a:pt x="109" y="138"/>
-                </a:cubicBezTo>
-                <a:cubicBezTo>
-                  <a:pt x="145" y="175"/>
-                  <a:pt x="145" y="175"/>
-                  <a:pt x="145" y="175"/>
-                </a:cubicBezTo>
-                <a:cubicBezTo>
-                  <a:pt x="146" y="176"/>
-                  <a:pt x="147" y="176"/>
-                  <a:pt x="148" y="176"/>
-                </a:cubicBezTo>
-                <a:cubicBezTo>
-                  <a:pt x="150" y="176"/>
-                  <a:pt x="152" y="174"/>
-                  <a:pt x="152" y="172"/>
-                </a:cubicBezTo>
-                <a:cubicBezTo>
-                  <a:pt x="152" y="171"/>
-                  <a:pt x="152" y="170"/>
-                  <a:pt x="151" y="169"/>
-                </a:cubicBezTo>
-                <a:lnTo>
-                  <a:pt x="114" y="133"/>
-                </a:lnTo>
-                <a:close/>
-                <a:moveTo>
-                  <a:pt x="72" y="144"/>
-                </a:moveTo>
-                <a:cubicBezTo>
-                  <a:pt x="45" y="144"/>
-                  <a:pt x="24" y="123"/>
-                  <a:pt x="24" y="96"/>
-                </a:cubicBezTo>
-                <a:cubicBezTo>
-                  <a:pt x="24" y="69"/>
-                  <a:pt x="45" y="48"/>
-                  <a:pt x="72" y="48"/>
-                </a:cubicBezTo>
-                <a:cubicBezTo>
-                  <a:pt x="99" y="48"/>
-                  <a:pt x="120" y="69"/>
-                  <a:pt x="120" y="96"/>
-                </a:cubicBezTo>
-                <a:cubicBezTo>
-                  <a:pt x="120" y="123"/>
-                  <a:pt x="99" y="144"/>
-                  <a:pt x="72" y="144"/>
-                </a:cubicBezTo>
-                <a:moveTo>
-                  <a:pt x="168" y="0"/>
-                </a:moveTo>
-                <a:cubicBezTo>
-                  <a:pt x="160" y="0"/>
-                  <a:pt x="160" y="0"/>
-                  <a:pt x="160" y="0"/>
-                </a:cubicBezTo>
-                <a:cubicBezTo>
-                  <a:pt x="160" y="128"/>
-                  <a:pt x="160" y="128"/>
-                  <a:pt x="160" y="128"/>
-                </a:cubicBezTo>
-                <a:cubicBezTo>
-                  <a:pt x="168" y="128"/>
-                  <a:pt x="168" y="128"/>
-                  <a:pt x="168" y="128"/>
-                </a:cubicBezTo>
-                <a:cubicBezTo>
-                  <a:pt x="172" y="128"/>
-                  <a:pt x="176" y="124"/>
-                  <a:pt x="176" y="120"/>
-                </a:cubicBezTo>
-                <a:cubicBezTo>
-                  <a:pt x="176" y="8"/>
-                  <a:pt x="176" y="8"/>
-                  <a:pt x="176" y="8"/>
-                </a:cubicBezTo>
-                <a:cubicBezTo>
-                  <a:pt x="176" y="4"/>
-                  <a:pt x="172" y="0"/>
-                  <a:pt x="168" y="0"/>
-                </a:cubicBezTo>
-                <a:moveTo>
-                  <a:pt x="56" y="68"/>
-                </a:moveTo>
-                <a:cubicBezTo>
-                  <a:pt x="56" y="124"/>
-                  <a:pt x="56" y="124"/>
-                  <a:pt x="56" y="124"/>
-                </a:cubicBezTo>
-                <a:cubicBezTo>
-                  <a:pt x="61" y="126"/>
-                  <a:pt x="66" y="128"/>
-                  <a:pt x="72" y="128"/>
-                </a:cubicBezTo>
-                <a:cubicBezTo>
-                  <a:pt x="73" y="128"/>
-                  <a:pt x="75" y="128"/>
-                  <a:pt x="76" y="128"/>
-                </a:cubicBezTo>
-                <a:cubicBezTo>
-                  <a:pt x="76" y="64"/>
-                  <a:pt x="76" y="64"/>
-                  <a:pt x="76" y="64"/>
-                </a:cubicBezTo>
-                <a:cubicBezTo>
-                  <a:pt x="75" y="64"/>
-                  <a:pt x="73" y="64"/>
-                  <a:pt x="72" y="64"/>
-                </a:cubicBezTo>
-                <a:cubicBezTo>
-                  <a:pt x="66" y="64"/>
-                  <a:pt x="61" y="66"/>
-                  <a:pt x="56" y="68"/>
-                </a:cubicBezTo>
-                <a:moveTo>
-                  <a:pt x="48" y="117"/>
-                </a:moveTo>
-                <a:cubicBezTo>
-                  <a:pt x="48" y="75"/>
-                  <a:pt x="48" y="75"/>
-                  <a:pt x="48" y="75"/>
-                </a:cubicBezTo>
-                <a:cubicBezTo>
-                  <a:pt x="43" y="81"/>
-                  <a:pt x="40" y="88"/>
-                  <a:pt x="40" y="96"/>
-                </a:cubicBezTo>
-                <a:cubicBezTo>
-                  <a:pt x="40" y="104"/>
-                  <a:pt x="43" y="111"/>
-                  <a:pt x="48" y="117"/>
-                </a:cubicBezTo>
-                <a:moveTo>
-                  <a:pt x="100" y="111"/>
-                </a:moveTo>
-                <a:cubicBezTo>
-                  <a:pt x="103" y="107"/>
-                  <a:pt x="104" y="102"/>
-                  <a:pt x="104" y="96"/>
-                </a:cubicBezTo>
-                <a:cubicBezTo>
-                  <a:pt x="104" y="90"/>
-                  <a:pt x="103" y="85"/>
-                  <a:pt x="100" y="81"/>
-                </a:cubicBezTo>
-                <a:lnTo>
-                  <a:pt x="100" y="111"/>
-                </a:lnTo>
-                <a:close/>
-                <a:moveTo>
-                  <a:pt x="84" y="126"/>
-                </a:moveTo>
-                <a:cubicBezTo>
-                  <a:pt x="87" y="124"/>
-                  <a:pt x="90" y="123"/>
-                  <a:pt x="92" y="121"/>
-                </a:cubicBezTo>
-                <a:cubicBezTo>
-                  <a:pt x="92" y="71"/>
-                  <a:pt x="92" y="71"/>
-                  <a:pt x="92" y="71"/>
-                </a:cubicBezTo>
-                <a:cubicBezTo>
-                  <a:pt x="90" y="69"/>
-                  <a:pt x="87" y="68"/>
-                  <a:pt x="84" y="66"/>
-                </a:cubicBezTo>
-                <a:lnTo>
-                  <a:pt x="84" y="126"/>
-                </a:lnTo>
-                <a:close/>
-              </a:path>
-            </a:pathLst>
-          </a:custGeom>
-          <a:solidFill>
-            <a:schemeClr val="bg1"/>
-          </a:solidFill>
-          <a:ln>
-            <a:noFill/>
-          </a:ln>
-        </p:spPr>
-        <p:txBody>
-          <a:bodyPr vert="horz" wrap="square" lIns="91440" tIns="45720" rIns="91440" bIns="45720" numCol="1" anchor="t" anchorCtr="0" compatLnSpc="1">
-            <a:prstTxWarp prst="textNoShape">
-              <a:avLst/>
-            </a:prstTxWarp>
-          </a:bodyPr>
-          <a:lstStyle/>
-          <a:p>
-            <a:endParaRPr lang="uk-UA"/>
-          </a:p>
-        </p:txBody>
-      </p:sp>
-      <p:sp>
-        <p:nvSpPr>
-          <p:cNvPr id="95" name="Freeform 463">
-            <a:extLst>
-              <a:ext uri="{FF2B5EF4-FFF2-40B4-BE49-F238E27FC236}">
-                <a16:creationId xmlns:a16="http://schemas.microsoft.com/office/drawing/2014/main" id="{F45EA5F8-D55C-4B26-BCB0-823FC3C87DBA}"/>
-              </a:ext>
-            </a:extLst>
-          </p:cNvPr>
-          <p:cNvSpPr>
-            <a:spLocks noEditPoints="1"/>
-          </p:cNvSpPr>
-          <p:nvPr/>
-        </p:nvSpPr>
-        <p:spPr bwMode="auto">
-          <a:xfrm>
-            <a:off x="6964409" y="5810766"/>
-            <a:ext cx="587282" cy="472383"/>
-          </a:xfrm>
-          <a:custGeom>
-            <a:avLst/>
-            <a:gdLst>
-              <a:gd name="T0" fmla="*/ 16 w 176"/>
-              <a:gd name="T1" fmla="*/ 104 h 144"/>
-              <a:gd name="T2" fmla="*/ 24 w 176"/>
-              <a:gd name="T3" fmla="*/ 104 h 144"/>
-              <a:gd name="T4" fmla="*/ 44 w 176"/>
-              <a:gd name="T5" fmla="*/ 84 h 144"/>
-              <a:gd name="T6" fmla="*/ 136 w 176"/>
-              <a:gd name="T7" fmla="*/ 80 h 144"/>
-              <a:gd name="T8" fmla="*/ 116 w 176"/>
-              <a:gd name="T9" fmla="*/ 108 h 144"/>
-              <a:gd name="T10" fmla="*/ 136 w 176"/>
-              <a:gd name="T11" fmla="*/ 88 h 144"/>
-              <a:gd name="T12" fmla="*/ 136 w 176"/>
-              <a:gd name="T13" fmla="*/ 80 h 144"/>
-              <a:gd name="T14" fmla="*/ 143 w 176"/>
-              <a:gd name="T15" fmla="*/ 16 h 144"/>
-              <a:gd name="T16" fmla="*/ 120 w 176"/>
-              <a:gd name="T17" fmla="*/ 0 h 144"/>
-              <a:gd name="T18" fmla="*/ 80 w 176"/>
-              <a:gd name="T19" fmla="*/ 24 h 144"/>
-              <a:gd name="T20" fmla="*/ 33 w 176"/>
-              <a:gd name="T21" fmla="*/ 16 h 144"/>
-              <a:gd name="T22" fmla="*/ 4 w 176"/>
-              <a:gd name="T23" fmla="*/ 87 h 144"/>
-              <a:gd name="T24" fmla="*/ 40 w 176"/>
-              <a:gd name="T25" fmla="*/ 144 h 144"/>
-              <a:gd name="T26" fmla="*/ 97 w 176"/>
-              <a:gd name="T27" fmla="*/ 112 h 144"/>
-              <a:gd name="T28" fmla="*/ 176 w 176"/>
-              <a:gd name="T29" fmla="*/ 104 h 144"/>
-              <a:gd name="T30" fmla="*/ 40 w 176"/>
-              <a:gd name="T31" fmla="*/ 136 h 144"/>
-              <a:gd name="T32" fmla="*/ 40 w 176"/>
-              <a:gd name="T33" fmla="*/ 72 h 144"/>
-              <a:gd name="T34" fmla="*/ 40 w 176"/>
-              <a:gd name="T35" fmla="*/ 136 h 144"/>
-              <a:gd name="T36" fmla="*/ 40 w 176"/>
-              <a:gd name="T37" fmla="*/ 64 h 144"/>
-              <a:gd name="T38" fmla="*/ 41 w 176"/>
-              <a:gd name="T39" fmla="*/ 17 h 144"/>
-              <a:gd name="T40" fmla="*/ 56 w 176"/>
-              <a:gd name="T41" fmla="*/ 8 h 144"/>
-              <a:gd name="T42" fmla="*/ 72 w 176"/>
-              <a:gd name="T43" fmla="*/ 23 h 144"/>
-              <a:gd name="T44" fmla="*/ 96 w 176"/>
-              <a:gd name="T45" fmla="*/ 104 h 144"/>
-              <a:gd name="T46" fmla="*/ 80 w 176"/>
-              <a:gd name="T47" fmla="*/ 96 h 144"/>
-              <a:gd name="T48" fmla="*/ 96 w 176"/>
-              <a:gd name="T49" fmla="*/ 104 h 144"/>
-              <a:gd name="T50" fmla="*/ 80 w 176"/>
-              <a:gd name="T51" fmla="*/ 88 h 144"/>
-              <a:gd name="T52" fmla="*/ 96 w 176"/>
-              <a:gd name="T53" fmla="*/ 32 h 144"/>
-              <a:gd name="T54" fmla="*/ 104 w 176"/>
-              <a:gd name="T55" fmla="*/ 23 h 144"/>
-              <a:gd name="T56" fmla="*/ 120 w 176"/>
-              <a:gd name="T57" fmla="*/ 8 h 144"/>
-              <a:gd name="T58" fmla="*/ 135 w 176"/>
-              <a:gd name="T59" fmla="*/ 17 h 144"/>
-              <a:gd name="T60" fmla="*/ 136 w 176"/>
-              <a:gd name="T61" fmla="*/ 64 h 144"/>
-              <a:gd name="T62" fmla="*/ 104 w 176"/>
-              <a:gd name="T63" fmla="*/ 23 h 144"/>
-              <a:gd name="T64" fmla="*/ 104 w 176"/>
-              <a:gd name="T65" fmla="*/ 104 h 144"/>
-              <a:gd name="T66" fmla="*/ 168 w 176"/>
-              <a:gd name="T67" fmla="*/ 104 h 144"/>
-            </a:gdLst>
-            <a:ahLst/>
-            <a:cxnLst>
-              <a:cxn ang="0">
-                <a:pos x="T0" y="T1"/>
-              </a:cxn>
-              <a:cxn ang="0">
-                <a:pos x="T2" y="T3"/>
-              </a:cxn>
-              <a:cxn ang="0">
-                <a:pos x="T4" y="T5"/>
-              </a:cxn>
-              <a:cxn ang="0">
-                <a:pos x="T6" y="T7"/>
-              </a:cxn>
-              <a:cxn ang="0">
-                <a:pos x="T8" y="T9"/>
-              </a:cxn>
-              <a:cxn ang="0">
-                <a:pos x="T10" y="T11"/>
-              </a:cxn>
-              <a:cxn ang="0">
-                <a:pos x="T12" y="T13"/>
-              </a:cxn>
-              <a:cxn ang="0">
-                <a:pos x="T14" y="T15"/>
-              </a:cxn>
-              <a:cxn ang="0">
-                <a:pos x="T16" y="T17"/>
-              </a:cxn>
-              <a:cxn ang="0">
-                <a:pos x="T18" y="T19"/>
-              </a:cxn>
-              <a:cxn ang="0">
-                <a:pos x="T20" y="T21"/>
-              </a:cxn>
-              <a:cxn ang="0">
-                <a:pos x="T22" y="T23"/>
-              </a:cxn>
-              <a:cxn ang="0">
-                <a:pos x="T24" y="T25"/>
-              </a:cxn>
-              <a:cxn ang="0">
-                <a:pos x="T26" y="T27"/>
-              </a:cxn>
-              <a:cxn ang="0">
-                <a:pos x="T28" y="T29"/>
-              </a:cxn>
-              <a:cxn ang="0">
-                <a:pos x="T30" y="T31"/>
-              </a:cxn>
-              <a:cxn ang="0">
-                <a:pos x="T32" y="T33"/>
-              </a:cxn>
-              <a:cxn ang="0">
-                <a:pos x="T34" y="T35"/>
-              </a:cxn>
-              <a:cxn ang="0">
-                <a:pos x="T36" y="T37"/>
-              </a:cxn>
-              <a:cxn ang="0">
-                <a:pos x="T38" y="T39"/>
-              </a:cxn>
-              <a:cxn ang="0">
-                <a:pos x="T40" y="T41"/>
-              </a:cxn>
-              <a:cxn ang="0">
-                <a:pos x="T42" y="T43"/>
-              </a:cxn>
-              <a:cxn ang="0">
-                <a:pos x="T44" y="T45"/>
-              </a:cxn>
-              <a:cxn ang="0">
-                <a:pos x="T46" y="T47"/>
-              </a:cxn>
-              <a:cxn ang="0">
-                <a:pos x="T48" y="T49"/>
-              </a:cxn>
-              <a:cxn ang="0">
-                <a:pos x="T50" y="T51"/>
-              </a:cxn>
-              <a:cxn ang="0">
-                <a:pos x="T52" y="T53"/>
-              </a:cxn>
-              <a:cxn ang="0">
-                <a:pos x="T54" y="T55"/>
-              </a:cxn>
-              <a:cxn ang="0">
-                <a:pos x="T56" y="T57"/>
-              </a:cxn>
-              <a:cxn ang="0">
-                <a:pos x="T58" y="T59"/>
-              </a:cxn>
-              <a:cxn ang="0">
-                <a:pos x="T60" y="T61"/>
-              </a:cxn>
-              <a:cxn ang="0">
-                <a:pos x="T62" y="T63"/>
-              </a:cxn>
-              <a:cxn ang="0">
-                <a:pos x="T64" y="T65"/>
-              </a:cxn>
-              <a:cxn ang="0">
-                <a:pos x="T66" y="T67"/>
-              </a:cxn>
-            </a:cxnLst>
-            <a:rect l="0" t="0" r="r" b="b"/>
-            <a:pathLst>
-              <a:path w="176" h="144">
-                <a:moveTo>
-                  <a:pt x="40" y="80"/>
-                </a:moveTo>
-                <a:cubicBezTo>
-                  <a:pt x="27" y="80"/>
-                  <a:pt x="16" y="91"/>
-                  <a:pt x="16" y="104"/>
-                </a:cubicBezTo>
-                <a:cubicBezTo>
-                  <a:pt x="16" y="106"/>
-                  <a:pt x="18" y="108"/>
-                  <a:pt x="20" y="108"/>
-                </a:cubicBezTo>
-                <a:cubicBezTo>
-                  <a:pt x="22" y="108"/>
-                  <a:pt x="24" y="106"/>
-                  <a:pt x="24" y="104"/>
-                </a:cubicBezTo>
-                <a:cubicBezTo>
-                  <a:pt x="24" y="95"/>
-                  <a:pt x="31" y="88"/>
-                  <a:pt x="40" y="88"/>
-                </a:cubicBezTo>
-                <a:cubicBezTo>
-                  <a:pt x="42" y="88"/>
-                  <a:pt x="44" y="86"/>
-                  <a:pt x="44" y="84"/>
-                </a:cubicBezTo>
-                <a:cubicBezTo>
-                  <a:pt x="44" y="82"/>
-                  <a:pt x="42" y="80"/>
-                  <a:pt x="40" y="80"/>
-                </a:cubicBezTo>
-                <a:moveTo>
-                  <a:pt x="136" y="80"/>
-                </a:moveTo>
-                <a:cubicBezTo>
-                  <a:pt x="123" y="80"/>
-                  <a:pt x="112" y="91"/>
-                  <a:pt x="112" y="104"/>
-                </a:cubicBezTo>
-                <a:cubicBezTo>
-                  <a:pt x="112" y="106"/>
-                  <a:pt x="114" y="108"/>
-                  <a:pt x="116" y="108"/>
-                </a:cubicBezTo>
-                <a:cubicBezTo>
-                  <a:pt x="118" y="108"/>
-                  <a:pt x="120" y="106"/>
-                  <a:pt x="120" y="104"/>
-                </a:cubicBezTo>
-                <a:cubicBezTo>
-                  <a:pt x="120" y="95"/>
-                  <a:pt x="127" y="88"/>
-                  <a:pt x="136" y="88"/>
-                </a:cubicBezTo>
-                <a:cubicBezTo>
-                  <a:pt x="138" y="88"/>
-                  <a:pt x="140" y="86"/>
-                  <a:pt x="140" y="84"/>
-                </a:cubicBezTo>
-                <a:cubicBezTo>
-                  <a:pt x="140" y="82"/>
-                  <a:pt x="138" y="80"/>
-                  <a:pt x="136" y="80"/>
-                </a:cubicBezTo>
-                <a:moveTo>
-                  <a:pt x="172" y="87"/>
-                </a:moveTo>
-                <a:cubicBezTo>
-                  <a:pt x="143" y="16"/>
-                  <a:pt x="143" y="16"/>
-                  <a:pt x="143" y="16"/>
-                </a:cubicBezTo>
-                <a:cubicBezTo>
-                  <a:pt x="143" y="16"/>
-                  <a:pt x="143" y="16"/>
-                  <a:pt x="143" y="16"/>
-                </a:cubicBezTo>
-                <a:cubicBezTo>
-                  <a:pt x="139" y="7"/>
-                  <a:pt x="130" y="0"/>
-                  <a:pt x="120" y="0"/>
-                </a:cubicBezTo>
-                <a:cubicBezTo>
-                  <a:pt x="107" y="0"/>
-                  <a:pt x="96" y="11"/>
-                  <a:pt x="96" y="24"/>
-                </a:cubicBezTo>
-                <a:cubicBezTo>
-                  <a:pt x="80" y="24"/>
-                  <a:pt x="80" y="24"/>
-                  <a:pt x="80" y="24"/>
-                </a:cubicBezTo>
-                <a:cubicBezTo>
-                  <a:pt x="80" y="11"/>
-                  <a:pt x="69" y="0"/>
-                  <a:pt x="56" y="0"/>
-                </a:cubicBezTo>
-                <a:cubicBezTo>
-                  <a:pt x="46" y="0"/>
-                  <a:pt x="37" y="7"/>
-                  <a:pt x="33" y="16"/>
-                </a:cubicBezTo>
-                <a:cubicBezTo>
-                  <a:pt x="33" y="16"/>
-                  <a:pt x="33" y="16"/>
-                  <a:pt x="33" y="16"/>
-                </a:cubicBezTo>
-                <a:cubicBezTo>
-                  <a:pt x="4" y="87"/>
-                  <a:pt x="4" y="87"/>
-                  <a:pt x="4" y="87"/>
-                </a:cubicBezTo>
-                <a:cubicBezTo>
-                  <a:pt x="1" y="92"/>
-                  <a:pt x="0" y="98"/>
-                  <a:pt x="0" y="104"/>
-                </a:cubicBezTo>
-                <a:cubicBezTo>
-                  <a:pt x="0" y="126"/>
-                  <a:pt x="18" y="144"/>
-                  <a:pt x="40" y="144"/>
-                </a:cubicBezTo>
-                <a:cubicBezTo>
-                  <a:pt x="59" y="144"/>
-                  <a:pt x="75" y="130"/>
-                  <a:pt x="79" y="112"/>
-                </a:cubicBezTo>
-                <a:cubicBezTo>
-                  <a:pt x="97" y="112"/>
-                  <a:pt x="97" y="112"/>
-                  <a:pt x="97" y="112"/>
-                </a:cubicBezTo>
-                <a:cubicBezTo>
-                  <a:pt x="101" y="130"/>
-                  <a:pt x="117" y="144"/>
-                  <a:pt x="136" y="144"/>
-                </a:cubicBezTo>
-                <a:cubicBezTo>
-                  <a:pt x="158" y="144"/>
-                  <a:pt x="176" y="126"/>
-                  <a:pt x="176" y="104"/>
-                </a:cubicBezTo>
-                <a:cubicBezTo>
-                  <a:pt x="176" y="98"/>
-                  <a:pt x="175" y="92"/>
-                  <a:pt x="172" y="87"/>
-                </a:cubicBezTo>
-                <a:moveTo>
-                  <a:pt x="40" y="136"/>
-                </a:moveTo>
-                <a:cubicBezTo>
-                  <a:pt x="22" y="136"/>
-                  <a:pt x="8" y="122"/>
-                  <a:pt x="8" y="104"/>
-                </a:cubicBezTo>
-                <a:cubicBezTo>
-                  <a:pt x="8" y="86"/>
-                  <a:pt x="22" y="72"/>
-                  <a:pt x="40" y="72"/>
-                </a:cubicBezTo>
-                <a:cubicBezTo>
-                  <a:pt x="58" y="72"/>
-                  <a:pt x="72" y="86"/>
-                  <a:pt x="72" y="104"/>
-                </a:cubicBezTo>
-                <a:cubicBezTo>
-                  <a:pt x="72" y="122"/>
-                  <a:pt x="58" y="136"/>
-                  <a:pt x="40" y="136"/>
-                </a:cubicBezTo>
-                <a:moveTo>
-                  <a:pt x="72" y="80"/>
-                </a:moveTo>
-                <a:cubicBezTo>
-                  <a:pt x="65" y="70"/>
-                  <a:pt x="53" y="64"/>
-                  <a:pt x="40" y="64"/>
-                </a:cubicBezTo>
-                <a:cubicBezTo>
-                  <a:pt x="33" y="64"/>
-                  <a:pt x="26" y="66"/>
-                  <a:pt x="20" y="69"/>
-                </a:cubicBezTo>
-                <a:cubicBezTo>
-                  <a:pt x="41" y="17"/>
-                  <a:pt x="41" y="17"/>
-                  <a:pt x="41" y="17"/>
-                </a:cubicBezTo>
-                <a:cubicBezTo>
-                  <a:pt x="41" y="17"/>
-                  <a:pt x="41" y="17"/>
-                  <a:pt x="41" y="17"/>
-                </a:cubicBezTo>
-                <a:cubicBezTo>
-                  <a:pt x="44" y="12"/>
-                  <a:pt x="50" y="8"/>
-                  <a:pt x="56" y="8"/>
-                </a:cubicBezTo>
-                <a:cubicBezTo>
-                  <a:pt x="64" y="8"/>
-                  <a:pt x="71" y="14"/>
-                  <a:pt x="72" y="23"/>
-                </a:cubicBezTo>
-                <a:cubicBezTo>
-                  <a:pt x="72" y="23"/>
-                  <a:pt x="72" y="23"/>
-                  <a:pt x="72" y="23"/>
-                </a:cubicBezTo>
-                <a:lnTo>
-                  <a:pt x="72" y="80"/>
-                </a:lnTo>
-                <a:close/>
-                <a:moveTo>
-                  <a:pt x="96" y="104"/>
-                </a:moveTo>
-                <a:cubicBezTo>
-                  <a:pt x="80" y="104"/>
-                  <a:pt x="80" y="104"/>
-                  <a:pt x="80" y="104"/>
-                </a:cubicBezTo>
-                <a:cubicBezTo>
-                  <a:pt x="80" y="96"/>
-                  <a:pt x="80" y="96"/>
-                  <a:pt x="80" y="96"/>
-                </a:cubicBezTo>
-                <a:cubicBezTo>
-                  <a:pt x="96" y="96"/>
-                  <a:pt x="96" y="96"/>
-                  <a:pt x="96" y="96"/>
-                </a:cubicBezTo>
-                <a:lnTo>
-                  <a:pt x="96" y="104"/>
-                </a:lnTo>
-                <a:close/>
-                <a:moveTo>
-                  <a:pt x="96" y="88"/>
-                </a:moveTo>
-                <a:cubicBezTo>
-                  <a:pt x="80" y="88"/>
-                  <a:pt x="80" y="88"/>
-                  <a:pt x="80" y="88"/>
-                </a:cubicBezTo>
-                <a:cubicBezTo>
-                  <a:pt x="80" y="32"/>
-                  <a:pt x="80" y="32"/>
-                  <a:pt x="80" y="32"/>
-                </a:cubicBezTo>
-                <a:cubicBezTo>
-                  <a:pt x="96" y="32"/>
-                  <a:pt x="96" y="32"/>
-                  <a:pt x="96" y="32"/>
-                </a:cubicBezTo>
-                <a:lnTo>
-                  <a:pt x="96" y="88"/>
-                </a:lnTo>
-                <a:close/>
-                <a:moveTo>
-                  <a:pt x="104" y="23"/>
-                </a:moveTo>
-                <a:cubicBezTo>
-                  <a:pt x="104" y="23"/>
-                  <a:pt x="104" y="23"/>
-                  <a:pt x="104" y="23"/>
-                </a:cubicBezTo>
-                <a:cubicBezTo>
-                  <a:pt x="105" y="14"/>
-                  <a:pt x="112" y="8"/>
-                  <a:pt x="120" y="8"/>
-                </a:cubicBezTo>
-                <a:cubicBezTo>
-                  <a:pt x="126" y="8"/>
-                  <a:pt x="132" y="12"/>
-                  <a:pt x="135" y="17"/>
-                </a:cubicBezTo>
-                <a:cubicBezTo>
-                  <a:pt x="135" y="17"/>
-                  <a:pt x="135" y="17"/>
-                  <a:pt x="135" y="17"/>
-                </a:cubicBezTo>
-                <a:cubicBezTo>
-                  <a:pt x="156" y="69"/>
-                  <a:pt x="156" y="69"/>
-                  <a:pt x="156" y="69"/>
-                </a:cubicBezTo>
-                <a:cubicBezTo>
-                  <a:pt x="150" y="66"/>
-                  <a:pt x="143" y="64"/>
-                  <a:pt x="136" y="64"/>
-                </a:cubicBezTo>
-                <a:cubicBezTo>
-                  <a:pt x="123" y="64"/>
-                  <a:pt x="111" y="70"/>
-                  <a:pt x="104" y="80"/>
-                </a:cubicBezTo>
-                <a:lnTo>
-                  <a:pt x="104" y="23"/>
-                </a:lnTo>
-                <a:close/>
-                <a:moveTo>
-                  <a:pt x="136" y="136"/>
-                </a:moveTo>
-                <a:cubicBezTo>
-                  <a:pt x="118" y="136"/>
-                  <a:pt x="104" y="122"/>
-                  <a:pt x="104" y="104"/>
-                </a:cubicBezTo>
-                <a:cubicBezTo>
-                  <a:pt x="104" y="86"/>
-                  <a:pt x="118" y="72"/>
-                  <a:pt x="136" y="72"/>
-                </a:cubicBezTo>
-                <a:cubicBezTo>
-                  <a:pt x="154" y="72"/>
-                  <a:pt x="168" y="86"/>
-                  <a:pt x="168" y="104"/>
-                </a:cubicBezTo>
-                <a:cubicBezTo>
-                  <a:pt x="168" y="122"/>
-                  <a:pt x="154" y="136"/>
-                  <a:pt x="136" y="136"/>
-                </a:cubicBezTo>
-              </a:path>
-            </a:pathLst>
-          </a:custGeom>
-          <a:solidFill>
-            <a:schemeClr val="bg1"/>
-          </a:solidFill>
-          <a:ln>
-            <a:noFill/>
-          </a:ln>
-        </p:spPr>
-        <p:txBody>
-          <a:bodyPr vert="horz" wrap="square" lIns="91440" tIns="45720" rIns="91440" bIns="45720" numCol="1" anchor="t" anchorCtr="0" compatLnSpc="1">
-            <a:prstTxWarp prst="textNoShape">
-              <a:avLst/>
-            </a:prstTxWarp>
-          </a:bodyPr>
-          <a:lstStyle/>
-          <a:p>
-            <a:endParaRPr lang="uk-UA"/>
-          </a:p>
-        </p:txBody>
-      </p:sp>
-      <p:sp>
-        <p:nvSpPr>
-          <p:cNvPr id="96" name="Freeform 429">
-            <a:extLst>
-              <a:ext uri="{FF2B5EF4-FFF2-40B4-BE49-F238E27FC236}">
-                <a16:creationId xmlns:a16="http://schemas.microsoft.com/office/drawing/2014/main" id="{F994307A-7FA5-4B56-A326-FD1339FA9D5E}"/>
-              </a:ext>
-            </a:extLst>
-          </p:cNvPr>
-          <p:cNvSpPr>
-            <a:spLocks noEditPoints="1"/>
-          </p:cNvSpPr>
-          <p:nvPr/>
-        </p:nvSpPr>
-        <p:spPr bwMode="auto">
-          <a:xfrm>
-            <a:off x="10933726" y="5770232"/>
-            <a:ext cx="370247" cy="587282"/>
-          </a:xfrm>
-          <a:custGeom>
-            <a:avLst/>
-            <a:gdLst>
-              <a:gd name="T0" fmla="*/ 104 w 112"/>
-              <a:gd name="T1" fmla="*/ 0 h 176"/>
-              <a:gd name="T2" fmla="*/ 8 w 112"/>
-              <a:gd name="T3" fmla="*/ 0 h 176"/>
-              <a:gd name="T4" fmla="*/ 0 w 112"/>
-              <a:gd name="T5" fmla="*/ 8 h 176"/>
-              <a:gd name="T6" fmla="*/ 0 w 112"/>
-              <a:gd name="T7" fmla="*/ 16 h 176"/>
-              <a:gd name="T8" fmla="*/ 8 w 112"/>
-              <a:gd name="T9" fmla="*/ 24 h 176"/>
-              <a:gd name="T10" fmla="*/ 16 w 112"/>
-              <a:gd name="T11" fmla="*/ 24 h 176"/>
-              <a:gd name="T12" fmla="*/ 16 w 112"/>
-              <a:gd name="T13" fmla="*/ 136 h 176"/>
-              <a:gd name="T14" fmla="*/ 56 w 112"/>
-              <a:gd name="T15" fmla="*/ 176 h 176"/>
-              <a:gd name="T16" fmla="*/ 96 w 112"/>
-              <a:gd name="T17" fmla="*/ 136 h 176"/>
-              <a:gd name="T18" fmla="*/ 96 w 112"/>
-              <a:gd name="T19" fmla="*/ 24 h 176"/>
-              <a:gd name="T20" fmla="*/ 104 w 112"/>
-              <a:gd name="T21" fmla="*/ 24 h 176"/>
-              <a:gd name="T22" fmla="*/ 112 w 112"/>
-              <a:gd name="T23" fmla="*/ 16 h 176"/>
-              <a:gd name="T24" fmla="*/ 112 w 112"/>
-              <a:gd name="T25" fmla="*/ 8 h 176"/>
-              <a:gd name="T26" fmla="*/ 104 w 112"/>
-              <a:gd name="T27" fmla="*/ 0 h 176"/>
-              <a:gd name="T28" fmla="*/ 88 w 112"/>
-              <a:gd name="T29" fmla="*/ 136 h 176"/>
-              <a:gd name="T30" fmla="*/ 56 w 112"/>
-              <a:gd name="T31" fmla="*/ 168 h 176"/>
-              <a:gd name="T32" fmla="*/ 24 w 112"/>
-              <a:gd name="T33" fmla="*/ 136 h 176"/>
-              <a:gd name="T34" fmla="*/ 24 w 112"/>
-              <a:gd name="T35" fmla="*/ 52 h 176"/>
-              <a:gd name="T36" fmla="*/ 43 w 112"/>
-              <a:gd name="T37" fmla="*/ 56 h 176"/>
-              <a:gd name="T38" fmla="*/ 54 w 112"/>
-              <a:gd name="T39" fmla="*/ 54 h 176"/>
-              <a:gd name="T40" fmla="*/ 78 w 112"/>
-              <a:gd name="T41" fmla="*/ 45 h 176"/>
-              <a:gd name="T42" fmla="*/ 88 w 112"/>
-              <a:gd name="T43" fmla="*/ 41 h 176"/>
-              <a:gd name="T44" fmla="*/ 88 w 112"/>
-              <a:gd name="T45" fmla="*/ 136 h 176"/>
-              <a:gd name="T46" fmla="*/ 88 w 112"/>
-              <a:gd name="T47" fmla="*/ 33 h 176"/>
-              <a:gd name="T48" fmla="*/ 74 w 112"/>
-              <a:gd name="T49" fmla="*/ 38 h 176"/>
-              <a:gd name="T50" fmla="*/ 52 w 112"/>
-              <a:gd name="T51" fmla="*/ 47 h 176"/>
-              <a:gd name="T52" fmla="*/ 24 w 112"/>
-              <a:gd name="T53" fmla="*/ 44 h 176"/>
-              <a:gd name="T54" fmla="*/ 24 w 112"/>
-              <a:gd name="T55" fmla="*/ 24 h 176"/>
-              <a:gd name="T56" fmla="*/ 88 w 112"/>
-              <a:gd name="T57" fmla="*/ 24 h 176"/>
-              <a:gd name="T58" fmla="*/ 88 w 112"/>
-              <a:gd name="T59" fmla="*/ 33 h 176"/>
-              <a:gd name="T60" fmla="*/ 104 w 112"/>
-              <a:gd name="T61" fmla="*/ 16 h 176"/>
-              <a:gd name="T62" fmla="*/ 8 w 112"/>
-              <a:gd name="T63" fmla="*/ 16 h 176"/>
-              <a:gd name="T64" fmla="*/ 8 w 112"/>
-              <a:gd name="T65" fmla="*/ 8 h 176"/>
-              <a:gd name="T66" fmla="*/ 104 w 112"/>
-              <a:gd name="T67" fmla="*/ 8 h 176"/>
-              <a:gd name="T68" fmla="*/ 104 w 112"/>
-              <a:gd name="T69" fmla="*/ 16 h 176"/>
-              <a:gd name="T70" fmla="*/ 52 w 112"/>
-              <a:gd name="T71" fmla="*/ 112 h 176"/>
-              <a:gd name="T72" fmla="*/ 48 w 112"/>
-              <a:gd name="T73" fmla="*/ 116 h 176"/>
-              <a:gd name="T74" fmla="*/ 52 w 112"/>
-              <a:gd name="T75" fmla="*/ 120 h 176"/>
-              <a:gd name="T76" fmla="*/ 56 w 112"/>
-              <a:gd name="T77" fmla="*/ 116 h 176"/>
-              <a:gd name="T78" fmla="*/ 52 w 112"/>
-              <a:gd name="T79" fmla="*/ 112 h 176"/>
-              <a:gd name="T80" fmla="*/ 48 w 112"/>
-              <a:gd name="T81" fmla="*/ 88 h 176"/>
-              <a:gd name="T82" fmla="*/ 40 w 112"/>
-              <a:gd name="T83" fmla="*/ 80 h 176"/>
-              <a:gd name="T84" fmla="*/ 32 w 112"/>
-              <a:gd name="T85" fmla="*/ 88 h 176"/>
-              <a:gd name="T86" fmla="*/ 40 w 112"/>
-              <a:gd name="T87" fmla="*/ 96 h 176"/>
-              <a:gd name="T88" fmla="*/ 48 w 112"/>
-              <a:gd name="T89" fmla="*/ 88 h 176"/>
-              <a:gd name="T90" fmla="*/ 44 w 112"/>
-              <a:gd name="T91" fmla="*/ 144 h 176"/>
-              <a:gd name="T92" fmla="*/ 40 w 112"/>
-              <a:gd name="T93" fmla="*/ 148 h 176"/>
-              <a:gd name="T94" fmla="*/ 44 w 112"/>
-              <a:gd name="T95" fmla="*/ 152 h 176"/>
-              <a:gd name="T96" fmla="*/ 48 w 112"/>
-              <a:gd name="T97" fmla="*/ 148 h 176"/>
-              <a:gd name="T98" fmla="*/ 44 w 112"/>
-              <a:gd name="T99" fmla="*/ 144 h 176"/>
-              <a:gd name="T100" fmla="*/ 72 w 112"/>
-              <a:gd name="T101" fmla="*/ 64 h 176"/>
-              <a:gd name="T102" fmla="*/ 64 w 112"/>
-              <a:gd name="T103" fmla="*/ 72 h 176"/>
-              <a:gd name="T104" fmla="*/ 72 w 112"/>
-              <a:gd name="T105" fmla="*/ 80 h 176"/>
-              <a:gd name="T106" fmla="*/ 80 w 112"/>
-              <a:gd name="T107" fmla="*/ 72 h 176"/>
-              <a:gd name="T108" fmla="*/ 72 w 112"/>
-              <a:gd name="T109" fmla="*/ 64 h 176"/>
-              <a:gd name="T110" fmla="*/ 68 w 112"/>
-              <a:gd name="T111" fmla="*/ 128 h 176"/>
-              <a:gd name="T112" fmla="*/ 64 w 112"/>
-              <a:gd name="T113" fmla="*/ 132 h 176"/>
-              <a:gd name="T114" fmla="*/ 68 w 112"/>
-              <a:gd name="T115" fmla="*/ 136 h 176"/>
-              <a:gd name="T116" fmla="*/ 72 w 112"/>
-              <a:gd name="T117" fmla="*/ 132 h 176"/>
-              <a:gd name="T118" fmla="*/ 68 w 112"/>
-              <a:gd name="T119" fmla="*/ 128 h 176"/>
-            </a:gdLst>
-            <a:ahLst/>
-            <a:cxnLst>
-              <a:cxn ang="0">
-                <a:pos x="T0" y="T1"/>
-              </a:cxn>
-              <a:cxn ang="0">
-                <a:pos x="T2" y="T3"/>
-              </a:cxn>
-              <a:cxn ang="0">
-                <a:pos x="T4" y="T5"/>
-              </a:cxn>
-              <a:cxn ang="0">
-                <a:pos x="T6" y="T7"/>
-              </a:cxn>
-              <a:cxn ang="0">
-                <a:pos x="T8" y="T9"/>
-              </a:cxn>
-              <a:cxn ang="0">
-                <a:pos x="T10" y="T11"/>
-              </a:cxn>
-              <a:cxn ang="0">
-                <a:pos x="T12" y="T13"/>
-              </a:cxn>
-              <a:cxn ang="0">
-                <a:pos x="T14" y="T15"/>
-              </a:cxn>
-              <a:cxn ang="0">
-                <a:pos x="T16" y="T17"/>
-              </a:cxn>
-              <a:cxn ang="0">
-                <a:pos x="T18" y="T19"/>
-              </a:cxn>
-              <a:cxn ang="0">
-                <a:pos x="T20" y="T21"/>
-              </a:cxn>
-              <a:cxn ang="0">
-                <a:pos x="T22" y="T23"/>
-              </a:cxn>
-              <a:cxn ang="0">
-                <a:pos x="T24" y="T25"/>
-              </a:cxn>
-              <a:cxn ang="0">
-                <a:pos x="T26" y="T27"/>
-              </a:cxn>
-              <a:cxn ang="0">
-                <a:pos x="T28" y="T29"/>
-              </a:cxn>
-              <a:cxn ang="0">
-                <a:pos x="T30" y="T31"/>
-              </a:cxn>
-              <a:cxn ang="0">
-                <a:pos x="T32" y="T33"/>
-              </a:cxn>
-              <a:cxn ang="0">
-                <a:pos x="T34" y="T35"/>
-              </a:cxn>
-              <a:cxn ang="0">
-                <a:pos x="T36" y="T37"/>
-              </a:cxn>
-              <a:cxn ang="0">
-                <a:pos x="T38" y="T39"/>
-              </a:cxn>
-              <a:cxn ang="0">
-                <a:pos x="T40" y="T41"/>
-              </a:cxn>
-              <a:cxn ang="0">
-                <a:pos x="T42" y="T43"/>
-              </a:cxn>
-              <a:cxn ang="0">
-                <a:pos x="T44" y="T45"/>
-              </a:cxn>
-              <a:cxn ang="0">
-                <a:pos x="T46" y="T47"/>
-              </a:cxn>
-              <a:cxn ang="0">
-                <a:pos x="T48" y="T49"/>
-              </a:cxn>
-              <a:cxn ang="0">
-                <a:pos x="T50" y="T51"/>
-              </a:cxn>
-              <a:cxn ang="0">
-                <a:pos x="T52" y="T53"/>
-              </a:cxn>
-              <a:cxn ang="0">
-                <a:pos x="T54" y="T55"/>
-              </a:cxn>
-              <a:cxn ang="0">
-                <a:pos x="T56" y="T57"/>
-              </a:cxn>
-              <a:cxn ang="0">
-                <a:pos x="T58" y="T59"/>
-              </a:cxn>
-              <a:cxn ang="0">
-                <a:pos x="T60" y="T61"/>
-              </a:cxn>
-              <a:cxn ang="0">
-                <a:pos x="T62" y="T63"/>
-              </a:cxn>
-              <a:cxn ang="0">
-                <a:pos x="T64" y="T65"/>
-              </a:cxn>
-              <a:cxn ang="0">
-                <a:pos x="T66" y="T67"/>
-              </a:cxn>
-              <a:cxn ang="0">
-                <a:pos x="T68" y="T69"/>
-              </a:cxn>
-              <a:cxn ang="0">
-                <a:pos x="T70" y="T71"/>
-              </a:cxn>
-              <a:cxn ang="0">
-                <a:pos x="T72" y="T73"/>
-              </a:cxn>
-              <a:cxn ang="0">
-                <a:pos x="T74" y="T75"/>
-              </a:cxn>
-              <a:cxn ang="0">
-                <a:pos x="T76" y="T77"/>
-              </a:cxn>
-              <a:cxn ang="0">
-                <a:pos x="T78" y="T79"/>
-              </a:cxn>
-              <a:cxn ang="0">
-                <a:pos x="T80" y="T81"/>
-              </a:cxn>
-              <a:cxn ang="0">
-                <a:pos x="T82" y="T83"/>
-              </a:cxn>
-              <a:cxn ang="0">
-                <a:pos x="T84" y="T85"/>
-              </a:cxn>
-              <a:cxn ang="0">
-                <a:pos x="T86" y="T87"/>
-              </a:cxn>
-              <a:cxn ang="0">
-                <a:pos x="T88" y="T89"/>
-              </a:cxn>
-              <a:cxn ang="0">
-                <a:pos x="T90" y="T91"/>
-              </a:cxn>
-              <a:cxn ang="0">
-                <a:pos x="T92" y="T93"/>
-              </a:cxn>
-              <a:cxn ang="0">
-                <a:pos x="T94" y="T95"/>
-              </a:cxn>
-              <a:cxn ang="0">
-                <a:pos x="T96" y="T97"/>
-              </a:cxn>
-              <a:cxn ang="0">
-                <a:pos x="T98" y="T99"/>
-              </a:cxn>
-              <a:cxn ang="0">
-                <a:pos x="T100" y="T101"/>
-              </a:cxn>
-              <a:cxn ang="0">
-                <a:pos x="T102" y="T103"/>
-              </a:cxn>
-              <a:cxn ang="0">
-                <a:pos x="T104" y="T105"/>
-              </a:cxn>
-              <a:cxn ang="0">
-                <a:pos x="T106" y="T107"/>
-              </a:cxn>
-              <a:cxn ang="0">
-                <a:pos x="T108" y="T109"/>
-              </a:cxn>
-              <a:cxn ang="0">
-                <a:pos x="T110" y="T111"/>
-              </a:cxn>
-              <a:cxn ang="0">
-                <a:pos x="T112" y="T113"/>
-              </a:cxn>
-              <a:cxn ang="0">
-                <a:pos x="T114" y="T115"/>
-              </a:cxn>
-              <a:cxn ang="0">
-                <a:pos x="T116" y="T117"/>
-              </a:cxn>
-              <a:cxn ang="0">
-                <a:pos x="T118" y="T119"/>
-              </a:cxn>
-            </a:cxnLst>
-            <a:rect l="0" t="0" r="r" b="b"/>
-            <a:pathLst>
-              <a:path w="112" h="176">
-                <a:moveTo>
-                  <a:pt x="104" y="0"/>
-                </a:moveTo>
-                <a:cubicBezTo>
-                  <a:pt x="8" y="0"/>
-                  <a:pt x="8" y="0"/>
-                  <a:pt x="8" y="0"/>
-                </a:cubicBezTo>
-                <a:cubicBezTo>
-                  <a:pt x="4" y="0"/>
-                  <a:pt x="0" y="4"/>
-                  <a:pt x="0" y="8"/>
-                </a:cubicBezTo>
-                <a:cubicBezTo>
-                  <a:pt x="0" y="16"/>
-                  <a:pt x="0" y="16"/>
-                  <a:pt x="0" y="16"/>
-                </a:cubicBezTo>
-                <a:cubicBezTo>
-                  <a:pt x="0" y="20"/>
-                  <a:pt x="4" y="24"/>
-                  <a:pt x="8" y="24"/>
-                </a:cubicBezTo>
-                <a:cubicBezTo>
-                  <a:pt x="16" y="24"/>
-                  <a:pt x="16" y="24"/>
-                  <a:pt x="16" y="24"/>
-                </a:cubicBezTo>
-                <a:cubicBezTo>
-                  <a:pt x="16" y="136"/>
-                  <a:pt x="16" y="136"/>
-                  <a:pt x="16" y="136"/>
-                </a:cubicBezTo>
-                <a:cubicBezTo>
-                  <a:pt x="16" y="158"/>
-                  <a:pt x="34" y="176"/>
-                  <a:pt x="56" y="176"/>
-                </a:cubicBezTo>
-                <a:cubicBezTo>
-                  <a:pt x="78" y="176"/>
-                  <a:pt x="96" y="158"/>
-                  <a:pt x="96" y="136"/>
-                </a:cubicBezTo>
-                <a:cubicBezTo>
-                  <a:pt x="96" y="24"/>
-                  <a:pt x="96" y="24"/>
-                  <a:pt x="96" y="24"/>
-                </a:cubicBezTo>
-                <a:cubicBezTo>
-                  <a:pt x="104" y="24"/>
-                  <a:pt x="104" y="24"/>
-                  <a:pt x="104" y="24"/>
-                </a:cubicBezTo>
-                <a:cubicBezTo>
-                  <a:pt x="108" y="24"/>
-                  <a:pt x="112" y="20"/>
-                  <a:pt x="112" y="16"/>
-                </a:cubicBezTo>
-                <a:cubicBezTo>
-                  <a:pt x="112" y="8"/>
-                  <a:pt x="112" y="8"/>
-                  <a:pt x="112" y="8"/>
-                </a:cubicBezTo>
-                <a:cubicBezTo>
-                  <a:pt x="112" y="4"/>
-                  <a:pt x="108" y="0"/>
-                  <a:pt x="104" y="0"/>
-                </a:cubicBezTo>
-                <a:moveTo>
-                  <a:pt x="88" y="136"/>
-                </a:moveTo>
-                <a:cubicBezTo>
-                  <a:pt x="88" y="154"/>
-                  <a:pt x="74" y="168"/>
-                  <a:pt x="56" y="168"/>
-                </a:cubicBezTo>
-                <a:cubicBezTo>
-                  <a:pt x="38" y="168"/>
-                  <a:pt x="24" y="154"/>
-                  <a:pt x="24" y="136"/>
-                </a:cubicBezTo>
-                <a:cubicBezTo>
-                  <a:pt x="24" y="52"/>
-                  <a:pt x="24" y="52"/>
-                  <a:pt x="24" y="52"/>
-                </a:cubicBezTo>
-                <a:cubicBezTo>
-                  <a:pt x="30" y="54"/>
-                  <a:pt x="36" y="56"/>
-                  <a:pt x="43" y="56"/>
-                </a:cubicBezTo>
-                <a:cubicBezTo>
-                  <a:pt x="47" y="56"/>
-                  <a:pt x="50" y="55"/>
-                  <a:pt x="54" y="54"/>
-                </a:cubicBezTo>
-                <a:cubicBezTo>
-                  <a:pt x="65" y="51"/>
-                  <a:pt x="72" y="48"/>
-                  <a:pt x="78" y="45"/>
-                </a:cubicBezTo>
-                <a:cubicBezTo>
-                  <a:pt x="82" y="43"/>
-                  <a:pt x="85" y="42"/>
-                  <a:pt x="88" y="41"/>
-                </a:cubicBezTo>
-                <a:lnTo>
-                  <a:pt x="88" y="136"/>
-                </a:lnTo>
-                <a:close/>
-                <a:moveTo>
-                  <a:pt x="88" y="33"/>
-                </a:moveTo>
-                <a:cubicBezTo>
-                  <a:pt x="83" y="34"/>
-                  <a:pt x="79" y="36"/>
-                  <a:pt x="74" y="38"/>
-                </a:cubicBezTo>
-                <a:cubicBezTo>
-                  <a:pt x="68" y="41"/>
-                  <a:pt x="62" y="44"/>
-                  <a:pt x="52" y="47"/>
-                </a:cubicBezTo>
-                <a:cubicBezTo>
-                  <a:pt x="42" y="50"/>
-                  <a:pt x="32" y="48"/>
-                  <a:pt x="24" y="44"/>
-                </a:cubicBezTo>
-                <a:cubicBezTo>
-                  <a:pt x="24" y="24"/>
-                  <a:pt x="24" y="24"/>
-                  <a:pt x="24" y="24"/>
-                </a:cubicBezTo>
-                <a:cubicBezTo>
-                  <a:pt x="88" y="24"/>
-                  <a:pt x="88" y="24"/>
-                  <a:pt x="88" y="24"/>
-                </a:cubicBezTo>
-                <a:lnTo>
-                  <a:pt x="88" y="33"/>
-                </a:lnTo>
-                <a:close/>
-                <a:moveTo>
-                  <a:pt x="104" y="16"/>
-                </a:moveTo>
-                <a:cubicBezTo>
-                  <a:pt x="8" y="16"/>
-                  <a:pt x="8" y="16"/>
-                  <a:pt x="8" y="16"/>
-                </a:cubicBezTo>
-                <a:cubicBezTo>
-                  <a:pt x="8" y="8"/>
-                  <a:pt x="8" y="8"/>
-                  <a:pt x="8" y="8"/>
-                </a:cubicBezTo>
-                <a:cubicBezTo>
-                  <a:pt x="104" y="8"/>
-                  <a:pt x="104" y="8"/>
-                  <a:pt x="104" y="8"/>
-                </a:cubicBezTo>
-                <a:lnTo>
-                  <a:pt x="104" y="16"/>
-                </a:lnTo>
-                <a:close/>
-                <a:moveTo>
-                  <a:pt x="52" y="112"/>
-                </a:moveTo>
-                <a:cubicBezTo>
-                  <a:pt x="50" y="112"/>
-                  <a:pt x="48" y="114"/>
-                  <a:pt x="48" y="116"/>
-                </a:cubicBezTo>
-                <a:cubicBezTo>
-                  <a:pt x="48" y="118"/>
-                  <a:pt x="50" y="120"/>
-                  <a:pt x="52" y="120"/>
-                </a:cubicBezTo>
-                <a:cubicBezTo>
-                  <a:pt x="54" y="120"/>
-                  <a:pt x="56" y="118"/>
-                  <a:pt x="56" y="116"/>
-                </a:cubicBezTo>
-                <a:cubicBezTo>
-                  <a:pt x="56" y="114"/>
-                  <a:pt x="54" y="112"/>
-                  <a:pt x="52" y="112"/>
-                </a:cubicBezTo>
-                <a:moveTo>
-                  <a:pt x="48" y="88"/>
-                </a:moveTo>
-                <a:cubicBezTo>
-                  <a:pt x="48" y="84"/>
-                  <a:pt x="44" y="80"/>
-                  <a:pt x="40" y="80"/>
-                </a:cubicBezTo>
-                <a:cubicBezTo>
-                  <a:pt x="36" y="80"/>
-                  <a:pt x="32" y="84"/>
-                  <a:pt x="32" y="88"/>
-                </a:cubicBezTo>
-                <a:cubicBezTo>
-                  <a:pt x="32" y="92"/>
-                  <a:pt x="36" y="96"/>
-                  <a:pt x="40" y="96"/>
-                </a:cubicBezTo>
-                <a:cubicBezTo>
-                  <a:pt x="44" y="96"/>
-                  <a:pt x="48" y="92"/>
-                  <a:pt x="48" y="88"/>
-                </a:cubicBezTo>
-                <a:moveTo>
-                  <a:pt x="44" y="144"/>
-                </a:moveTo>
-                <a:cubicBezTo>
-                  <a:pt x="42" y="144"/>
-                  <a:pt x="40" y="146"/>
-                  <a:pt x="40" y="148"/>
-                </a:cubicBezTo>
-                <a:cubicBezTo>
-                  <a:pt x="40" y="150"/>
-                  <a:pt x="42" y="152"/>
-                  <a:pt x="44" y="152"/>
-                </a:cubicBezTo>
-                <a:cubicBezTo>
-                  <a:pt x="46" y="152"/>
-                  <a:pt x="48" y="150"/>
-                  <a:pt x="48" y="148"/>
-                </a:cubicBezTo>
-                <a:cubicBezTo>
-                  <a:pt x="48" y="146"/>
-                  <a:pt x="46" y="144"/>
-                  <a:pt x="44" y="144"/>
-                </a:cubicBezTo>
-                <a:moveTo>
-                  <a:pt x="72" y="64"/>
-                </a:moveTo>
-                <a:cubicBezTo>
-                  <a:pt x="68" y="64"/>
-                  <a:pt x="64" y="68"/>
-                  <a:pt x="64" y="72"/>
-                </a:cubicBezTo>
-                <a:cubicBezTo>
-                  <a:pt x="64" y="76"/>
-                  <a:pt x="68" y="80"/>
-                  <a:pt x="72" y="80"/>
-                </a:cubicBezTo>
-                <a:cubicBezTo>
-                  <a:pt x="76" y="80"/>
-                  <a:pt x="80" y="76"/>
-                  <a:pt x="80" y="72"/>
-                </a:cubicBezTo>
-                <a:cubicBezTo>
-                  <a:pt x="80" y="68"/>
-                  <a:pt x="76" y="64"/>
-                  <a:pt x="72" y="64"/>
-                </a:cubicBezTo>
-                <a:moveTo>
-                  <a:pt x="68" y="128"/>
-                </a:moveTo>
-                <a:cubicBezTo>
-                  <a:pt x="66" y="128"/>
-                  <a:pt x="64" y="130"/>
-                  <a:pt x="64" y="132"/>
-                </a:cubicBezTo>
-                <a:cubicBezTo>
-                  <a:pt x="64" y="134"/>
-                  <a:pt x="66" y="136"/>
-                  <a:pt x="68" y="136"/>
-                </a:cubicBezTo>
-                <a:cubicBezTo>
-                  <a:pt x="70" y="136"/>
-                  <a:pt x="72" y="134"/>
-                  <a:pt x="72" y="132"/>
-                </a:cubicBezTo>
-                <a:cubicBezTo>
-                  <a:pt x="72" y="130"/>
-                  <a:pt x="70" y="128"/>
-                  <a:pt x="68" y="128"/>
-                </a:cubicBezTo>
-              </a:path>
-            </a:pathLst>
-          </a:custGeom>
-          <a:solidFill>
-            <a:schemeClr val="bg1"/>
-          </a:solidFill>
-          <a:ln>
-            <a:noFill/>
-          </a:ln>
-        </p:spPr>
-        <p:txBody>
-          <a:bodyPr vert="horz" wrap="square" lIns="91440" tIns="45720" rIns="91440" bIns="45720" numCol="1" anchor="t" anchorCtr="0" compatLnSpc="1">
-            <a:prstTxWarp prst="textNoShape">
-              <a:avLst/>
-            </a:prstTxWarp>
-          </a:bodyPr>
-          <a:lstStyle/>
-          <a:p>
-            <a:endParaRPr lang="uk-UA"/>
-          </a:p>
-        </p:txBody>
-      </p:sp>
-      <p:sp>
-        <p:nvSpPr>
-          <p:cNvPr id="97" name="Freeform 450">
-            <a:extLst>
-              <a:ext uri="{FF2B5EF4-FFF2-40B4-BE49-F238E27FC236}">
-                <a16:creationId xmlns:a16="http://schemas.microsoft.com/office/drawing/2014/main" id="{401A8DEA-47C1-454F-90A4-67F2F80F7C87}"/>
-              </a:ext>
-            </a:extLst>
-          </p:cNvPr>
-          <p:cNvSpPr>
-            <a:spLocks noEditPoints="1"/>
-          </p:cNvSpPr>
-          <p:nvPr/>
-        </p:nvSpPr>
-        <p:spPr bwMode="auto">
-          <a:xfrm>
-            <a:off x="14692390" y="5759697"/>
-            <a:ext cx="574519" cy="574519"/>
-          </a:xfrm>
-          <a:custGeom>
-            <a:avLst/>
-            <a:gdLst>
-              <a:gd name="T0" fmla="*/ 140 w 176"/>
-              <a:gd name="T1" fmla="*/ 72 h 176"/>
-              <a:gd name="T2" fmla="*/ 140 w 176"/>
-              <a:gd name="T3" fmla="*/ 64 h 176"/>
-              <a:gd name="T4" fmla="*/ 96 w 176"/>
-              <a:gd name="T5" fmla="*/ 68 h 176"/>
-              <a:gd name="T6" fmla="*/ 100 w 176"/>
-              <a:gd name="T7" fmla="*/ 56 h 176"/>
-              <a:gd name="T8" fmla="*/ 128 w 176"/>
-              <a:gd name="T9" fmla="*/ 52 h 176"/>
-              <a:gd name="T10" fmla="*/ 100 w 176"/>
-              <a:gd name="T11" fmla="*/ 48 h 176"/>
-              <a:gd name="T12" fmla="*/ 100 w 176"/>
-              <a:gd name="T13" fmla="*/ 56 h 176"/>
-              <a:gd name="T14" fmla="*/ 116 w 176"/>
-              <a:gd name="T15" fmla="*/ 88 h 176"/>
-              <a:gd name="T16" fmla="*/ 116 w 176"/>
-              <a:gd name="T17" fmla="*/ 80 h 176"/>
-              <a:gd name="T18" fmla="*/ 96 w 176"/>
-              <a:gd name="T19" fmla="*/ 84 h 176"/>
-              <a:gd name="T20" fmla="*/ 40 w 176"/>
-              <a:gd name="T21" fmla="*/ 104 h 176"/>
-              <a:gd name="T22" fmla="*/ 80 w 176"/>
-              <a:gd name="T23" fmla="*/ 96 h 176"/>
-              <a:gd name="T24" fmla="*/ 72 w 176"/>
-              <a:gd name="T25" fmla="*/ 48 h 176"/>
-              <a:gd name="T26" fmla="*/ 32 w 176"/>
-              <a:gd name="T27" fmla="*/ 56 h 176"/>
-              <a:gd name="T28" fmla="*/ 40 w 176"/>
-              <a:gd name="T29" fmla="*/ 104 h 176"/>
-              <a:gd name="T30" fmla="*/ 72 w 176"/>
-              <a:gd name="T31" fmla="*/ 56 h 176"/>
-              <a:gd name="T32" fmla="*/ 40 w 176"/>
-              <a:gd name="T33" fmla="*/ 96 h 176"/>
-              <a:gd name="T34" fmla="*/ 100 w 176"/>
-              <a:gd name="T35" fmla="*/ 104 h 176"/>
-              <a:gd name="T36" fmla="*/ 144 w 176"/>
-              <a:gd name="T37" fmla="*/ 100 h 176"/>
-              <a:gd name="T38" fmla="*/ 100 w 176"/>
-              <a:gd name="T39" fmla="*/ 96 h 176"/>
-              <a:gd name="T40" fmla="*/ 100 w 176"/>
-              <a:gd name="T41" fmla="*/ 104 h 176"/>
-              <a:gd name="T42" fmla="*/ 96 w 176"/>
-              <a:gd name="T43" fmla="*/ 8 h 176"/>
-              <a:gd name="T44" fmla="*/ 80 w 176"/>
-              <a:gd name="T45" fmla="*/ 8 h 176"/>
-              <a:gd name="T46" fmla="*/ 0 w 176"/>
-              <a:gd name="T47" fmla="*/ 16 h 176"/>
-              <a:gd name="T48" fmla="*/ 8 w 176"/>
-              <a:gd name="T49" fmla="*/ 32 h 176"/>
-              <a:gd name="T50" fmla="*/ 16 w 176"/>
-              <a:gd name="T51" fmla="*/ 136 h 176"/>
-              <a:gd name="T52" fmla="*/ 84 w 176"/>
-              <a:gd name="T53" fmla="*/ 146 h 176"/>
-              <a:gd name="T54" fmla="*/ 60 w 176"/>
-              <a:gd name="T55" fmla="*/ 172 h 176"/>
-              <a:gd name="T56" fmla="*/ 67 w 176"/>
-              <a:gd name="T57" fmla="*/ 175 h 176"/>
-              <a:gd name="T58" fmla="*/ 109 w 176"/>
-              <a:gd name="T59" fmla="*/ 175 h 176"/>
-              <a:gd name="T60" fmla="*/ 116 w 176"/>
-              <a:gd name="T61" fmla="*/ 172 h 176"/>
-              <a:gd name="T62" fmla="*/ 92 w 176"/>
-              <a:gd name="T63" fmla="*/ 146 h 176"/>
-              <a:gd name="T64" fmla="*/ 160 w 176"/>
-              <a:gd name="T65" fmla="*/ 136 h 176"/>
-              <a:gd name="T66" fmla="*/ 168 w 176"/>
-              <a:gd name="T67" fmla="*/ 32 h 176"/>
-              <a:gd name="T68" fmla="*/ 176 w 176"/>
-              <a:gd name="T69" fmla="*/ 16 h 176"/>
-              <a:gd name="T70" fmla="*/ 160 w 176"/>
-              <a:gd name="T71" fmla="*/ 128 h 176"/>
-              <a:gd name="T72" fmla="*/ 16 w 176"/>
-              <a:gd name="T73" fmla="*/ 32 h 176"/>
-              <a:gd name="T74" fmla="*/ 160 w 176"/>
-              <a:gd name="T75" fmla="*/ 128 h 176"/>
-              <a:gd name="T76" fmla="*/ 8 w 176"/>
-              <a:gd name="T77" fmla="*/ 24 h 176"/>
-              <a:gd name="T78" fmla="*/ 168 w 176"/>
-              <a:gd name="T79" fmla="*/ 16 h 176"/>
-            </a:gdLst>
-            <a:ahLst/>
-            <a:cxnLst>
-              <a:cxn ang="0">
-                <a:pos x="T0" y="T1"/>
-              </a:cxn>
-              <a:cxn ang="0">
-                <a:pos x="T2" y="T3"/>
-              </a:cxn>
-              <a:cxn ang="0">
-                <a:pos x="T4" y="T5"/>
-              </a:cxn>
-              <a:cxn ang="0">
-                <a:pos x="T6" y="T7"/>
-              </a:cxn>
-              <a:cxn ang="0">
-                <a:pos x="T8" y="T9"/>
-              </a:cxn>
-              <a:cxn ang="0">
-                <a:pos x="T10" y="T11"/>
-              </a:cxn>
-              <a:cxn ang="0">
-                <a:pos x="T12" y="T13"/>
-              </a:cxn>
-              <a:cxn ang="0">
-                <a:pos x="T14" y="T15"/>
-              </a:cxn>
-              <a:cxn ang="0">
-                <a:pos x="T16" y="T17"/>
-              </a:cxn>
-              <a:cxn ang="0">
-                <a:pos x="T18" y="T19"/>
-              </a:cxn>
-              <a:cxn ang="0">
-                <a:pos x="T20" y="T21"/>
-              </a:cxn>
-              <a:cxn ang="0">
-                <a:pos x="T22" y="T23"/>
-              </a:cxn>
-              <a:cxn ang="0">
-                <a:pos x="T24" y="T25"/>
-              </a:cxn>
-              <a:cxn ang="0">
-                <a:pos x="T26" y="T27"/>
-              </a:cxn>
-              <a:cxn ang="0">
-                <a:pos x="T28" y="T29"/>
-              </a:cxn>
-              <a:cxn ang="0">
-                <a:pos x="T30" y="T31"/>
-              </a:cxn>
-              <a:cxn ang="0">
-                <a:pos x="T32" y="T33"/>
-              </a:cxn>
-              <a:cxn ang="0">
-                <a:pos x="T34" y="T35"/>
-              </a:cxn>
-              <a:cxn ang="0">
-                <a:pos x="T36" y="T37"/>
-              </a:cxn>
-              <a:cxn ang="0">
-                <a:pos x="T38" y="T39"/>
-              </a:cxn>
-              <a:cxn ang="0">
-                <a:pos x="T40" y="T41"/>
-              </a:cxn>
-              <a:cxn ang="0">
-                <a:pos x="T42" y="T43"/>
-              </a:cxn>
-              <a:cxn ang="0">
-                <a:pos x="T44" y="T45"/>
-              </a:cxn>
-              <a:cxn ang="0">
-                <a:pos x="T46" y="T47"/>
-              </a:cxn>
-              <a:cxn ang="0">
-                <a:pos x="T48" y="T49"/>
-              </a:cxn>
-              <a:cxn ang="0">
-                <a:pos x="T50" y="T51"/>
-              </a:cxn>
-              <a:cxn ang="0">
-                <a:pos x="T52" y="T53"/>
-              </a:cxn>
-              <a:cxn ang="0">
-                <a:pos x="T54" y="T55"/>
-              </a:cxn>
-              <a:cxn ang="0">
-                <a:pos x="T56" y="T57"/>
-              </a:cxn>
-              <a:cxn ang="0">
-                <a:pos x="T58" y="T59"/>
-              </a:cxn>
-              <a:cxn ang="0">
-                <a:pos x="T60" y="T61"/>
-              </a:cxn>
-              <a:cxn ang="0">
-                <a:pos x="T62" y="T63"/>
-              </a:cxn>
-              <a:cxn ang="0">
-                <a:pos x="T64" y="T65"/>
-              </a:cxn>
-              <a:cxn ang="0">
-                <a:pos x="T66" y="T67"/>
-              </a:cxn>
-              <a:cxn ang="0">
-                <a:pos x="T68" y="T69"/>
-              </a:cxn>
-              <a:cxn ang="0">
-                <a:pos x="T70" y="T71"/>
-              </a:cxn>
-              <a:cxn ang="0">
-                <a:pos x="T72" y="T73"/>
-              </a:cxn>
-              <a:cxn ang="0">
-                <a:pos x="T74" y="T75"/>
-              </a:cxn>
-              <a:cxn ang="0">
-                <a:pos x="T76" y="T77"/>
-              </a:cxn>
-              <a:cxn ang="0">
-                <a:pos x="T78" y="T79"/>
-              </a:cxn>
-            </a:cxnLst>
-            <a:rect l="0" t="0" r="r" b="b"/>
-            <a:pathLst>
-              <a:path w="176" h="176">
-                <a:moveTo>
-                  <a:pt x="100" y="72"/>
-                </a:moveTo>
-                <a:cubicBezTo>
-                  <a:pt x="140" y="72"/>
-                  <a:pt x="140" y="72"/>
-                  <a:pt x="140" y="72"/>
-                </a:cubicBezTo>
-                <a:cubicBezTo>
-                  <a:pt x="142" y="72"/>
-                  <a:pt x="144" y="70"/>
-                  <a:pt x="144" y="68"/>
-                </a:cubicBezTo>
-                <a:cubicBezTo>
-                  <a:pt x="144" y="66"/>
-                  <a:pt x="142" y="64"/>
-                  <a:pt x="140" y="64"/>
-                </a:cubicBezTo>
-                <a:cubicBezTo>
-                  <a:pt x="100" y="64"/>
-                  <a:pt x="100" y="64"/>
-                  <a:pt x="100" y="64"/>
-                </a:cubicBezTo>
-                <a:cubicBezTo>
-                  <a:pt x="98" y="64"/>
-                  <a:pt x="96" y="66"/>
-                  <a:pt x="96" y="68"/>
-                </a:cubicBezTo>
-                <a:cubicBezTo>
-                  <a:pt x="96" y="70"/>
-                  <a:pt x="98" y="72"/>
-                  <a:pt x="100" y="72"/>
-                </a:cubicBezTo>
-                <a:moveTo>
-                  <a:pt x="100" y="56"/>
-                </a:moveTo>
-                <a:cubicBezTo>
-                  <a:pt x="124" y="56"/>
-                  <a:pt x="124" y="56"/>
-                  <a:pt x="124" y="56"/>
-                </a:cubicBezTo>
-                <a:cubicBezTo>
-                  <a:pt x="126" y="56"/>
-                  <a:pt x="128" y="54"/>
-                  <a:pt x="128" y="52"/>
-                </a:cubicBezTo>
-                <a:cubicBezTo>
-                  <a:pt x="128" y="50"/>
-                  <a:pt x="126" y="48"/>
-                  <a:pt x="124" y="48"/>
-                </a:cubicBezTo>
-                <a:cubicBezTo>
-                  <a:pt x="100" y="48"/>
-                  <a:pt x="100" y="48"/>
-                  <a:pt x="100" y="48"/>
-                </a:cubicBezTo>
-                <a:cubicBezTo>
-                  <a:pt x="98" y="48"/>
-                  <a:pt x="96" y="50"/>
-                  <a:pt x="96" y="52"/>
-                </a:cubicBezTo>
-                <a:cubicBezTo>
-                  <a:pt x="96" y="54"/>
-                  <a:pt x="98" y="56"/>
-                  <a:pt x="100" y="56"/>
-                </a:cubicBezTo>
-                <a:moveTo>
-                  <a:pt x="100" y="88"/>
-                </a:moveTo>
-                <a:cubicBezTo>
-                  <a:pt x="116" y="88"/>
-                  <a:pt x="116" y="88"/>
-                  <a:pt x="116" y="88"/>
-                </a:cubicBezTo>
-                <a:cubicBezTo>
-                  <a:pt x="118" y="88"/>
-                  <a:pt x="120" y="86"/>
-                  <a:pt x="120" y="84"/>
-                </a:cubicBezTo>
-                <a:cubicBezTo>
-                  <a:pt x="120" y="82"/>
-                  <a:pt x="118" y="80"/>
-                  <a:pt x="116" y="80"/>
-                </a:cubicBezTo>
-                <a:cubicBezTo>
-                  <a:pt x="100" y="80"/>
-                  <a:pt x="100" y="80"/>
-                  <a:pt x="100" y="80"/>
-                </a:cubicBezTo>
-                <a:cubicBezTo>
-                  <a:pt x="98" y="80"/>
-                  <a:pt x="96" y="82"/>
-                  <a:pt x="96" y="84"/>
-                </a:cubicBezTo>
-                <a:cubicBezTo>
-                  <a:pt x="96" y="86"/>
-                  <a:pt x="98" y="88"/>
-                  <a:pt x="100" y="88"/>
-                </a:cubicBezTo>
-                <a:moveTo>
-                  <a:pt x="40" y="104"/>
-                </a:moveTo>
-                <a:cubicBezTo>
-                  <a:pt x="72" y="104"/>
-                  <a:pt x="72" y="104"/>
-                  <a:pt x="72" y="104"/>
-                </a:cubicBezTo>
-                <a:cubicBezTo>
-                  <a:pt x="76" y="104"/>
-                  <a:pt x="80" y="100"/>
-                  <a:pt x="80" y="96"/>
-                </a:cubicBezTo>
-                <a:cubicBezTo>
-                  <a:pt x="80" y="56"/>
-                  <a:pt x="80" y="56"/>
-                  <a:pt x="80" y="56"/>
-                </a:cubicBezTo>
-                <a:cubicBezTo>
-                  <a:pt x="80" y="52"/>
-                  <a:pt x="76" y="48"/>
-                  <a:pt x="72" y="48"/>
-                </a:cubicBezTo>
-                <a:cubicBezTo>
-                  <a:pt x="40" y="48"/>
-                  <a:pt x="40" y="48"/>
-                  <a:pt x="40" y="48"/>
-                </a:cubicBezTo>
-                <a:cubicBezTo>
-                  <a:pt x="36" y="48"/>
-                  <a:pt x="32" y="52"/>
-                  <a:pt x="32" y="56"/>
-                </a:cubicBezTo>
-                <a:cubicBezTo>
-                  <a:pt x="32" y="96"/>
-                  <a:pt x="32" y="96"/>
-                  <a:pt x="32" y="96"/>
-                </a:cubicBezTo>
-                <a:cubicBezTo>
-                  <a:pt x="32" y="100"/>
-                  <a:pt x="36" y="104"/>
-                  <a:pt x="40" y="104"/>
-                </a:cubicBezTo>
-                <a:moveTo>
-                  <a:pt x="40" y="56"/>
-                </a:moveTo>
-                <a:cubicBezTo>
-                  <a:pt x="72" y="56"/>
-                  <a:pt x="72" y="56"/>
-                  <a:pt x="72" y="56"/>
-                </a:cubicBezTo>
-                <a:cubicBezTo>
-                  <a:pt x="72" y="96"/>
-                  <a:pt x="72" y="96"/>
-                  <a:pt x="72" y="96"/>
-                </a:cubicBezTo>
-                <a:cubicBezTo>
-                  <a:pt x="40" y="96"/>
-                  <a:pt x="40" y="96"/>
-                  <a:pt x="40" y="96"/>
-                </a:cubicBezTo>
-                <a:lnTo>
-                  <a:pt x="40" y="56"/>
-                </a:lnTo>
-                <a:close/>
-                <a:moveTo>
-                  <a:pt x="100" y="104"/>
-                </a:moveTo>
-                <a:cubicBezTo>
-                  <a:pt x="140" y="104"/>
-                  <a:pt x="140" y="104"/>
-                  <a:pt x="140" y="104"/>
-                </a:cubicBezTo>
-                <a:cubicBezTo>
-                  <a:pt x="142" y="104"/>
-                  <a:pt x="144" y="102"/>
-                  <a:pt x="144" y="100"/>
-                </a:cubicBezTo>
-                <a:cubicBezTo>
-                  <a:pt x="144" y="98"/>
-                  <a:pt x="142" y="96"/>
-                  <a:pt x="140" y="96"/>
-                </a:cubicBezTo>
-                <a:cubicBezTo>
-                  <a:pt x="100" y="96"/>
-                  <a:pt x="100" y="96"/>
-                  <a:pt x="100" y="96"/>
-                </a:cubicBezTo>
-                <a:cubicBezTo>
-                  <a:pt x="98" y="96"/>
-                  <a:pt x="96" y="98"/>
-                  <a:pt x="96" y="100"/>
-                </a:cubicBezTo>
-                <a:cubicBezTo>
-                  <a:pt x="96" y="102"/>
-                  <a:pt x="98" y="104"/>
-                  <a:pt x="100" y="104"/>
-                </a:cubicBezTo>
-                <a:moveTo>
-                  <a:pt x="168" y="8"/>
-                </a:moveTo>
-                <a:cubicBezTo>
-                  <a:pt x="96" y="8"/>
-                  <a:pt x="96" y="8"/>
-                  <a:pt x="96" y="8"/>
-                </a:cubicBezTo>
-                <a:cubicBezTo>
-                  <a:pt x="96" y="4"/>
-                  <a:pt x="92" y="0"/>
-                  <a:pt x="88" y="0"/>
-                </a:cubicBezTo>
-                <a:cubicBezTo>
-                  <a:pt x="84" y="0"/>
-                  <a:pt x="80" y="4"/>
-                  <a:pt x="80" y="8"/>
-                </a:cubicBezTo>
-                <a:cubicBezTo>
-                  <a:pt x="8" y="8"/>
-                  <a:pt x="8" y="8"/>
-                  <a:pt x="8" y="8"/>
-                </a:cubicBezTo>
-                <a:cubicBezTo>
-                  <a:pt x="4" y="8"/>
-                  <a:pt x="0" y="12"/>
-                  <a:pt x="0" y="16"/>
-                </a:cubicBezTo>
-                <a:cubicBezTo>
-                  <a:pt x="0" y="24"/>
-                  <a:pt x="0" y="24"/>
-                  <a:pt x="0" y="24"/>
-                </a:cubicBezTo>
-                <a:cubicBezTo>
-                  <a:pt x="0" y="28"/>
-                  <a:pt x="4" y="32"/>
-                  <a:pt x="8" y="32"/>
-                </a:cubicBezTo>
-                <a:cubicBezTo>
-                  <a:pt x="8" y="128"/>
-                  <a:pt x="8" y="128"/>
-                  <a:pt x="8" y="128"/>
-                </a:cubicBezTo>
-                <a:cubicBezTo>
-                  <a:pt x="8" y="132"/>
-                  <a:pt x="12" y="136"/>
-                  <a:pt x="16" y="136"/>
-                </a:cubicBezTo>
-                <a:cubicBezTo>
-                  <a:pt x="84" y="136"/>
-                  <a:pt x="84" y="136"/>
-                  <a:pt x="84" y="136"/>
-                </a:cubicBezTo>
-                <a:cubicBezTo>
-                  <a:pt x="84" y="146"/>
-                  <a:pt x="84" y="146"/>
-                  <a:pt x="84" y="146"/>
-                </a:cubicBezTo>
-                <a:cubicBezTo>
-                  <a:pt x="61" y="169"/>
-                  <a:pt x="61" y="169"/>
-                  <a:pt x="61" y="169"/>
-                </a:cubicBezTo>
-                <a:cubicBezTo>
-                  <a:pt x="60" y="170"/>
-                  <a:pt x="60" y="171"/>
-                  <a:pt x="60" y="172"/>
-                </a:cubicBezTo>
-                <a:cubicBezTo>
-                  <a:pt x="60" y="174"/>
-                  <a:pt x="62" y="176"/>
-                  <a:pt x="64" y="176"/>
-                </a:cubicBezTo>
-                <a:cubicBezTo>
-                  <a:pt x="65" y="176"/>
-                  <a:pt x="66" y="176"/>
-                  <a:pt x="67" y="175"/>
-                </a:cubicBezTo>
-                <a:cubicBezTo>
-                  <a:pt x="88" y="154"/>
-                  <a:pt x="88" y="154"/>
-                  <a:pt x="88" y="154"/>
-                </a:cubicBezTo>
-                <a:cubicBezTo>
-                  <a:pt x="109" y="175"/>
-                  <a:pt x="109" y="175"/>
-                  <a:pt x="109" y="175"/>
-                </a:cubicBezTo>
-                <a:cubicBezTo>
-                  <a:pt x="110" y="176"/>
-                  <a:pt x="111" y="176"/>
-                  <a:pt x="112" y="176"/>
-                </a:cubicBezTo>
-                <a:cubicBezTo>
-                  <a:pt x="114" y="176"/>
-                  <a:pt x="116" y="174"/>
-                  <a:pt x="116" y="172"/>
-                </a:cubicBezTo>
-                <a:cubicBezTo>
-                  <a:pt x="116" y="171"/>
-                  <a:pt x="116" y="170"/>
-                  <a:pt x="115" y="169"/>
-                </a:cubicBezTo>
-                <a:cubicBezTo>
-                  <a:pt x="92" y="146"/>
-                  <a:pt x="92" y="146"/>
-                  <a:pt x="92" y="146"/>
-                </a:cubicBezTo>
-                <a:cubicBezTo>
-                  <a:pt x="92" y="136"/>
-                  <a:pt x="92" y="136"/>
-                  <a:pt x="92" y="136"/>
-                </a:cubicBezTo>
-                <a:cubicBezTo>
-                  <a:pt x="160" y="136"/>
-                  <a:pt x="160" y="136"/>
-                  <a:pt x="160" y="136"/>
-                </a:cubicBezTo>
-                <a:cubicBezTo>
-                  <a:pt x="164" y="136"/>
-                  <a:pt x="168" y="132"/>
-                  <a:pt x="168" y="128"/>
-                </a:cubicBezTo>
-                <a:cubicBezTo>
-                  <a:pt x="168" y="32"/>
-                  <a:pt x="168" y="32"/>
-                  <a:pt x="168" y="32"/>
-                </a:cubicBezTo>
-                <a:cubicBezTo>
-                  <a:pt x="172" y="32"/>
-                  <a:pt x="176" y="28"/>
-                  <a:pt x="176" y="24"/>
-                </a:cubicBezTo>
-                <a:cubicBezTo>
-                  <a:pt x="176" y="16"/>
-                  <a:pt x="176" y="16"/>
-                  <a:pt x="176" y="16"/>
-                </a:cubicBezTo>
-                <a:cubicBezTo>
-                  <a:pt x="176" y="12"/>
-                  <a:pt x="172" y="8"/>
-                  <a:pt x="168" y="8"/>
-                </a:cubicBezTo>
-                <a:moveTo>
-                  <a:pt x="160" y="128"/>
-                </a:moveTo>
-                <a:cubicBezTo>
-                  <a:pt x="16" y="128"/>
-                  <a:pt x="16" y="128"/>
-                  <a:pt x="16" y="128"/>
-                </a:cubicBezTo>
-                <a:cubicBezTo>
-                  <a:pt x="16" y="32"/>
-                  <a:pt x="16" y="32"/>
-                  <a:pt x="16" y="32"/>
-                </a:cubicBezTo>
-                <a:cubicBezTo>
-                  <a:pt x="160" y="32"/>
-                  <a:pt x="160" y="32"/>
-                  <a:pt x="160" y="32"/>
-                </a:cubicBezTo>
-                <a:lnTo>
-                  <a:pt x="160" y="128"/>
-                </a:lnTo>
-                <a:close/>
-                <a:moveTo>
-                  <a:pt x="168" y="24"/>
-                </a:moveTo>
-                <a:cubicBezTo>
-                  <a:pt x="8" y="24"/>
-                  <a:pt x="8" y="24"/>
-                  <a:pt x="8" y="24"/>
-                </a:cubicBezTo>
-                <a:cubicBezTo>
-                  <a:pt x="8" y="16"/>
-                  <a:pt x="8" y="16"/>
-                  <a:pt x="8" y="16"/>
-                </a:cubicBezTo>
-                <a:cubicBezTo>
-                  <a:pt x="168" y="16"/>
-                  <a:pt x="168" y="16"/>
-                  <a:pt x="168" y="16"/>
-                </a:cubicBezTo>
-                <a:lnTo>
-                  <a:pt x="168" y="24"/>
-                </a:lnTo>
-                <a:close/>
-              </a:path>
-            </a:pathLst>
-          </a:custGeom>
-          <a:solidFill>
-            <a:schemeClr val="bg1"/>
-          </a:solidFill>
-          <a:ln>
-            <a:noFill/>
-          </a:ln>
-        </p:spPr>
-        <p:txBody>
-          <a:bodyPr vert="horz" wrap="square" lIns="91440" tIns="45720" rIns="91440" bIns="45720" numCol="1" anchor="t" anchorCtr="0" compatLnSpc="1">
-            <a:prstTxWarp prst="textNoShape">
-              <a:avLst/>
-            </a:prstTxWarp>
-          </a:bodyPr>
-          <a:lstStyle/>
-          <a:p>
-            <a:endParaRPr lang="uk-UA"/>
-          </a:p>
-        </p:txBody>
-      </p:sp>
-    </p:spTree>
-    <p:extLst>
-      <p:ext uri="{BB962C8B-B14F-4D97-AF65-F5344CB8AC3E}">
-        <p14:creationId xmlns:p14="http://schemas.microsoft.com/office/powerpoint/2010/main" val="2174829691"/>
-      </p:ext>
-    </p:extLst>
-  </p:cSld>
-  <p:clrMapOvr>
-    <a:masterClrMapping/>
-  </p:clrMapOvr>
-</p:sld>
-</file>
-
-<file path=ppt/slides/slide5.xml><?xml version="1.0" encoding="utf-8"?>
-<p:sld xmlns:a="http://schemas.openxmlformats.org/drawingml/2006/main" xmlns:r="http://schemas.openxmlformats.org/officeDocument/2006/relationships" xmlns:p="http://schemas.openxmlformats.org/presentationml/2006/main">
-  <p:cSld>
-    <p:spTree>
-      <p:nvGrpSpPr>
-        <p:cNvPr id="1" name=""/>
-        <p:cNvGrpSpPr/>
-        <p:nvPr/>
-      </p:nvGrpSpPr>
-      <p:grpSpPr>
-        <a:xfrm>
-          <a:off x="0" y="0"/>
-          <a:ext cx="0" cy="0"/>
-          <a:chOff x="0" y="0"/>
-          <a:chExt cx="0" cy="0"/>
-        </a:xfrm>
-      </p:grpSpPr>
       <p:grpSp>
         <p:nvGrpSpPr>
           <p:cNvPr id="8" name="Gruppieren 4">
             <a:extLst>
               <a:ext uri="{FF2B5EF4-FFF2-40B4-BE49-F238E27FC236}">
-                <a16:creationId xmlns:a16="http://schemas.microsoft.com/office/drawing/2014/main" id="{1BA90577-2CCF-4E4D-82E2-DD9F452B8E98}"/>
+                <a16:creationId xmlns:a16="http://schemas.microsoft.com/office/drawing/2014/main" xmlns="" id="{1BA90577-2CCF-4E4D-82E2-DD9F452B8E98}"/>
               </a:ext>
             </a:extLst>
           </p:cNvPr>
@@ -18843,7 +15058,7 @@
             <p:cNvPr id="9" name="Freihandform 5" descr="&#10;&#10;&#10;&#10;&#10;&#10;&#10;&#10;&#10;&#10;&#10;&#10;&#10;&#10;&#10;&#10;&#10;&#10;&#10;&#10;&#10;&#10;&#10;&#10;&#10;&#10;&#10;&#10;&#10;&#10;&#10;&#10;&#10;&#10;&#10;&#10;&#10;&#10;&#10;&#10;&#10;&#10;&#10;&#10;&#10;&#10;&#10;&#10;&#10;&#10;&#10;&#10;&#10;&#10;&#10;&#10;&#10;&#10;&#10;www.PresentationLoad.com">
               <a:extLst>
                 <a:ext uri="{FF2B5EF4-FFF2-40B4-BE49-F238E27FC236}">
-                  <a16:creationId xmlns:a16="http://schemas.microsoft.com/office/drawing/2014/main" id="{155825F0-24C4-48A8-9B7B-4AE28A7B8DFB}"/>
+                  <a16:creationId xmlns:a16="http://schemas.microsoft.com/office/drawing/2014/main" xmlns="" id="{155825F0-24C4-48A8-9B7B-4AE28A7B8DFB}"/>
                 </a:ext>
               </a:extLst>
             </p:cNvPr>
@@ -18944,7 +15159,7 @@
             <p:cNvPr id="10" name="Freihandform 6" descr="&#10;&#10;&#10;&#10;&#10;&#10;&#10;&#10;&#10;&#10;&#10;&#10;&#10;&#10;&#10;&#10;&#10;&#10;&#10;&#10;&#10;&#10;&#10;&#10;&#10;&#10;&#10;&#10;&#10;&#10;&#10;&#10;&#10;&#10;&#10;&#10;&#10;&#10;&#10;&#10;&#10;&#10;&#10;&#10;&#10;&#10;&#10;&#10;&#10;&#10;&#10;&#10;&#10;&#10;&#10;&#10;&#10;&#10;&#10;www.PresentationLoad.com">
               <a:extLst>
                 <a:ext uri="{FF2B5EF4-FFF2-40B4-BE49-F238E27FC236}">
-                  <a16:creationId xmlns:a16="http://schemas.microsoft.com/office/drawing/2014/main" id="{EB9D2558-830C-43C7-8E83-393015EABD58}"/>
+                  <a16:creationId xmlns:a16="http://schemas.microsoft.com/office/drawing/2014/main" xmlns="" id="{EB9D2558-830C-43C7-8E83-393015EABD58}"/>
                 </a:ext>
               </a:extLst>
             </p:cNvPr>
@@ -19093,7 +15308,7 @@
             <p:cNvPr id="11" name="Freihandform 7" descr="&#10;&#10;&#10;&#10;&#10;&#10;&#10;&#10;&#10;&#10;&#10;&#10;&#10;&#10;&#10;&#10;&#10;&#10;&#10;&#10;&#10;&#10;&#10;&#10;&#10;&#10;&#10;&#10;&#10;&#10;&#10;&#10;&#10;&#10;&#10;&#10;&#10;&#10;&#10;&#10;&#10;&#10;&#10;&#10;&#10;&#10;&#10;&#10;&#10;&#10;&#10;&#10;&#10;&#10;&#10;&#10;&#10;&#10;&#10;www.PresentationLoad.com">
               <a:extLst>
                 <a:ext uri="{FF2B5EF4-FFF2-40B4-BE49-F238E27FC236}">
-                  <a16:creationId xmlns:a16="http://schemas.microsoft.com/office/drawing/2014/main" id="{1CEDD39E-EDA7-4673-BA26-C16684D0E43B}"/>
+                  <a16:creationId xmlns:a16="http://schemas.microsoft.com/office/drawing/2014/main" xmlns="" id="{1CEDD39E-EDA7-4673-BA26-C16684D0E43B}"/>
                 </a:ext>
               </a:extLst>
             </p:cNvPr>
@@ -19242,7 +15457,7 @@
             <p:cNvPr id="12" name="Freihandform 8">
               <a:extLst>
                 <a:ext uri="{FF2B5EF4-FFF2-40B4-BE49-F238E27FC236}">
-                  <a16:creationId xmlns:a16="http://schemas.microsoft.com/office/drawing/2014/main" id="{145B20A9-1B53-41B8-807F-521AF95F668C}"/>
+                  <a16:creationId xmlns:a16="http://schemas.microsoft.com/office/drawing/2014/main" xmlns="" id="{145B20A9-1B53-41B8-807F-521AF95F668C}"/>
                 </a:ext>
               </a:extLst>
             </p:cNvPr>
@@ -19407,6 +15622,10 @@
               </a:rPr>
               <a:t>our</a:t>
             </a:r>
+            <a:r>
+              <a:rPr lang="en-US" dirty="0"/>
+              <a:t/>
+            </a:r>
             <a:br>
               <a:rPr lang="en-US" dirty="0"/>
             </a:br>
@@ -19448,7 +15667,7 @@
             <a:fld id="{37D409AB-2201-4E18-8A34-C31753AD9B06}" type="slidenum">
               <a:rPr smtClean="0"/>
               <a:pPr algn="l"/>
-              <a:t>5</a:t>
+              <a:t>4</a:t>
             </a:fld>
             <a:endParaRPr/>
           </a:p>
@@ -19459,7 +15678,7 @@
           <p:cNvPr id="13" name="Group 12">
             <a:extLst>
               <a:ext uri="{FF2B5EF4-FFF2-40B4-BE49-F238E27FC236}">
-                <a16:creationId xmlns:a16="http://schemas.microsoft.com/office/drawing/2014/main" id="{D2051AA3-0795-46CD-99E8-5BDC746AC229}"/>
+                <a16:creationId xmlns:a16="http://schemas.microsoft.com/office/drawing/2014/main" xmlns="" id="{D2051AA3-0795-46CD-99E8-5BDC746AC229}"/>
               </a:ext>
             </a:extLst>
           </p:cNvPr>
@@ -19479,7 +15698,7 @@
             <p:cNvPr id="14" name="Group 13">
               <a:extLst>
                 <a:ext uri="{FF2B5EF4-FFF2-40B4-BE49-F238E27FC236}">
-                  <a16:creationId xmlns:a16="http://schemas.microsoft.com/office/drawing/2014/main" id="{3AEF5A68-2069-4705-9AA7-8913253BADA6}"/>
+                  <a16:creationId xmlns:a16="http://schemas.microsoft.com/office/drawing/2014/main" xmlns="" id="{3AEF5A68-2069-4705-9AA7-8913253BADA6}"/>
                 </a:ext>
               </a:extLst>
             </p:cNvPr>
@@ -19499,7 +15718,7 @@
               <p:cNvPr id="17" name="Rectangle 16">
                 <a:extLst>
                   <a:ext uri="{FF2B5EF4-FFF2-40B4-BE49-F238E27FC236}">
-                    <a16:creationId xmlns:a16="http://schemas.microsoft.com/office/drawing/2014/main" id="{62E80C16-A013-4519-90C1-AB8A92917324}"/>
+                    <a16:creationId xmlns:a16="http://schemas.microsoft.com/office/drawing/2014/main" xmlns="" id="{62E80C16-A013-4519-90C1-AB8A92917324}"/>
                   </a:ext>
                 </a:extLst>
               </p:cNvPr>
@@ -19560,7 +15779,7 @@
               <p:cNvPr id="18" name="Isosceles Triangle 17">
                 <a:extLst>
                   <a:ext uri="{FF2B5EF4-FFF2-40B4-BE49-F238E27FC236}">
-                    <a16:creationId xmlns:a16="http://schemas.microsoft.com/office/drawing/2014/main" id="{F7F6AB4A-86CC-404C-A44E-21FDAAB58BBB}"/>
+                    <a16:creationId xmlns:a16="http://schemas.microsoft.com/office/drawing/2014/main" xmlns="" id="{F7F6AB4A-86CC-404C-A44E-21FDAAB58BBB}"/>
                   </a:ext>
                 </a:extLst>
               </p:cNvPr>
@@ -19622,7 +15841,7 @@
             <p:cNvPr id="16" name="TextBox 15">
               <a:extLst>
                 <a:ext uri="{FF2B5EF4-FFF2-40B4-BE49-F238E27FC236}">
-                  <a16:creationId xmlns:a16="http://schemas.microsoft.com/office/drawing/2014/main" id="{92FF43F9-08E8-46B5-BF0C-16EC3392911E}"/>
+                  <a16:creationId xmlns:a16="http://schemas.microsoft.com/office/drawing/2014/main" xmlns="" id="{92FF43F9-08E8-46B5-BF0C-16EC3392911E}"/>
                 </a:ext>
               </a:extLst>
             </p:cNvPr>
@@ -19674,10 +15893,17 @@
   <p:clrMapOvr>
     <a:masterClrMapping/>
   </p:clrMapOvr>
+  <p:timing>
+    <p:tnLst>
+      <p:par>
+        <p:cTn id="1" dur="indefinite" restart="never" nodeType="tmRoot"/>
+      </p:par>
+    </p:tnLst>
+  </p:timing>
 </p:sld>
 </file>
 
-<file path=ppt/slides/slide6.xml><?xml version="1.0" encoding="utf-8"?>
+<file path=ppt/slides/slide5.xml><?xml version="1.0" encoding="utf-8"?>
 <p:sld xmlns:a="http://schemas.openxmlformats.org/drawingml/2006/main" xmlns:r="http://schemas.openxmlformats.org/officeDocument/2006/relationships" xmlns:p="http://schemas.openxmlformats.org/presentationml/2006/main">
   <p:cSld>
     <p:spTree>
@@ -19699,7 +15925,7 @@
           <p:cNvPr id="23" name="Oval 22">
             <a:extLst>
               <a:ext uri="{FF2B5EF4-FFF2-40B4-BE49-F238E27FC236}">
-                <a16:creationId xmlns:a16="http://schemas.microsoft.com/office/drawing/2014/main" id="{58DEAF11-7D61-4D56-AB40-4901991BA641}"/>
+                <a16:creationId xmlns:a16="http://schemas.microsoft.com/office/drawing/2014/main" xmlns="" id="{58DEAF11-7D61-4D56-AB40-4901991BA641}"/>
               </a:ext>
             </a:extLst>
           </p:cNvPr>
@@ -19859,19 +16085,23 @@
           <a:lstStyle/>
           <a:p>
             <a:r>
+              <a:rPr lang="en-US" dirty="0" smtClean="0"/>
+              <a:t>price</a:t>
+            </a:r>
+            <a:r>
               <a:rPr lang="en-US" dirty="0"/>
-              <a:t>feature</a:t>
+              <a:t/>
             </a:r>
             <a:br>
               <a:rPr lang="en-US" dirty="0"/>
             </a:br>
             <a:r>
-              <a:rPr lang="en-US" dirty="0">
+              <a:rPr lang="en-US" dirty="0" smtClean="0">
                 <a:solidFill>
                   <a:schemeClr val="accent1"/>
                 </a:solidFill>
               </a:rPr>
-              <a:t>selection</a:t>
+              <a:t>predictors</a:t>
             </a:r>
             <a:endParaRPr lang="uk-UA" dirty="0">
               <a:solidFill>
@@ -19911,7 +16141,7 @@
             <a:fld id="{37D409AB-2201-4E18-8A34-C31753AD9B06}" type="slidenum">
               <a:rPr smtClean="0"/>
               <a:pPr algn="l"/>
-              <a:t>6</a:t>
+              <a:t>5</a:t>
             </a:fld>
             <a:endParaRPr/>
           </a:p>
@@ -19925,7 +16155,7 @@
         </p:nvSpPr>
         <p:spPr>
           <a:xfrm>
-            <a:off x="7240682" y="1790046"/>
+            <a:off x="7240682" y="2211169"/>
             <a:ext cx="1905000" cy="646331"/>
           </a:xfrm>
           <a:prstGeom prst="rect">
@@ -20052,7 +16282,7 @@
           <p:cNvPr id="18" name="Straight Connector 17">
             <a:extLst>
               <a:ext uri="{FF2B5EF4-FFF2-40B4-BE49-F238E27FC236}">
-                <a16:creationId xmlns:a16="http://schemas.microsoft.com/office/drawing/2014/main" id="{CE9307CB-3D7D-410C-ADC4-226808ACB5B0}"/>
+                <a16:creationId xmlns:a16="http://schemas.microsoft.com/office/drawing/2014/main" xmlns="" id="{CE9307CB-3D7D-410C-ADC4-226808ACB5B0}"/>
               </a:ext>
             </a:extLst>
           </p:cNvPr>
@@ -20098,7 +16328,7 @@
           <p:cNvPr id="22" name="Straight Connector 21">
             <a:extLst>
               <a:ext uri="{FF2B5EF4-FFF2-40B4-BE49-F238E27FC236}">
-                <a16:creationId xmlns:a16="http://schemas.microsoft.com/office/drawing/2014/main" id="{AE619179-CDC0-4193-9D21-F00737DB4E5A}"/>
+                <a16:creationId xmlns:a16="http://schemas.microsoft.com/office/drawing/2014/main" xmlns="" id="{AE619179-CDC0-4193-9D21-F00737DB4E5A}"/>
               </a:ext>
             </a:extLst>
           </p:cNvPr>
@@ -20145,7 +16375,7 @@
           <p:cNvPr id="28" name="Oval 27">
             <a:extLst>
               <a:ext uri="{FF2B5EF4-FFF2-40B4-BE49-F238E27FC236}">
-                <a16:creationId xmlns:a16="http://schemas.microsoft.com/office/drawing/2014/main" id="{B1EE59E2-CF39-459A-AB19-7D877F83DED4}"/>
+                <a16:creationId xmlns:a16="http://schemas.microsoft.com/office/drawing/2014/main" xmlns="" id="{B1EE59E2-CF39-459A-AB19-7D877F83DED4}"/>
               </a:ext>
             </a:extLst>
           </p:cNvPr>
@@ -20208,7 +16438,7 @@
           <p:cNvPr id="29" name="Rectangle 28">
             <a:extLst>
               <a:ext uri="{FF2B5EF4-FFF2-40B4-BE49-F238E27FC236}">
-                <a16:creationId xmlns:a16="http://schemas.microsoft.com/office/drawing/2014/main" id="{544C06A7-17A1-409D-A8F8-8EC350882BDA}"/>
+                <a16:creationId xmlns:a16="http://schemas.microsoft.com/office/drawing/2014/main" xmlns="" id="{544C06A7-17A1-409D-A8F8-8EC350882BDA}"/>
               </a:ext>
             </a:extLst>
           </p:cNvPr>
@@ -20217,7 +16447,7 @@
         </p:nvSpPr>
         <p:spPr>
           <a:xfrm>
-            <a:off x="7050740" y="4820334"/>
+            <a:off x="7126940" y="4820334"/>
             <a:ext cx="2017060" cy="646331"/>
           </a:xfrm>
           <a:prstGeom prst="rect">
@@ -20247,7 +16477,7 @@
           <p:cNvPr id="31" name="Straight Connector 30">
             <a:extLst>
               <a:ext uri="{FF2B5EF4-FFF2-40B4-BE49-F238E27FC236}">
-                <a16:creationId xmlns:a16="http://schemas.microsoft.com/office/drawing/2014/main" id="{6CB5A5BA-88A4-4B65-9D23-77E8AB89D4EB}"/>
+                <a16:creationId xmlns:a16="http://schemas.microsoft.com/office/drawing/2014/main" xmlns="" id="{6CB5A5BA-88A4-4B65-9D23-77E8AB89D4EB}"/>
               </a:ext>
             </a:extLst>
           </p:cNvPr>
@@ -20294,7 +16524,7 @@
           <p:cNvPr id="32" name="Oval 31">
             <a:extLst>
               <a:ext uri="{FF2B5EF4-FFF2-40B4-BE49-F238E27FC236}">
-                <a16:creationId xmlns:a16="http://schemas.microsoft.com/office/drawing/2014/main" id="{AB8C4BF6-9A70-456A-B0B7-2E4000DA2180}"/>
+                <a16:creationId xmlns:a16="http://schemas.microsoft.com/office/drawing/2014/main" xmlns="" id="{AB8C4BF6-9A70-456A-B0B7-2E4000DA2180}"/>
               </a:ext>
             </a:extLst>
           </p:cNvPr>
@@ -20357,7 +16587,7 @@
           <p:cNvPr id="33" name="Rectangle 32">
             <a:extLst>
               <a:ext uri="{FF2B5EF4-FFF2-40B4-BE49-F238E27FC236}">
-                <a16:creationId xmlns:a16="http://schemas.microsoft.com/office/drawing/2014/main" id="{EE1C66D0-C51E-4C3C-AC74-5F170469A329}"/>
+                <a16:creationId xmlns:a16="http://schemas.microsoft.com/office/drawing/2014/main" xmlns="" id="{EE1C66D0-C51E-4C3C-AC74-5F170469A329}"/>
               </a:ext>
             </a:extLst>
           </p:cNvPr>
@@ -20366,7 +16596,7 @@
         </p:nvSpPr>
         <p:spPr>
           <a:xfrm>
-            <a:off x="7189694" y="7850623"/>
+            <a:off x="7239000" y="8154769"/>
             <a:ext cx="1905000" cy="646331"/>
           </a:xfrm>
           <a:prstGeom prst="rect">
@@ -20396,7 +16626,7 @@
           <p:cNvPr id="39" name="TextBox 38">
             <a:extLst>
               <a:ext uri="{FF2B5EF4-FFF2-40B4-BE49-F238E27FC236}">
-                <a16:creationId xmlns:a16="http://schemas.microsoft.com/office/drawing/2014/main" id="{CE22FDDC-35B7-4CAE-9BF8-684AE87F865D}"/>
+                <a16:creationId xmlns:a16="http://schemas.microsoft.com/office/drawing/2014/main" xmlns="" id="{CE22FDDC-35B7-4CAE-9BF8-684AE87F865D}"/>
               </a:ext>
             </a:extLst>
           </p:cNvPr>
@@ -20470,7 +16700,7 @@
           <p:cNvPr id="40" name="TextBox 39">
             <a:extLst>
               <a:ext uri="{FF2B5EF4-FFF2-40B4-BE49-F238E27FC236}">
-                <a16:creationId xmlns:a16="http://schemas.microsoft.com/office/drawing/2014/main" id="{E5D6C99D-228B-4972-931A-AE10FFCBC1AC}"/>
+                <a16:creationId xmlns:a16="http://schemas.microsoft.com/office/drawing/2014/main" xmlns="" id="{E5D6C99D-228B-4972-931A-AE10FFCBC1AC}"/>
               </a:ext>
             </a:extLst>
           </p:cNvPr>
@@ -20578,6 +16808,756 @@
                 <a:schemeClr val="tx2"/>
               </a:solidFill>
             </a:endParaRPr>
+          </a:p>
+        </p:txBody>
+      </p:sp>
+      <p:sp>
+        <p:nvSpPr>
+          <p:cNvPr id="20" name="Freeform 295"/>
+          <p:cNvSpPr>
+            <a:spLocks noEditPoints="1"/>
+          </p:cNvSpPr>
+          <p:nvPr/>
+        </p:nvSpPr>
+        <p:spPr bwMode="auto">
+          <a:xfrm>
+            <a:off x="7806626" y="1333500"/>
+            <a:ext cx="541148" cy="737927"/>
+          </a:xfrm>
+          <a:custGeom>
+            <a:avLst/>
+            <a:gdLst>
+              <a:gd name="T0" fmla="*/ 64 w 128"/>
+              <a:gd name="T1" fmla="*/ 0 h 176"/>
+              <a:gd name="T2" fmla="*/ 0 w 128"/>
+              <a:gd name="T3" fmla="*/ 64 h 176"/>
+              <a:gd name="T4" fmla="*/ 64 w 128"/>
+              <a:gd name="T5" fmla="*/ 176 h 176"/>
+              <a:gd name="T6" fmla="*/ 128 w 128"/>
+              <a:gd name="T7" fmla="*/ 64 h 176"/>
+              <a:gd name="T8" fmla="*/ 64 w 128"/>
+              <a:gd name="T9" fmla="*/ 0 h 176"/>
+              <a:gd name="T10" fmla="*/ 64 w 128"/>
+              <a:gd name="T11" fmla="*/ 164 h 176"/>
+              <a:gd name="T12" fmla="*/ 8 w 128"/>
+              <a:gd name="T13" fmla="*/ 64 h 176"/>
+              <a:gd name="T14" fmla="*/ 64 w 128"/>
+              <a:gd name="T15" fmla="*/ 8 h 176"/>
+              <a:gd name="T16" fmla="*/ 120 w 128"/>
+              <a:gd name="T17" fmla="*/ 64 h 176"/>
+              <a:gd name="T18" fmla="*/ 64 w 128"/>
+              <a:gd name="T19" fmla="*/ 164 h 176"/>
+              <a:gd name="T20" fmla="*/ 64 w 128"/>
+              <a:gd name="T21" fmla="*/ 32 h 176"/>
+              <a:gd name="T22" fmla="*/ 32 w 128"/>
+              <a:gd name="T23" fmla="*/ 64 h 176"/>
+              <a:gd name="T24" fmla="*/ 64 w 128"/>
+              <a:gd name="T25" fmla="*/ 96 h 176"/>
+              <a:gd name="T26" fmla="*/ 96 w 128"/>
+              <a:gd name="T27" fmla="*/ 64 h 176"/>
+              <a:gd name="T28" fmla="*/ 64 w 128"/>
+              <a:gd name="T29" fmla="*/ 32 h 176"/>
+              <a:gd name="T30" fmla="*/ 64 w 128"/>
+              <a:gd name="T31" fmla="*/ 88 h 176"/>
+              <a:gd name="T32" fmla="*/ 40 w 128"/>
+              <a:gd name="T33" fmla="*/ 64 h 176"/>
+              <a:gd name="T34" fmla="*/ 64 w 128"/>
+              <a:gd name="T35" fmla="*/ 40 h 176"/>
+              <a:gd name="T36" fmla="*/ 88 w 128"/>
+              <a:gd name="T37" fmla="*/ 64 h 176"/>
+              <a:gd name="T38" fmla="*/ 64 w 128"/>
+              <a:gd name="T39" fmla="*/ 88 h 176"/>
+            </a:gdLst>
+            <a:ahLst/>
+            <a:cxnLst>
+              <a:cxn ang="0">
+                <a:pos x="T0" y="T1"/>
+              </a:cxn>
+              <a:cxn ang="0">
+                <a:pos x="T2" y="T3"/>
+              </a:cxn>
+              <a:cxn ang="0">
+                <a:pos x="T4" y="T5"/>
+              </a:cxn>
+              <a:cxn ang="0">
+                <a:pos x="T6" y="T7"/>
+              </a:cxn>
+              <a:cxn ang="0">
+                <a:pos x="T8" y="T9"/>
+              </a:cxn>
+              <a:cxn ang="0">
+                <a:pos x="T10" y="T11"/>
+              </a:cxn>
+              <a:cxn ang="0">
+                <a:pos x="T12" y="T13"/>
+              </a:cxn>
+              <a:cxn ang="0">
+                <a:pos x="T14" y="T15"/>
+              </a:cxn>
+              <a:cxn ang="0">
+                <a:pos x="T16" y="T17"/>
+              </a:cxn>
+              <a:cxn ang="0">
+                <a:pos x="T18" y="T19"/>
+              </a:cxn>
+              <a:cxn ang="0">
+                <a:pos x="T20" y="T21"/>
+              </a:cxn>
+              <a:cxn ang="0">
+                <a:pos x="T22" y="T23"/>
+              </a:cxn>
+              <a:cxn ang="0">
+                <a:pos x="T24" y="T25"/>
+              </a:cxn>
+              <a:cxn ang="0">
+                <a:pos x="T26" y="T27"/>
+              </a:cxn>
+              <a:cxn ang="0">
+                <a:pos x="T28" y="T29"/>
+              </a:cxn>
+              <a:cxn ang="0">
+                <a:pos x="T30" y="T31"/>
+              </a:cxn>
+              <a:cxn ang="0">
+                <a:pos x="T32" y="T33"/>
+              </a:cxn>
+              <a:cxn ang="0">
+                <a:pos x="T34" y="T35"/>
+              </a:cxn>
+              <a:cxn ang="0">
+                <a:pos x="T36" y="T37"/>
+              </a:cxn>
+              <a:cxn ang="0">
+                <a:pos x="T38" y="T39"/>
+              </a:cxn>
+            </a:cxnLst>
+            <a:rect l="0" t="0" r="r" b="b"/>
+            <a:pathLst>
+              <a:path w="128" h="176">
+                <a:moveTo>
+                  <a:pt x="64" y="0"/>
+                </a:moveTo>
+                <a:cubicBezTo>
+                  <a:pt x="29" y="0"/>
+                  <a:pt x="0" y="29"/>
+                  <a:pt x="0" y="64"/>
+                </a:cubicBezTo>
+                <a:cubicBezTo>
+                  <a:pt x="0" y="116"/>
+                  <a:pt x="64" y="176"/>
+                  <a:pt x="64" y="176"/>
+                </a:cubicBezTo>
+                <a:cubicBezTo>
+                  <a:pt x="64" y="176"/>
+                  <a:pt x="128" y="116"/>
+                  <a:pt x="128" y="64"/>
+                </a:cubicBezTo>
+                <a:cubicBezTo>
+                  <a:pt x="128" y="29"/>
+                  <a:pt x="99" y="0"/>
+                  <a:pt x="64" y="0"/>
+                </a:cubicBezTo>
+                <a:moveTo>
+                  <a:pt x="64" y="164"/>
+                </a:moveTo>
+                <a:cubicBezTo>
+                  <a:pt x="64" y="164"/>
+                  <a:pt x="8" y="112"/>
+                  <a:pt x="8" y="64"/>
+                </a:cubicBezTo>
+                <a:cubicBezTo>
+                  <a:pt x="8" y="33"/>
+                  <a:pt x="33" y="8"/>
+                  <a:pt x="64" y="8"/>
+                </a:cubicBezTo>
+                <a:cubicBezTo>
+                  <a:pt x="95" y="8"/>
+                  <a:pt x="120" y="33"/>
+                  <a:pt x="120" y="64"/>
+                </a:cubicBezTo>
+                <a:cubicBezTo>
+                  <a:pt x="120" y="112"/>
+                  <a:pt x="64" y="164"/>
+                  <a:pt x="64" y="164"/>
+                </a:cubicBezTo>
+                <a:moveTo>
+                  <a:pt x="64" y="32"/>
+                </a:moveTo>
+                <a:cubicBezTo>
+                  <a:pt x="46" y="32"/>
+                  <a:pt x="32" y="46"/>
+                  <a:pt x="32" y="64"/>
+                </a:cubicBezTo>
+                <a:cubicBezTo>
+                  <a:pt x="32" y="82"/>
+                  <a:pt x="46" y="96"/>
+                  <a:pt x="64" y="96"/>
+                </a:cubicBezTo>
+                <a:cubicBezTo>
+                  <a:pt x="82" y="96"/>
+                  <a:pt x="96" y="82"/>
+                  <a:pt x="96" y="64"/>
+                </a:cubicBezTo>
+                <a:cubicBezTo>
+                  <a:pt x="96" y="46"/>
+                  <a:pt x="82" y="32"/>
+                  <a:pt x="64" y="32"/>
+                </a:cubicBezTo>
+                <a:moveTo>
+                  <a:pt x="64" y="88"/>
+                </a:moveTo>
+                <a:cubicBezTo>
+                  <a:pt x="51" y="88"/>
+                  <a:pt x="40" y="77"/>
+                  <a:pt x="40" y="64"/>
+                </a:cubicBezTo>
+                <a:cubicBezTo>
+                  <a:pt x="40" y="51"/>
+                  <a:pt x="51" y="40"/>
+                  <a:pt x="64" y="40"/>
+                </a:cubicBezTo>
+                <a:cubicBezTo>
+                  <a:pt x="77" y="40"/>
+                  <a:pt x="88" y="51"/>
+                  <a:pt x="88" y="64"/>
+                </a:cubicBezTo>
+                <a:cubicBezTo>
+                  <a:pt x="88" y="77"/>
+                  <a:pt x="77" y="88"/>
+                  <a:pt x="64" y="88"/>
+                </a:cubicBezTo>
+              </a:path>
+            </a:pathLst>
+          </a:custGeom>
+          <a:solidFill>
+            <a:schemeClr val="tx1"/>
+          </a:solidFill>
+          <a:ln>
+            <a:solidFill>
+              <a:schemeClr val="tx1"/>
+            </a:solidFill>
+          </a:ln>
+        </p:spPr>
+        <p:txBody>
+          <a:bodyPr vert="horz" wrap="square" lIns="91440" tIns="45720" rIns="91440" bIns="45720" numCol="1" anchor="t" anchorCtr="0" compatLnSpc="1">
+            <a:prstTxWarp prst="textNoShape">
+              <a:avLst/>
+            </a:prstTxWarp>
+          </a:bodyPr>
+          <a:lstStyle/>
+          <a:p>
+            <a:endParaRPr lang="uk-UA"/>
+          </a:p>
+        </p:txBody>
+      </p:sp>
+      <p:sp>
+        <p:nvSpPr>
+          <p:cNvPr id="21" name="Freeform 98"/>
+          <p:cNvSpPr>
+            <a:spLocks noEditPoints="1"/>
+          </p:cNvSpPr>
+          <p:nvPr/>
+        </p:nvSpPr>
+        <p:spPr bwMode="auto">
+          <a:xfrm>
+            <a:off x="7769480" y="7423841"/>
+            <a:ext cx="536320" cy="452889"/>
+          </a:xfrm>
+          <a:custGeom>
+            <a:avLst/>
+            <a:gdLst>
+              <a:gd name="T0" fmla="*/ 12 w 176"/>
+              <a:gd name="T1" fmla="*/ 80 h 144"/>
+              <a:gd name="T2" fmla="*/ 0 w 176"/>
+              <a:gd name="T3" fmla="*/ 92 h 144"/>
+              <a:gd name="T4" fmla="*/ 12 w 176"/>
+              <a:gd name="T5" fmla="*/ 104 h 144"/>
+              <a:gd name="T6" fmla="*/ 24 w 176"/>
+              <a:gd name="T7" fmla="*/ 92 h 144"/>
+              <a:gd name="T8" fmla="*/ 12 w 176"/>
+              <a:gd name="T9" fmla="*/ 80 h 144"/>
+              <a:gd name="T10" fmla="*/ 12 w 176"/>
+              <a:gd name="T11" fmla="*/ 40 h 144"/>
+              <a:gd name="T12" fmla="*/ 0 w 176"/>
+              <a:gd name="T13" fmla="*/ 52 h 144"/>
+              <a:gd name="T14" fmla="*/ 12 w 176"/>
+              <a:gd name="T15" fmla="*/ 64 h 144"/>
+              <a:gd name="T16" fmla="*/ 24 w 176"/>
+              <a:gd name="T17" fmla="*/ 52 h 144"/>
+              <a:gd name="T18" fmla="*/ 12 w 176"/>
+              <a:gd name="T19" fmla="*/ 40 h 144"/>
+              <a:gd name="T20" fmla="*/ 12 w 176"/>
+              <a:gd name="T21" fmla="*/ 120 h 144"/>
+              <a:gd name="T22" fmla="*/ 0 w 176"/>
+              <a:gd name="T23" fmla="*/ 132 h 144"/>
+              <a:gd name="T24" fmla="*/ 12 w 176"/>
+              <a:gd name="T25" fmla="*/ 144 h 144"/>
+              <a:gd name="T26" fmla="*/ 24 w 176"/>
+              <a:gd name="T27" fmla="*/ 132 h 144"/>
+              <a:gd name="T28" fmla="*/ 12 w 176"/>
+              <a:gd name="T29" fmla="*/ 120 h 144"/>
+              <a:gd name="T30" fmla="*/ 44 w 176"/>
+              <a:gd name="T31" fmla="*/ 16 h 144"/>
+              <a:gd name="T32" fmla="*/ 172 w 176"/>
+              <a:gd name="T33" fmla="*/ 16 h 144"/>
+              <a:gd name="T34" fmla="*/ 176 w 176"/>
+              <a:gd name="T35" fmla="*/ 12 h 144"/>
+              <a:gd name="T36" fmla="*/ 172 w 176"/>
+              <a:gd name="T37" fmla="*/ 8 h 144"/>
+              <a:gd name="T38" fmla="*/ 44 w 176"/>
+              <a:gd name="T39" fmla="*/ 8 h 144"/>
+              <a:gd name="T40" fmla="*/ 40 w 176"/>
+              <a:gd name="T41" fmla="*/ 12 h 144"/>
+              <a:gd name="T42" fmla="*/ 44 w 176"/>
+              <a:gd name="T43" fmla="*/ 16 h 144"/>
+              <a:gd name="T44" fmla="*/ 172 w 176"/>
+              <a:gd name="T45" fmla="*/ 128 h 144"/>
+              <a:gd name="T46" fmla="*/ 44 w 176"/>
+              <a:gd name="T47" fmla="*/ 128 h 144"/>
+              <a:gd name="T48" fmla="*/ 40 w 176"/>
+              <a:gd name="T49" fmla="*/ 132 h 144"/>
+              <a:gd name="T50" fmla="*/ 44 w 176"/>
+              <a:gd name="T51" fmla="*/ 136 h 144"/>
+              <a:gd name="T52" fmla="*/ 172 w 176"/>
+              <a:gd name="T53" fmla="*/ 136 h 144"/>
+              <a:gd name="T54" fmla="*/ 176 w 176"/>
+              <a:gd name="T55" fmla="*/ 132 h 144"/>
+              <a:gd name="T56" fmla="*/ 172 w 176"/>
+              <a:gd name="T57" fmla="*/ 128 h 144"/>
+              <a:gd name="T58" fmla="*/ 12 w 176"/>
+              <a:gd name="T59" fmla="*/ 0 h 144"/>
+              <a:gd name="T60" fmla="*/ 0 w 176"/>
+              <a:gd name="T61" fmla="*/ 12 h 144"/>
+              <a:gd name="T62" fmla="*/ 12 w 176"/>
+              <a:gd name="T63" fmla="*/ 24 h 144"/>
+              <a:gd name="T64" fmla="*/ 24 w 176"/>
+              <a:gd name="T65" fmla="*/ 12 h 144"/>
+              <a:gd name="T66" fmla="*/ 12 w 176"/>
+              <a:gd name="T67" fmla="*/ 0 h 144"/>
+              <a:gd name="T68" fmla="*/ 172 w 176"/>
+              <a:gd name="T69" fmla="*/ 48 h 144"/>
+              <a:gd name="T70" fmla="*/ 44 w 176"/>
+              <a:gd name="T71" fmla="*/ 48 h 144"/>
+              <a:gd name="T72" fmla="*/ 40 w 176"/>
+              <a:gd name="T73" fmla="*/ 52 h 144"/>
+              <a:gd name="T74" fmla="*/ 44 w 176"/>
+              <a:gd name="T75" fmla="*/ 56 h 144"/>
+              <a:gd name="T76" fmla="*/ 172 w 176"/>
+              <a:gd name="T77" fmla="*/ 56 h 144"/>
+              <a:gd name="T78" fmla="*/ 176 w 176"/>
+              <a:gd name="T79" fmla="*/ 52 h 144"/>
+              <a:gd name="T80" fmla="*/ 172 w 176"/>
+              <a:gd name="T81" fmla="*/ 48 h 144"/>
+              <a:gd name="T82" fmla="*/ 172 w 176"/>
+              <a:gd name="T83" fmla="*/ 88 h 144"/>
+              <a:gd name="T84" fmla="*/ 44 w 176"/>
+              <a:gd name="T85" fmla="*/ 88 h 144"/>
+              <a:gd name="T86" fmla="*/ 40 w 176"/>
+              <a:gd name="T87" fmla="*/ 92 h 144"/>
+              <a:gd name="T88" fmla="*/ 44 w 176"/>
+              <a:gd name="T89" fmla="*/ 96 h 144"/>
+              <a:gd name="T90" fmla="*/ 172 w 176"/>
+              <a:gd name="T91" fmla="*/ 96 h 144"/>
+              <a:gd name="T92" fmla="*/ 176 w 176"/>
+              <a:gd name="T93" fmla="*/ 92 h 144"/>
+              <a:gd name="T94" fmla="*/ 172 w 176"/>
+              <a:gd name="T95" fmla="*/ 88 h 144"/>
+            </a:gdLst>
+            <a:ahLst/>
+            <a:cxnLst>
+              <a:cxn ang="0">
+                <a:pos x="T0" y="T1"/>
+              </a:cxn>
+              <a:cxn ang="0">
+                <a:pos x="T2" y="T3"/>
+              </a:cxn>
+              <a:cxn ang="0">
+                <a:pos x="T4" y="T5"/>
+              </a:cxn>
+              <a:cxn ang="0">
+                <a:pos x="T6" y="T7"/>
+              </a:cxn>
+              <a:cxn ang="0">
+                <a:pos x="T8" y="T9"/>
+              </a:cxn>
+              <a:cxn ang="0">
+                <a:pos x="T10" y="T11"/>
+              </a:cxn>
+              <a:cxn ang="0">
+                <a:pos x="T12" y="T13"/>
+              </a:cxn>
+              <a:cxn ang="0">
+                <a:pos x="T14" y="T15"/>
+              </a:cxn>
+              <a:cxn ang="0">
+                <a:pos x="T16" y="T17"/>
+              </a:cxn>
+              <a:cxn ang="0">
+                <a:pos x="T18" y="T19"/>
+              </a:cxn>
+              <a:cxn ang="0">
+                <a:pos x="T20" y="T21"/>
+              </a:cxn>
+              <a:cxn ang="0">
+                <a:pos x="T22" y="T23"/>
+              </a:cxn>
+              <a:cxn ang="0">
+                <a:pos x="T24" y="T25"/>
+              </a:cxn>
+              <a:cxn ang="0">
+                <a:pos x="T26" y="T27"/>
+              </a:cxn>
+              <a:cxn ang="0">
+                <a:pos x="T28" y="T29"/>
+              </a:cxn>
+              <a:cxn ang="0">
+                <a:pos x="T30" y="T31"/>
+              </a:cxn>
+              <a:cxn ang="0">
+                <a:pos x="T32" y="T33"/>
+              </a:cxn>
+              <a:cxn ang="0">
+                <a:pos x="T34" y="T35"/>
+              </a:cxn>
+              <a:cxn ang="0">
+                <a:pos x="T36" y="T37"/>
+              </a:cxn>
+              <a:cxn ang="0">
+                <a:pos x="T38" y="T39"/>
+              </a:cxn>
+              <a:cxn ang="0">
+                <a:pos x="T40" y="T41"/>
+              </a:cxn>
+              <a:cxn ang="0">
+                <a:pos x="T42" y="T43"/>
+              </a:cxn>
+              <a:cxn ang="0">
+                <a:pos x="T44" y="T45"/>
+              </a:cxn>
+              <a:cxn ang="0">
+                <a:pos x="T46" y="T47"/>
+              </a:cxn>
+              <a:cxn ang="0">
+                <a:pos x="T48" y="T49"/>
+              </a:cxn>
+              <a:cxn ang="0">
+                <a:pos x="T50" y="T51"/>
+              </a:cxn>
+              <a:cxn ang="0">
+                <a:pos x="T52" y="T53"/>
+              </a:cxn>
+              <a:cxn ang="0">
+                <a:pos x="T54" y="T55"/>
+              </a:cxn>
+              <a:cxn ang="0">
+                <a:pos x="T56" y="T57"/>
+              </a:cxn>
+              <a:cxn ang="0">
+                <a:pos x="T58" y="T59"/>
+              </a:cxn>
+              <a:cxn ang="0">
+                <a:pos x="T60" y="T61"/>
+              </a:cxn>
+              <a:cxn ang="0">
+                <a:pos x="T62" y="T63"/>
+              </a:cxn>
+              <a:cxn ang="0">
+                <a:pos x="T64" y="T65"/>
+              </a:cxn>
+              <a:cxn ang="0">
+                <a:pos x="T66" y="T67"/>
+              </a:cxn>
+              <a:cxn ang="0">
+                <a:pos x="T68" y="T69"/>
+              </a:cxn>
+              <a:cxn ang="0">
+                <a:pos x="T70" y="T71"/>
+              </a:cxn>
+              <a:cxn ang="0">
+                <a:pos x="T72" y="T73"/>
+              </a:cxn>
+              <a:cxn ang="0">
+                <a:pos x="T74" y="T75"/>
+              </a:cxn>
+              <a:cxn ang="0">
+                <a:pos x="T76" y="T77"/>
+              </a:cxn>
+              <a:cxn ang="0">
+                <a:pos x="T78" y="T79"/>
+              </a:cxn>
+              <a:cxn ang="0">
+                <a:pos x="T80" y="T81"/>
+              </a:cxn>
+              <a:cxn ang="0">
+                <a:pos x="T82" y="T83"/>
+              </a:cxn>
+              <a:cxn ang="0">
+                <a:pos x="T84" y="T85"/>
+              </a:cxn>
+              <a:cxn ang="0">
+                <a:pos x="T86" y="T87"/>
+              </a:cxn>
+              <a:cxn ang="0">
+                <a:pos x="T88" y="T89"/>
+              </a:cxn>
+              <a:cxn ang="0">
+                <a:pos x="T90" y="T91"/>
+              </a:cxn>
+              <a:cxn ang="0">
+                <a:pos x="T92" y="T93"/>
+              </a:cxn>
+              <a:cxn ang="0">
+                <a:pos x="T94" y="T95"/>
+              </a:cxn>
+            </a:cxnLst>
+            <a:rect l="0" t="0" r="r" b="b"/>
+            <a:pathLst>
+              <a:path w="176" h="144">
+                <a:moveTo>
+                  <a:pt x="12" y="80"/>
+                </a:moveTo>
+                <a:cubicBezTo>
+                  <a:pt x="5" y="80"/>
+                  <a:pt x="0" y="85"/>
+                  <a:pt x="0" y="92"/>
+                </a:cubicBezTo>
+                <a:cubicBezTo>
+                  <a:pt x="0" y="99"/>
+                  <a:pt x="5" y="104"/>
+                  <a:pt x="12" y="104"/>
+                </a:cubicBezTo>
+                <a:cubicBezTo>
+                  <a:pt x="19" y="104"/>
+                  <a:pt x="24" y="99"/>
+                  <a:pt x="24" y="92"/>
+                </a:cubicBezTo>
+                <a:cubicBezTo>
+                  <a:pt x="24" y="85"/>
+                  <a:pt x="19" y="80"/>
+                  <a:pt x="12" y="80"/>
+                </a:cubicBezTo>
+                <a:moveTo>
+                  <a:pt x="12" y="40"/>
+                </a:moveTo>
+                <a:cubicBezTo>
+                  <a:pt x="5" y="40"/>
+                  <a:pt x="0" y="45"/>
+                  <a:pt x="0" y="52"/>
+                </a:cubicBezTo>
+                <a:cubicBezTo>
+                  <a:pt x="0" y="59"/>
+                  <a:pt x="5" y="64"/>
+                  <a:pt x="12" y="64"/>
+                </a:cubicBezTo>
+                <a:cubicBezTo>
+                  <a:pt x="19" y="64"/>
+                  <a:pt x="24" y="59"/>
+                  <a:pt x="24" y="52"/>
+                </a:cubicBezTo>
+                <a:cubicBezTo>
+                  <a:pt x="24" y="45"/>
+                  <a:pt x="19" y="40"/>
+                  <a:pt x="12" y="40"/>
+                </a:cubicBezTo>
+                <a:moveTo>
+                  <a:pt x="12" y="120"/>
+                </a:moveTo>
+                <a:cubicBezTo>
+                  <a:pt x="5" y="120"/>
+                  <a:pt x="0" y="125"/>
+                  <a:pt x="0" y="132"/>
+                </a:cubicBezTo>
+                <a:cubicBezTo>
+                  <a:pt x="0" y="139"/>
+                  <a:pt x="5" y="144"/>
+                  <a:pt x="12" y="144"/>
+                </a:cubicBezTo>
+                <a:cubicBezTo>
+                  <a:pt x="19" y="144"/>
+                  <a:pt x="24" y="139"/>
+                  <a:pt x="24" y="132"/>
+                </a:cubicBezTo>
+                <a:cubicBezTo>
+                  <a:pt x="24" y="125"/>
+                  <a:pt x="19" y="120"/>
+                  <a:pt x="12" y="120"/>
+                </a:cubicBezTo>
+                <a:moveTo>
+                  <a:pt x="44" y="16"/>
+                </a:moveTo>
+                <a:cubicBezTo>
+                  <a:pt x="172" y="16"/>
+                  <a:pt x="172" y="16"/>
+                  <a:pt x="172" y="16"/>
+                </a:cubicBezTo>
+                <a:cubicBezTo>
+                  <a:pt x="174" y="16"/>
+                  <a:pt x="176" y="14"/>
+                  <a:pt x="176" y="12"/>
+                </a:cubicBezTo>
+                <a:cubicBezTo>
+                  <a:pt x="176" y="10"/>
+                  <a:pt x="174" y="8"/>
+                  <a:pt x="172" y="8"/>
+                </a:cubicBezTo>
+                <a:cubicBezTo>
+                  <a:pt x="44" y="8"/>
+                  <a:pt x="44" y="8"/>
+                  <a:pt x="44" y="8"/>
+                </a:cubicBezTo>
+                <a:cubicBezTo>
+                  <a:pt x="42" y="8"/>
+                  <a:pt x="40" y="10"/>
+                  <a:pt x="40" y="12"/>
+                </a:cubicBezTo>
+                <a:cubicBezTo>
+                  <a:pt x="40" y="14"/>
+                  <a:pt x="42" y="16"/>
+                  <a:pt x="44" y="16"/>
+                </a:cubicBezTo>
+                <a:moveTo>
+                  <a:pt x="172" y="128"/>
+                </a:moveTo>
+                <a:cubicBezTo>
+                  <a:pt x="44" y="128"/>
+                  <a:pt x="44" y="128"/>
+                  <a:pt x="44" y="128"/>
+                </a:cubicBezTo>
+                <a:cubicBezTo>
+                  <a:pt x="42" y="128"/>
+                  <a:pt x="40" y="130"/>
+                  <a:pt x="40" y="132"/>
+                </a:cubicBezTo>
+                <a:cubicBezTo>
+                  <a:pt x="40" y="134"/>
+                  <a:pt x="42" y="136"/>
+                  <a:pt x="44" y="136"/>
+                </a:cubicBezTo>
+                <a:cubicBezTo>
+                  <a:pt x="172" y="136"/>
+                  <a:pt x="172" y="136"/>
+                  <a:pt x="172" y="136"/>
+                </a:cubicBezTo>
+                <a:cubicBezTo>
+                  <a:pt x="174" y="136"/>
+                  <a:pt x="176" y="134"/>
+                  <a:pt x="176" y="132"/>
+                </a:cubicBezTo>
+                <a:cubicBezTo>
+                  <a:pt x="176" y="130"/>
+                  <a:pt x="174" y="128"/>
+                  <a:pt x="172" y="128"/>
+                </a:cubicBezTo>
+                <a:moveTo>
+                  <a:pt x="12" y="0"/>
+                </a:moveTo>
+                <a:cubicBezTo>
+                  <a:pt x="5" y="0"/>
+                  <a:pt x="0" y="5"/>
+                  <a:pt x="0" y="12"/>
+                </a:cubicBezTo>
+                <a:cubicBezTo>
+                  <a:pt x="0" y="19"/>
+                  <a:pt x="5" y="24"/>
+                  <a:pt x="12" y="24"/>
+                </a:cubicBezTo>
+                <a:cubicBezTo>
+                  <a:pt x="19" y="24"/>
+                  <a:pt x="24" y="19"/>
+                  <a:pt x="24" y="12"/>
+                </a:cubicBezTo>
+                <a:cubicBezTo>
+                  <a:pt x="24" y="5"/>
+                  <a:pt x="19" y="0"/>
+                  <a:pt x="12" y="0"/>
+                </a:cubicBezTo>
+                <a:moveTo>
+                  <a:pt x="172" y="48"/>
+                </a:moveTo>
+                <a:cubicBezTo>
+                  <a:pt x="44" y="48"/>
+                  <a:pt x="44" y="48"/>
+                  <a:pt x="44" y="48"/>
+                </a:cubicBezTo>
+                <a:cubicBezTo>
+                  <a:pt x="42" y="48"/>
+                  <a:pt x="40" y="50"/>
+                  <a:pt x="40" y="52"/>
+                </a:cubicBezTo>
+                <a:cubicBezTo>
+                  <a:pt x="40" y="54"/>
+                  <a:pt x="42" y="56"/>
+                  <a:pt x="44" y="56"/>
+                </a:cubicBezTo>
+                <a:cubicBezTo>
+                  <a:pt x="172" y="56"/>
+                  <a:pt x="172" y="56"/>
+                  <a:pt x="172" y="56"/>
+                </a:cubicBezTo>
+                <a:cubicBezTo>
+                  <a:pt x="174" y="56"/>
+                  <a:pt x="176" y="54"/>
+                  <a:pt x="176" y="52"/>
+                </a:cubicBezTo>
+                <a:cubicBezTo>
+                  <a:pt x="176" y="50"/>
+                  <a:pt x="174" y="48"/>
+                  <a:pt x="172" y="48"/>
+                </a:cubicBezTo>
+                <a:moveTo>
+                  <a:pt x="172" y="88"/>
+                </a:moveTo>
+                <a:cubicBezTo>
+                  <a:pt x="44" y="88"/>
+                  <a:pt x="44" y="88"/>
+                  <a:pt x="44" y="88"/>
+                </a:cubicBezTo>
+                <a:cubicBezTo>
+                  <a:pt x="42" y="88"/>
+                  <a:pt x="40" y="90"/>
+                  <a:pt x="40" y="92"/>
+                </a:cubicBezTo>
+                <a:cubicBezTo>
+                  <a:pt x="40" y="94"/>
+                  <a:pt x="42" y="96"/>
+                  <a:pt x="44" y="96"/>
+                </a:cubicBezTo>
+                <a:cubicBezTo>
+                  <a:pt x="172" y="96"/>
+                  <a:pt x="172" y="96"/>
+                  <a:pt x="172" y="96"/>
+                </a:cubicBezTo>
+                <a:cubicBezTo>
+                  <a:pt x="174" y="96"/>
+                  <a:pt x="176" y="94"/>
+                  <a:pt x="176" y="92"/>
+                </a:cubicBezTo>
+                <a:cubicBezTo>
+                  <a:pt x="176" y="90"/>
+                  <a:pt x="174" y="88"/>
+                  <a:pt x="172" y="88"/>
+                </a:cubicBezTo>
+              </a:path>
+            </a:pathLst>
+          </a:custGeom>
+          <a:solidFill>
+            <a:schemeClr val="tx1"/>
+          </a:solidFill>
+          <a:ln>
+            <a:solidFill>
+              <a:schemeClr val="tx1"/>
+            </a:solidFill>
+          </a:ln>
+        </p:spPr>
+        <p:txBody>
+          <a:bodyPr vert="horz" wrap="square" lIns="91440" tIns="45720" rIns="91440" bIns="45720" numCol="1" anchor="t" anchorCtr="0" compatLnSpc="1">
+            <a:prstTxWarp prst="textNoShape">
+              <a:avLst/>
+            </a:prstTxWarp>
+          </a:bodyPr>
+          <a:lstStyle/>
+          <a:p>
+            <a:endParaRPr lang="uk-UA"/>
           </a:p>
         </p:txBody>
       </p:sp>
@@ -20603,10 +17583,17 @@
       </p:transition>
     </mc:Fallback>
   </mc:AlternateContent>
+  <p:timing>
+    <p:tnLst>
+      <p:par>
+        <p:cTn id="1" dur="indefinite" restart="never" nodeType="tmRoot"/>
+      </p:par>
+    </p:tnLst>
+  </p:timing>
 </p:sld>
 </file>
 
-<file path=ppt/slides/slide7.xml><?xml version="1.0" encoding="utf-8"?>
+<file path=ppt/slides/slide6.xml><?xml version="1.0" encoding="utf-8"?>
 <p:sld xmlns:a="http://schemas.openxmlformats.org/drawingml/2006/main" xmlns:r="http://schemas.openxmlformats.org/officeDocument/2006/relationships" xmlns:p="http://schemas.openxmlformats.org/presentationml/2006/main">
   <p:cSld>
     <p:spTree>
@@ -20725,47 +17712,6 @@
       </p:sp>
       <p:sp>
         <p:nvSpPr>
-          <p:cNvPr id="10" name="TextBox 9"/>
-          <p:cNvSpPr txBox="1"/>
-          <p:nvPr/>
-        </p:nvSpPr>
-        <p:spPr>
-          <a:xfrm>
-            <a:off x="12801600" y="6732181"/>
-            <a:ext cx="5143500" cy="3554819"/>
-          </a:xfrm>
-          <a:prstGeom prst="rect">
-            <a:avLst/>
-          </a:prstGeom>
-          <a:noFill/>
-        </p:spPr>
-        <p:txBody>
-          <a:bodyPr wrap="square" rtlCol="0">
-            <a:spAutoFit/>
-          </a:bodyPr>
-          <a:lstStyle/>
-          <a:p>
-            <a:pPr algn="r"/>
-            <a:r>
-              <a:rPr lang="en-US" sz="22500" b="1" dirty="0">
-                <a:solidFill>
-                  <a:schemeClr val="bg1"/>
-                </a:solidFill>
-                <a:latin typeface="+mj-lt"/>
-              </a:rPr>
-              <a:t>01</a:t>
-            </a:r>
-            <a:endParaRPr lang="uk-UA" sz="22500" b="1" dirty="0">
-              <a:solidFill>
-                <a:schemeClr val="bg1"/>
-              </a:solidFill>
-              <a:latin typeface="+mj-lt"/>
-            </a:endParaRPr>
-          </a:p>
-        </p:txBody>
-      </p:sp>
-      <p:sp>
-        <p:nvSpPr>
           <p:cNvPr id="92" name="TextBox 91"/>
           <p:cNvSpPr txBox="1"/>
           <p:nvPr/>
@@ -20815,7 +17761,7 @@
           <p:cNvPr id="3" name="Picture 2">
             <a:extLst>
               <a:ext uri="{FF2B5EF4-FFF2-40B4-BE49-F238E27FC236}">
-                <a16:creationId xmlns:a16="http://schemas.microsoft.com/office/drawing/2014/main" id="{380AAD87-9AE0-416C-B9C1-AE1141843FE6}"/>
+                <a16:creationId xmlns:a16="http://schemas.microsoft.com/office/drawing/2014/main" xmlns="" id="{380AAD87-9AE0-416C-B9C1-AE1141843FE6}"/>
               </a:ext>
             </a:extLst>
           </p:cNvPr>
@@ -20845,7 +17791,7 @@
           <p:cNvPr id="7" name="TextBox 6">
             <a:extLst>
               <a:ext uri="{FF2B5EF4-FFF2-40B4-BE49-F238E27FC236}">
-                <a16:creationId xmlns:a16="http://schemas.microsoft.com/office/drawing/2014/main" id="{C99790CC-9AF6-4AEF-BE22-3AD6A98A1CCD}"/>
+                <a16:creationId xmlns:a16="http://schemas.microsoft.com/office/drawing/2014/main" xmlns="" id="{C99790CC-9AF6-4AEF-BE22-3AD6A98A1CCD}"/>
               </a:ext>
             </a:extLst>
           </p:cNvPr>
@@ -20915,6 +17861,245 @@
                 <a:schemeClr val="accent5"/>
               </a:solidFill>
             </a:endParaRPr>
+          </a:p>
+        </p:txBody>
+      </p:sp>
+      <p:sp>
+        <p:nvSpPr>
+          <p:cNvPr id="9" name="Freeform 295"/>
+          <p:cNvSpPr>
+            <a:spLocks noEditPoints="1"/>
+          </p:cNvSpPr>
+          <p:nvPr/>
+        </p:nvSpPr>
+        <p:spPr bwMode="auto">
+          <a:xfrm>
+            <a:off x="15322060" y="6982014"/>
+            <a:ext cx="1702983" cy="2322243"/>
+          </a:xfrm>
+          <a:custGeom>
+            <a:avLst/>
+            <a:gdLst>
+              <a:gd name="T0" fmla="*/ 64 w 128"/>
+              <a:gd name="T1" fmla="*/ 0 h 176"/>
+              <a:gd name="T2" fmla="*/ 0 w 128"/>
+              <a:gd name="T3" fmla="*/ 64 h 176"/>
+              <a:gd name="T4" fmla="*/ 64 w 128"/>
+              <a:gd name="T5" fmla="*/ 176 h 176"/>
+              <a:gd name="T6" fmla="*/ 128 w 128"/>
+              <a:gd name="T7" fmla="*/ 64 h 176"/>
+              <a:gd name="T8" fmla="*/ 64 w 128"/>
+              <a:gd name="T9" fmla="*/ 0 h 176"/>
+              <a:gd name="T10" fmla="*/ 64 w 128"/>
+              <a:gd name="T11" fmla="*/ 164 h 176"/>
+              <a:gd name="T12" fmla="*/ 8 w 128"/>
+              <a:gd name="T13" fmla="*/ 64 h 176"/>
+              <a:gd name="T14" fmla="*/ 64 w 128"/>
+              <a:gd name="T15" fmla="*/ 8 h 176"/>
+              <a:gd name="T16" fmla="*/ 120 w 128"/>
+              <a:gd name="T17" fmla="*/ 64 h 176"/>
+              <a:gd name="T18" fmla="*/ 64 w 128"/>
+              <a:gd name="T19" fmla="*/ 164 h 176"/>
+              <a:gd name="T20" fmla="*/ 64 w 128"/>
+              <a:gd name="T21" fmla="*/ 32 h 176"/>
+              <a:gd name="T22" fmla="*/ 32 w 128"/>
+              <a:gd name="T23" fmla="*/ 64 h 176"/>
+              <a:gd name="T24" fmla="*/ 64 w 128"/>
+              <a:gd name="T25" fmla="*/ 96 h 176"/>
+              <a:gd name="T26" fmla="*/ 96 w 128"/>
+              <a:gd name="T27" fmla="*/ 64 h 176"/>
+              <a:gd name="T28" fmla="*/ 64 w 128"/>
+              <a:gd name="T29" fmla="*/ 32 h 176"/>
+              <a:gd name="T30" fmla="*/ 64 w 128"/>
+              <a:gd name="T31" fmla="*/ 88 h 176"/>
+              <a:gd name="T32" fmla="*/ 40 w 128"/>
+              <a:gd name="T33" fmla="*/ 64 h 176"/>
+              <a:gd name="T34" fmla="*/ 64 w 128"/>
+              <a:gd name="T35" fmla="*/ 40 h 176"/>
+              <a:gd name="T36" fmla="*/ 88 w 128"/>
+              <a:gd name="T37" fmla="*/ 64 h 176"/>
+              <a:gd name="T38" fmla="*/ 64 w 128"/>
+              <a:gd name="T39" fmla="*/ 88 h 176"/>
+            </a:gdLst>
+            <a:ahLst/>
+            <a:cxnLst>
+              <a:cxn ang="0">
+                <a:pos x="T0" y="T1"/>
+              </a:cxn>
+              <a:cxn ang="0">
+                <a:pos x="T2" y="T3"/>
+              </a:cxn>
+              <a:cxn ang="0">
+                <a:pos x="T4" y="T5"/>
+              </a:cxn>
+              <a:cxn ang="0">
+                <a:pos x="T6" y="T7"/>
+              </a:cxn>
+              <a:cxn ang="0">
+                <a:pos x="T8" y="T9"/>
+              </a:cxn>
+              <a:cxn ang="0">
+                <a:pos x="T10" y="T11"/>
+              </a:cxn>
+              <a:cxn ang="0">
+                <a:pos x="T12" y="T13"/>
+              </a:cxn>
+              <a:cxn ang="0">
+                <a:pos x="T14" y="T15"/>
+              </a:cxn>
+              <a:cxn ang="0">
+                <a:pos x="T16" y="T17"/>
+              </a:cxn>
+              <a:cxn ang="0">
+                <a:pos x="T18" y="T19"/>
+              </a:cxn>
+              <a:cxn ang="0">
+                <a:pos x="T20" y="T21"/>
+              </a:cxn>
+              <a:cxn ang="0">
+                <a:pos x="T22" y="T23"/>
+              </a:cxn>
+              <a:cxn ang="0">
+                <a:pos x="T24" y="T25"/>
+              </a:cxn>
+              <a:cxn ang="0">
+                <a:pos x="T26" y="T27"/>
+              </a:cxn>
+              <a:cxn ang="0">
+                <a:pos x="T28" y="T29"/>
+              </a:cxn>
+              <a:cxn ang="0">
+                <a:pos x="T30" y="T31"/>
+              </a:cxn>
+              <a:cxn ang="0">
+                <a:pos x="T32" y="T33"/>
+              </a:cxn>
+              <a:cxn ang="0">
+                <a:pos x="T34" y="T35"/>
+              </a:cxn>
+              <a:cxn ang="0">
+                <a:pos x="T36" y="T37"/>
+              </a:cxn>
+              <a:cxn ang="0">
+                <a:pos x="T38" y="T39"/>
+              </a:cxn>
+            </a:cxnLst>
+            <a:rect l="0" t="0" r="r" b="b"/>
+            <a:pathLst>
+              <a:path w="128" h="176">
+                <a:moveTo>
+                  <a:pt x="64" y="0"/>
+                </a:moveTo>
+                <a:cubicBezTo>
+                  <a:pt x="29" y="0"/>
+                  <a:pt x="0" y="29"/>
+                  <a:pt x="0" y="64"/>
+                </a:cubicBezTo>
+                <a:cubicBezTo>
+                  <a:pt x="0" y="116"/>
+                  <a:pt x="64" y="176"/>
+                  <a:pt x="64" y="176"/>
+                </a:cubicBezTo>
+                <a:cubicBezTo>
+                  <a:pt x="64" y="176"/>
+                  <a:pt x="128" y="116"/>
+                  <a:pt x="128" y="64"/>
+                </a:cubicBezTo>
+                <a:cubicBezTo>
+                  <a:pt x="128" y="29"/>
+                  <a:pt x="99" y="0"/>
+                  <a:pt x="64" y="0"/>
+                </a:cubicBezTo>
+                <a:moveTo>
+                  <a:pt x="64" y="164"/>
+                </a:moveTo>
+                <a:cubicBezTo>
+                  <a:pt x="64" y="164"/>
+                  <a:pt x="8" y="112"/>
+                  <a:pt x="8" y="64"/>
+                </a:cubicBezTo>
+                <a:cubicBezTo>
+                  <a:pt x="8" y="33"/>
+                  <a:pt x="33" y="8"/>
+                  <a:pt x="64" y="8"/>
+                </a:cubicBezTo>
+                <a:cubicBezTo>
+                  <a:pt x="95" y="8"/>
+                  <a:pt x="120" y="33"/>
+                  <a:pt x="120" y="64"/>
+                </a:cubicBezTo>
+                <a:cubicBezTo>
+                  <a:pt x="120" y="112"/>
+                  <a:pt x="64" y="164"/>
+                  <a:pt x="64" y="164"/>
+                </a:cubicBezTo>
+                <a:moveTo>
+                  <a:pt x="64" y="32"/>
+                </a:moveTo>
+                <a:cubicBezTo>
+                  <a:pt x="46" y="32"/>
+                  <a:pt x="32" y="46"/>
+                  <a:pt x="32" y="64"/>
+                </a:cubicBezTo>
+                <a:cubicBezTo>
+                  <a:pt x="32" y="82"/>
+                  <a:pt x="46" y="96"/>
+                  <a:pt x="64" y="96"/>
+                </a:cubicBezTo>
+                <a:cubicBezTo>
+                  <a:pt x="82" y="96"/>
+                  <a:pt x="96" y="82"/>
+                  <a:pt x="96" y="64"/>
+                </a:cubicBezTo>
+                <a:cubicBezTo>
+                  <a:pt x="96" y="46"/>
+                  <a:pt x="82" y="32"/>
+                  <a:pt x="64" y="32"/>
+                </a:cubicBezTo>
+                <a:moveTo>
+                  <a:pt x="64" y="88"/>
+                </a:moveTo>
+                <a:cubicBezTo>
+                  <a:pt x="51" y="88"/>
+                  <a:pt x="40" y="77"/>
+                  <a:pt x="40" y="64"/>
+                </a:cubicBezTo>
+                <a:cubicBezTo>
+                  <a:pt x="40" y="51"/>
+                  <a:pt x="51" y="40"/>
+                  <a:pt x="64" y="40"/>
+                </a:cubicBezTo>
+                <a:cubicBezTo>
+                  <a:pt x="77" y="40"/>
+                  <a:pt x="88" y="51"/>
+                  <a:pt x="88" y="64"/>
+                </a:cubicBezTo>
+                <a:cubicBezTo>
+                  <a:pt x="88" y="77"/>
+                  <a:pt x="77" y="88"/>
+                  <a:pt x="64" y="88"/>
+                </a:cubicBezTo>
+              </a:path>
+            </a:pathLst>
+          </a:custGeom>
+          <a:solidFill>
+            <a:schemeClr val="bg1"/>
+          </a:solidFill>
+          <a:ln>
+            <a:solidFill>
+              <a:schemeClr val="accent4"/>
+            </a:solidFill>
+          </a:ln>
+        </p:spPr>
+        <p:txBody>
+          <a:bodyPr vert="horz" wrap="square" lIns="91440" tIns="45720" rIns="91440" bIns="45720" numCol="1" anchor="t" anchorCtr="0" compatLnSpc="1">
+            <a:prstTxWarp prst="textNoShape">
+              <a:avLst/>
+            </a:prstTxWarp>
+          </a:bodyPr>
+          <a:lstStyle/>
+          <a:p>
+            <a:endParaRPr lang="uk-UA"/>
           </a:p>
         </p:txBody>
       </p:sp>
@@ -20928,10 +18113,17 @@
   <p:clrMapOvr>
     <a:masterClrMapping/>
   </p:clrMapOvr>
+  <p:timing>
+    <p:tnLst>
+      <p:par>
+        <p:cTn id="1" dur="indefinite" restart="never" nodeType="tmRoot"/>
+      </p:par>
+    </p:tnLst>
+  </p:timing>
 </p:sld>
 </file>
 
-<file path=ppt/slides/slide8.xml><?xml version="1.0" encoding="utf-8"?>
+<file path=ppt/slides/slide7.xml><?xml version="1.0" encoding="utf-8"?>
 <p:sld xmlns:a="http://schemas.openxmlformats.org/drawingml/2006/main" xmlns:r="http://schemas.openxmlformats.org/officeDocument/2006/relationships" xmlns:p="http://schemas.openxmlformats.org/presentationml/2006/main">
   <p:cSld>
     <p:spTree>
@@ -20953,7 +18145,7 @@
           <p:cNvPr id="2" name="Picture 1">
             <a:extLst>
               <a:ext uri="{FF2B5EF4-FFF2-40B4-BE49-F238E27FC236}">
-                <a16:creationId xmlns:a16="http://schemas.microsoft.com/office/drawing/2014/main" id="{006947B0-E99F-40D5-B2FA-F8E246E2091F}"/>
+                <a16:creationId xmlns:a16="http://schemas.microsoft.com/office/drawing/2014/main" xmlns="" id="{006947B0-E99F-40D5-B2FA-F8E246E2091F}"/>
               </a:ext>
             </a:extLst>
           </p:cNvPr>
@@ -21080,50 +18272,10 @@
       </p:sp>
       <p:sp>
         <p:nvSpPr>
-          <p:cNvPr id="10" name="TextBox 9"/>
-          <p:cNvSpPr txBox="1"/>
-          <p:nvPr/>
-        </p:nvSpPr>
-        <p:spPr>
-          <a:xfrm>
-            <a:off x="762000" y="6732181"/>
-            <a:ext cx="5143500" cy="3554819"/>
-          </a:xfrm>
-          <a:prstGeom prst="rect">
-            <a:avLst/>
-          </a:prstGeom>
-          <a:noFill/>
-        </p:spPr>
-        <p:txBody>
-          <a:bodyPr wrap="square" rtlCol="0">
-            <a:spAutoFit/>
-          </a:bodyPr>
-          <a:lstStyle/>
-          <a:p>
-            <a:r>
-              <a:rPr lang="en-US" sz="22500" b="1">
-                <a:solidFill>
-                  <a:schemeClr val="bg1"/>
-                </a:solidFill>
-                <a:latin typeface="+mj-lt"/>
-              </a:rPr>
-              <a:t>02</a:t>
-            </a:r>
-            <a:endParaRPr lang="uk-UA" sz="22500" b="1">
-              <a:solidFill>
-                <a:schemeClr val="bg1"/>
-              </a:solidFill>
-              <a:latin typeface="+mj-lt"/>
-            </a:endParaRPr>
-          </a:p>
-        </p:txBody>
-      </p:sp>
-      <p:sp>
-        <p:nvSpPr>
           <p:cNvPr id="6" name="TextBox 5">
             <a:extLst>
               <a:ext uri="{FF2B5EF4-FFF2-40B4-BE49-F238E27FC236}">
-                <a16:creationId xmlns:a16="http://schemas.microsoft.com/office/drawing/2014/main" id="{971879AD-F471-4F35-89C1-9A346770F3F0}"/>
+                <a16:creationId xmlns:a16="http://schemas.microsoft.com/office/drawing/2014/main" xmlns="" id="{971879AD-F471-4F35-89C1-9A346770F3F0}"/>
               </a:ext>
             </a:extLst>
           </p:cNvPr>
@@ -21175,7 +18327,7 @@
           <p:cNvPr id="11" name="TextBox 10">
             <a:extLst>
               <a:ext uri="{FF2B5EF4-FFF2-40B4-BE49-F238E27FC236}">
-                <a16:creationId xmlns:a16="http://schemas.microsoft.com/office/drawing/2014/main" id="{310D4116-A6CA-4B73-897E-5A1A120D31F3}"/>
+                <a16:creationId xmlns:a16="http://schemas.microsoft.com/office/drawing/2014/main" xmlns="" id="{310D4116-A6CA-4B73-897E-5A1A120D31F3}"/>
               </a:ext>
             </a:extLst>
           </p:cNvPr>
@@ -21220,7 +18372,7 @@
           <p:cNvPr id="4" name="Picture 3">
             <a:extLst>
               <a:ext uri="{FF2B5EF4-FFF2-40B4-BE49-F238E27FC236}">
-                <a16:creationId xmlns:a16="http://schemas.microsoft.com/office/drawing/2014/main" id="{233D4A9B-4573-431E-AE23-D7EE217EE735}"/>
+                <a16:creationId xmlns:a16="http://schemas.microsoft.com/office/drawing/2014/main" xmlns="" id="{233D4A9B-4573-431E-AE23-D7EE217EE735}"/>
               </a:ext>
             </a:extLst>
           </p:cNvPr>
@@ -21250,7 +18402,7 @@
           <p:cNvPr id="3" name="Rectangle 2">
             <a:extLst>
               <a:ext uri="{FF2B5EF4-FFF2-40B4-BE49-F238E27FC236}">
-                <a16:creationId xmlns:a16="http://schemas.microsoft.com/office/drawing/2014/main" id="{451AC263-8094-45BB-B767-7E28427662E6}"/>
+                <a16:creationId xmlns:a16="http://schemas.microsoft.com/office/drawing/2014/main" xmlns="" id="{451AC263-8094-45BB-B767-7E28427662E6}"/>
               </a:ext>
             </a:extLst>
           </p:cNvPr>
@@ -21301,6 +18453,245 @@
               <a:t>East Seattle</a:t>
             </a:r>
             <a:endParaRPr lang="uk-UA" sz="2800" b="1" dirty="0"/>
+          </a:p>
+        </p:txBody>
+      </p:sp>
+      <p:sp>
+        <p:nvSpPr>
+          <p:cNvPr id="9" name="Freeform 295"/>
+          <p:cNvSpPr>
+            <a:spLocks noEditPoints="1"/>
+          </p:cNvSpPr>
+          <p:nvPr/>
+        </p:nvSpPr>
+        <p:spPr bwMode="auto">
+          <a:xfrm>
+            <a:off x="1217426" y="6896100"/>
+            <a:ext cx="1702983" cy="2322243"/>
+          </a:xfrm>
+          <a:custGeom>
+            <a:avLst/>
+            <a:gdLst>
+              <a:gd name="T0" fmla="*/ 64 w 128"/>
+              <a:gd name="T1" fmla="*/ 0 h 176"/>
+              <a:gd name="T2" fmla="*/ 0 w 128"/>
+              <a:gd name="T3" fmla="*/ 64 h 176"/>
+              <a:gd name="T4" fmla="*/ 64 w 128"/>
+              <a:gd name="T5" fmla="*/ 176 h 176"/>
+              <a:gd name="T6" fmla="*/ 128 w 128"/>
+              <a:gd name="T7" fmla="*/ 64 h 176"/>
+              <a:gd name="T8" fmla="*/ 64 w 128"/>
+              <a:gd name="T9" fmla="*/ 0 h 176"/>
+              <a:gd name="T10" fmla="*/ 64 w 128"/>
+              <a:gd name="T11" fmla="*/ 164 h 176"/>
+              <a:gd name="T12" fmla="*/ 8 w 128"/>
+              <a:gd name="T13" fmla="*/ 64 h 176"/>
+              <a:gd name="T14" fmla="*/ 64 w 128"/>
+              <a:gd name="T15" fmla="*/ 8 h 176"/>
+              <a:gd name="T16" fmla="*/ 120 w 128"/>
+              <a:gd name="T17" fmla="*/ 64 h 176"/>
+              <a:gd name="T18" fmla="*/ 64 w 128"/>
+              <a:gd name="T19" fmla="*/ 164 h 176"/>
+              <a:gd name="T20" fmla="*/ 64 w 128"/>
+              <a:gd name="T21" fmla="*/ 32 h 176"/>
+              <a:gd name="T22" fmla="*/ 32 w 128"/>
+              <a:gd name="T23" fmla="*/ 64 h 176"/>
+              <a:gd name="T24" fmla="*/ 64 w 128"/>
+              <a:gd name="T25" fmla="*/ 96 h 176"/>
+              <a:gd name="T26" fmla="*/ 96 w 128"/>
+              <a:gd name="T27" fmla="*/ 64 h 176"/>
+              <a:gd name="T28" fmla="*/ 64 w 128"/>
+              <a:gd name="T29" fmla="*/ 32 h 176"/>
+              <a:gd name="T30" fmla="*/ 64 w 128"/>
+              <a:gd name="T31" fmla="*/ 88 h 176"/>
+              <a:gd name="T32" fmla="*/ 40 w 128"/>
+              <a:gd name="T33" fmla="*/ 64 h 176"/>
+              <a:gd name="T34" fmla="*/ 64 w 128"/>
+              <a:gd name="T35" fmla="*/ 40 h 176"/>
+              <a:gd name="T36" fmla="*/ 88 w 128"/>
+              <a:gd name="T37" fmla="*/ 64 h 176"/>
+              <a:gd name="T38" fmla="*/ 64 w 128"/>
+              <a:gd name="T39" fmla="*/ 88 h 176"/>
+            </a:gdLst>
+            <a:ahLst/>
+            <a:cxnLst>
+              <a:cxn ang="0">
+                <a:pos x="T0" y="T1"/>
+              </a:cxn>
+              <a:cxn ang="0">
+                <a:pos x="T2" y="T3"/>
+              </a:cxn>
+              <a:cxn ang="0">
+                <a:pos x="T4" y="T5"/>
+              </a:cxn>
+              <a:cxn ang="0">
+                <a:pos x="T6" y="T7"/>
+              </a:cxn>
+              <a:cxn ang="0">
+                <a:pos x="T8" y="T9"/>
+              </a:cxn>
+              <a:cxn ang="0">
+                <a:pos x="T10" y="T11"/>
+              </a:cxn>
+              <a:cxn ang="0">
+                <a:pos x="T12" y="T13"/>
+              </a:cxn>
+              <a:cxn ang="0">
+                <a:pos x="T14" y="T15"/>
+              </a:cxn>
+              <a:cxn ang="0">
+                <a:pos x="T16" y="T17"/>
+              </a:cxn>
+              <a:cxn ang="0">
+                <a:pos x="T18" y="T19"/>
+              </a:cxn>
+              <a:cxn ang="0">
+                <a:pos x="T20" y="T21"/>
+              </a:cxn>
+              <a:cxn ang="0">
+                <a:pos x="T22" y="T23"/>
+              </a:cxn>
+              <a:cxn ang="0">
+                <a:pos x="T24" y="T25"/>
+              </a:cxn>
+              <a:cxn ang="0">
+                <a:pos x="T26" y="T27"/>
+              </a:cxn>
+              <a:cxn ang="0">
+                <a:pos x="T28" y="T29"/>
+              </a:cxn>
+              <a:cxn ang="0">
+                <a:pos x="T30" y="T31"/>
+              </a:cxn>
+              <a:cxn ang="0">
+                <a:pos x="T32" y="T33"/>
+              </a:cxn>
+              <a:cxn ang="0">
+                <a:pos x="T34" y="T35"/>
+              </a:cxn>
+              <a:cxn ang="0">
+                <a:pos x="T36" y="T37"/>
+              </a:cxn>
+              <a:cxn ang="0">
+                <a:pos x="T38" y="T39"/>
+              </a:cxn>
+            </a:cxnLst>
+            <a:rect l="0" t="0" r="r" b="b"/>
+            <a:pathLst>
+              <a:path w="128" h="176">
+                <a:moveTo>
+                  <a:pt x="64" y="0"/>
+                </a:moveTo>
+                <a:cubicBezTo>
+                  <a:pt x="29" y="0"/>
+                  <a:pt x="0" y="29"/>
+                  <a:pt x="0" y="64"/>
+                </a:cubicBezTo>
+                <a:cubicBezTo>
+                  <a:pt x="0" y="116"/>
+                  <a:pt x="64" y="176"/>
+                  <a:pt x="64" y="176"/>
+                </a:cubicBezTo>
+                <a:cubicBezTo>
+                  <a:pt x="64" y="176"/>
+                  <a:pt x="128" y="116"/>
+                  <a:pt x="128" y="64"/>
+                </a:cubicBezTo>
+                <a:cubicBezTo>
+                  <a:pt x="128" y="29"/>
+                  <a:pt x="99" y="0"/>
+                  <a:pt x="64" y="0"/>
+                </a:cubicBezTo>
+                <a:moveTo>
+                  <a:pt x="64" y="164"/>
+                </a:moveTo>
+                <a:cubicBezTo>
+                  <a:pt x="64" y="164"/>
+                  <a:pt x="8" y="112"/>
+                  <a:pt x="8" y="64"/>
+                </a:cubicBezTo>
+                <a:cubicBezTo>
+                  <a:pt x="8" y="33"/>
+                  <a:pt x="33" y="8"/>
+                  <a:pt x="64" y="8"/>
+                </a:cubicBezTo>
+                <a:cubicBezTo>
+                  <a:pt x="95" y="8"/>
+                  <a:pt x="120" y="33"/>
+                  <a:pt x="120" y="64"/>
+                </a:cubicBezTo>
+                <a:cubicBezTo>
+                  <a:pt x="120" y="112"/>
+                  <a:pt x="64" y="164"/>
+                  <a:pt x="64" y="164"/>
+                </a:cubicBezTo>
+                <a:moveTo>
+                  <a:pt x="64" y="32"/>
+                </a:moveTo>
+                <a:cubicBezTo>
+                  <a:pt x="46" y="32"/>
+                  <a:pt x="32" y="46"/>
+                  <a:pt x="32" y="64"/>
+                </a:cubicBezTo>
+                <a:cubicBezTo>
+                  <a:pt x="32" y="82"/>
+                  <a:pt x="46" y="96"/>
+                  <a:pt x="64" y="96"/>
+                </a:cubicBezTo>
+                <a:cubicBezTo>
+                  <a:pt x="82" y="96"/>
+                  <a:pt x="96" y="82"/>
+                  <a:pt x="96" y="64"/>
+                </a:cubicBezTo>
+                <a:cubicBezTo>
+                  <a:pt x="96" y="46"/>
+                  <a:pt x="82" y="32"/>
+                  <a:pt x="64" y="32"/>
+                </a:cubicBezTo>
+                <a:moveTo>
+                  <a:pt x="64" y="88"/>
+                </a:moveTo>
+                <a:cubicBezTo>
+                  <a:pt x="51" y="88"/>
+                  <a:pt x="40" y="77"/>
+                  <a:pt x="40" y="64"/>
+                </a:cubicBezTo>
+                <a:cubicBezTo>
+                  <a:pt x="40" y="51"/>
+                  <a:pt x="51" y="40"/>
+                  <a:pt x="64" y="40"/>
+                </a:cubicBezTo>
+                <a:cubicBezTo>
+                  <a:pt x="77" y="40"/>
+                  <a:pt x="88" y="51"/>
+                  <a:pt x="88" y="64"/>
+                </a:cubicBezTo>
+                <a:cubicBezTo>
+                  <a:pt x="88" y="77"/>
+                  <a:pt x="77" y="88"/>
+                  <a:pt x="64" y="88"/>
+                </a:cubicBezTo>
+              </a:path>
+            </a:pathLst>
+          </a:custGeom>
+          <a:solidFill>
+            <a:schemeClr val="bg1"/>
+          </a:solidFill>
+          <a:ln>
+            <a:solidFill>
+              <a:schemeClr val="accent4"/>
+            </a:solidFill>
+          </a:ln>
+        </p:spPr>
+        <p:txBody>
+          <a:bodyPr vert="horz" wrap="square" lIns="91440" tIns="45720" rIns="91440" bIns="45720" numCol="1" anchor="t" anchorCtr="0" compatLnSpc="1">
+            <a:prstTxWarp prst="textNoShape">
+              <a:avLst/>
+            </a:prstTxWarp>
+          </a:bodyPr>
+          <a:lstStyle/>
+          <a:p>
+            <a:endParaRPr lang="uk-UA"/>
           </a:p>
         </p:txBody>
       </p:sp>
@@ -21326,10 +18717,17 @@
       </p:transition>
     </mc:Fallback>
   </mc:AlternateContent>
+  <p:timing>
+    <p:tnLst>
+      <p:par>
+        <p:cTn id="1" dur="indefinite" restart="never" nodeType="tmRoot"/>
+      </p:par>
+    </p:tnLst>
+  </p:timing>
 </p:sld>
 </file>
 
-<file path=ppt/slides/slide9.xml><?xml version="1.0" encoding="utf-8"?>
+<file path=ppt/slides/slide8.xml><?xml version="1.0" encoding="utf-8"?>
 <p:sld xmlns:a="http://schemas.openxmlformats.org/drawingml/2006/main" xmlns:r="http://schemas.openxmlformats.org/officeDocument/2006/relationships" xmlns:p="http://schemas.openxmlformats.org/presentationml/2006/main">
   <p:cSld>
     <p:spTree>
@@ -21346,36 +18744,6 @@
           <a:chExt cx="0" cy="0"/>
         </a:xfrm>
       </p:grpSpPr>
-      <p:pic>
-        <p:nvPicPr>
-          <p:cNvPr id="7" name="Picture 6">
-            <a:extLst>
-              <a:ext uri="{FF2B5EF4-FFF2-40B4-BE49-F238E27FC236}">
-                <a16:creationId xmlns:a16="http://schemas.microsoft.com/office/drawing/2014/main" id="{D21A566C-3B27-4AB2-B52D-A0CB05D3A94A}"/>
-              </a:ext>
-            </a:extLst>
-          </p:cNvPr>
-          <p:cNvPicPr>
-            <a:picLocks noChangeAspect="1"/>
-          </p:cNvPicPr>
-          <p:nvPr/>
-        </p:nvPicPr>
-        <p:blipFill>
-          <a:blip r:embed="rId2"/>
-          <a:stretch>
-            <a:fillRect/>
-          </a:stretch>
-        </p:blipFill>
-        <p:spPr>
-          <a:xfrm>
-            <a:off x="2133600" y="4686464"/>
-            <a:ext cx="7307311" cy="4899997"/>
-          </a:xfrm>
-          <a:prstGeom prst="rect">
-            <a:avLst/>
-          </a:prstGeom>
-        </p:spPr>
-      </p:pic>
       <p:sp>
         <p:nvSpPr>
           <p:cNvPr id="8" name="Freeform 7"/>
@@ -21383,8 +18751,8 @@
           <p:nvPr/>
         </p:nvSpPr>
         <p:spPr>
-          <a:xfrm rot="10800000">
-            <a:off x="0" y="0"/>
+          <a:xfrm rot="16200000">
+            <a:off x="13173075" y="0"/>
             <a:ext cx="5143500" cy="5143500"/>
           </a:xfrm>
           <a:custGeom>
@@ -21478,14 +18846,20 @@
       </p:sp>
       <p:sp>
         <p:nvSpPr>
-          <p:cNvPr id="10" name="TextBox 9"/>
+          <p:cNvPr id="6" name="TextBox 5">
+            <a:extLst>
+              <a:ext uri="{FF2B5EF4-FFF2-40B4-BE49-F238E27FC236}">
+                <a16:creationId xmlns:a16="http://schemas.microsoft.com/office/drawing/2014/main" xmlns="" id="{2C24567D-78BA-47C8-A331-D7E28FACD0EC}"/>
+              </a:ext>
+            </a:extLst>
+          </p:cNvPr>
           <p:cNvSpPr txBox="1"/>
           <p:nvPr/>
         </p:nvSpPr>
         <p:spPr>
           <a:xfrm>
-            <a:off x="762000" y="0"/>
-            <a:ext cx="5143500" cy="3554819"/>
+            <a:off x="723900" y="330859"/>
+            <a:ext cx="3390900" cy="1446550"/>
           </a:xfrm>
           <a:prstGeom prst="rect">
             <a:avLst/>
@@ -21499,19 +18873,380 @@
           <a:lstStyle/>
           <a:p>
             <a:r>
-              <a:rPr lang="en-US" sz="22500" b="1">
+              <a:rPr lang="en-US" sz="4400" b="1" dirty="0"/>
+              <a:t>grade</a:t>
+            </a:r>
+          </a:p>
+          <a:p>
+            <a:r>
+              <a:rPr lang="en-US" sz="4400" b="1" dirty="0">
                 <a:solidFill>
-                  <a:schemeClr val="bg1"/>
+                  <a:srgbClr val="F26B6C"/>
                 </a:solidFill>
-                <a:latin typeface="+mj-lt"/>
               </a:rPr>
-              <a:t>03</a:t>
-            </a:r>
-            <a:endParaRPr lang="uk-UA" sz="22500" b="1">
+              <a:t>condition</a:t>
+            </a:r>
+            <a:endParaRPr lang="uk-UA" sz="4400" b="1" dirty="0">
               <a:solidFill>
-                <a:schemeClr val="bg1"/>
+                <a:srgbClr val="F26B6C"/>
               </a:solidFill>
-              <a:latin typeface="+mj-lt"/>
+            </a:endParaRPr>
+          </a:p>
+        </p:txBody>
+      </p:sp>
+      <p:sp>
+        <p:nvSpPr>
+          <p:cNvPr id="7" name="TextBox 6">
+            <a:extLst>
+              <a:ext uri="{FF2B5EF4-FFF2-40B4-BE49-F238E27FC236}">
+                <a16:creationId xmlns:a16="http://schemas.microsoft.com/office/drawing/2014/main" xmlns="" id="{4776A2D6-2AA4-4EEB-B05F-BDE3C8A10517}"/>
+              </a:ext>
+            </a:extLst>
+          </p:cNvPr>
+          <p:cNvSpPr txBox="1"/>
+          <p:nvPr/>
+        </p:nvSpPr>
+        <p:spPr>
+          <a:xfrm>
+            <a:off x="723900" y="2164259"/>
+            <a:ext cx="10968558" cy="769441"/>
+          </a:xfrm>
+          <a:prstGeom prst="rect">
+            <a:avLst/>
+          </a:prstGeom>
+          <a:noFill/>
+        </p:spPr>
+        <p:txBody>
+          <a:bodyPr wrap="square" rtlCol="0">
+            <a:spAutoFit/>
+          </a:bodyPr>
+          <a:lstStyle/>
+          <a:p>
+            <a:r>
+              <a:rPr lang="en-US" sz="4400" b="1" dirty="0"/>
+              <a:t>Grade can increase price up to </a:t>
+            </a:r>
+            <a:r>
+              <a:rPr lang="en-US" sz="4400" b="1" dirty="0">
+                <a:solidFill>
+                  <a:srgbClr val="F26B6C"/>
+                </a:solidFill>
+              </a:rPr>
+              <a:t>180%</a:t>
+            </a:r>
+            <a:endParaRPr lang="uk-UA" sz="2800" b="1" dirty="0"/>
+          </a:p>
+        </p:txBody>
+      </p:sp>
+      <p:pic>
+        <p:nvPicPr>
+          <p:cNvPr id="2" name="Picture 1">
+            <a:extLst>
+              <a:ext uri="{FF2B5EF4-FFF2-40B4-BE49-F238E27FC236}">
+                <a16:creationId xmlns:a16="http://schemas.microsoft.com/office/drawing/2014/main" xmlns="" id="{432BD102-E7F5-419D-B799-5889630EC673}"/>
+              </a:ext>
+            </a:extLst>
+          </p:cNvPr>
+          <p:cNvPicPr>
+            <a:picLocks noChangeAspect="1"/>
+          </p:cNvPicPr>
+          <p:nvPr/>
+        </p:nvPicPr>
+        <p:blipFill>
+          <a:blip r:embed="rId2"/>
+          <a:stretch>
+            <a:fillRect/>
+          </a:stretch>
+        </p:blipFill>
+        <p:spPr>
+          <a:xfrm>
+            <a:off x="1325434" y="3554819"/>
+            <a:ext cx="5578732" cy="3554819"/>
+          </a:xfrm>
+          <a:prstGeom prst="rect">
+            <a:avLst/>
+          </a:prstGeom>
+        </p:spPr>
+      </p:pic>
+      <p:sp>
+        <p:nvSpPr>
+          <p:cNvPr id="9" name="TextBox 8">
+            <a:extLst>
+              <a:ext uri="{FF2B5EF4-FFF2-40B4-BE49-F238E27FC236}">
+                <a16:creationId xmlns:a16="http://schemas.microsoft.com/office/drawing/2014/main" xmlns="" id="{09A688BC-2574-4A07-AE96-29D996D6454D}"/>
+              </a:ext>
+            </a:extLst>
+          </p:cNvPr>
+          <p:cNvSpPr txBox="1"/>
+          <p:nvPr/>
+        </p:nvSpPr>
+        <p:spPr>
+          <a:xfrm>
+            <a:off x="723900" y="7738020"/>
+            <a:ext cx="10968558" cy="769441"/>
+          </a:xfrm>
+          <a:prstGeom prst="rect">
+            <a:avLst/>
+          </a:prstGeom>
+          <a:noFill/>
+        </p:spPr>
+        <p:txBody>
+          <a:bodyPr wrap="square" rtlCol="0">
+            <a:spAutoFit/>
+          </a:bodyPr>
+          <a:lstStyle/>
+          <a:p>
+            <a:r>
+              <a:rPr lang="en-US" sz="4400" b="1" dirty="0"/>
+              <a:t>Condition can increase price up to </a:t>
+            </a:r>
+            <a:r>
+              <a:rPr lang="en-US" sz="4400" b="1" dirty="0">
+                <a:solidFill>
+                  <a:srgbClr val="F26B6C"/>
+                </a:solidFill>
+              </a:rPr>
+              <a:t>12%</a:t>
+            </a:r>
+            <a:endParaRPr lang="uk-UA" sz="2800" b="1" dirty="0"/>
+          </a:p>
+        </p:txBody>
+      </p:sp>
+      <p:sp>
+        <p:nvSpPr>
+          <p:cNvPr id="3" name="Rectangle 2">
+            <a:extLst>
+              <a:ext uri="{FF2B5EF4-FFF2-40B4-BE49-F238E27FC236}">
+                <a16:creationId xmlns:a16="http://schemas.microsoft.com/office/drawing/2014/main" xmlns="" id="{E0415715-969A-4487-89FB-BB33E851BD61}"/>
+              </a:ext>
+            </a:extLst>
+          </p:cNvPr>
+          <p:cNvSpPr/>
+          <p:nvPr/>
+        </p:nvSpPr>
+        <p:spPr>
+          <a:xfrm>
+            <a:off x="7162800" y="3345203"/>
+            <a:ext cx="6858000" cy="3939540"/>
+          </a:xfrm>
+          <a:prstGeom prst="rect">
+            <a:avLst/>
+          </a:prstGeom>
+        </p:spPr>
+        <p:txBody>
+          <a:bodyPr wrap="square">
+            <a:spAutoFit/>
+          </a:bodyPr>
+          <a:lstStyle/>
+          <a:p>
+            <a:r>
+              <a:rPr lang="en-US" sz="4400" dirty="0">
+                <a:latin typeface="Open Sans"/>
+              </a:rPr>
+              <a:t>1.</a:t>
+            </a:r>
+            <a:r>
+              <a:rPr lang="en-US" sz="2800" dirty="0">
+                <a:latin typeface="Open Sans"/>
+              </a:rPr>
+              <a:t> </a:t>
+            </a:r>
+            <a:r>
+              <a:rPr lang="en-US" dirty="0">
+                <a:solidFill>
+                  <a:srgbClr val="23221F"/>
+                </a:solidFill>
+                <a:latin typeface="Open Sans"/>
+              </a:rPr>
+              <a:t>Falls short of minimum building standards. Normally cabin or inferior structure.</a:t>
+            </a:r>
+          </a:p>
+          <a:p>
+            <a:r>
+              <a:rPr lang="en-US" dirty="0"/>
+              <a:t>...</a:t>
+            </a:r>
+          </a:p>
+          <a:p>
+            <a:r>
+              <a:rPr lang="en-US" sz="4400" dirty="0"/>
+              <a:t>13. </a:t>
+            </a:r>
+            <a:r>
+              <a:rPr lang="en-US" dirty="0"/>
+              <a:t>Generally custom designed and built. Mansion level. Large amount of highest quality cabinet work, wood trim, marble, entry ways etc.</a:t>
+            </a:r>
+          </a:p>
+        </p:txBody>
+      </p:sp>
+    </p:spTree>
+    <p:extLst>
+      <p:ext uri="{BB962C8B-B14F-4D97-AF65-F5344CB8AC3E}">
+        <p14:creationId xmlns:p14="http://schemas.microsoft.com/office/powerpoint/2010/main" val="509447778"/>
+      </p:ext>
+    </p:extLst>
+  </p:cSld>
+  <p:clrMapOvr>
+    <a:masterClrMapping/>
+  </p:clrMapOvr>
+  <mc:AlternateContent xmlns:mc="http://schemas.openxmlformats.org/markup-compatibility/2006" xmlns:p14="http://schemas.microsoft.com/office/powerpoint/2010/main">
+    <mc:Choice Requires="p14">
+      <p:transition spd="slow" p14:dur="2000">
+        <p:push dir="r"/>
+      </p:transition>
+    </mc:Choice>
+    <mc:Fallback xmlns="">
+      <p:transition spd="slow">
+        <p:push dir="r"/>
+      </p:transition>
+    </mc:Fallback>
+  </mc:AlternateContent>
+</p:sld>
+</file>
+
+<file path=ppt/slides/slide9.xml><?xml version="1.0" encoding="utf-8"?>
+<p:sld xmlns:a="http://schemas.openxmlformats.org/drawingml/2006/main" xmlns:r="http://schemas.openxmlformats.org/officeDocument/2006/relationships" xmlns:p="http://schemas.openxmlformats.org/presentationml/2006/main">
+  <p:cSld>
+    <p:spTree>
+      <p:nvGrpSpPr>
+        <p:cNvPr id="1" name=""/>
+        <p:cNvGrpSpPr/>
+        <p:nvPr/>
+      </p:nvGrpSpPr>
+      <p:grpSpPr>
+        <a:xfrm>
+          <a:off x="0" y="0"/>
+          <a:ext cx="0" cy="0"/>
+          <a:chOff x="0" y="0"/>
+          <a:chExt cx="0" cy="0"/>
+        </a:xfrm>
+      </p:grpSpPr>
+      <p:pic>
+        <p:nvPicPr>
+          <p:cNvPr id="7" name="Picture 6">
+            <a:extLst>
+              <a:ext uri="{FF2B5EF4-FFF2-40B4-BE49-F238E27FC236}">
+                <a16:creationId xmlns:a16="http://schemas.microsoft.com/office/drawing/2014/main" xmlns="" id="{D21A566C-3B27-4AB2-B52D-A0CB05D3A94A}"/>
+              </a:ext>
+            </a:extLst>
+          </p:cNvPr>
+          <p:cNvPicPr>
+            <a:picLocks noChangeAspect="1"/>
+          </p:cNvPicPr>
+          <p:nvPr/>
+        </p:nvPicPr>
+        <p:blipFill>
+          <a:blip r:embed="rId2"/>
+          <a:stretch>
+            <a:fillRect/>
+          </a:stretch>
+        </p:blipFill>
+        <p:spPr>
+          <a:xfrm>
+            <a:off x="2133600" y="4686464"/>
+            <a:ext cx="7307311" cy="4899997"/>
+          </a:xfrm>
+          <a:prstGeom prst="rect">
+            <a:avLst/>
+          </a:prstGeom>
+        </p:spPr>
+      </p:pic>
+      <p:sp>
+        <p:nvSpPr>
+          <p:cNvPr id="8" name="Freeform 7"/>
+          <p:cNvSpPr/>
+          <p:nvPr/>
+        </p:nvSpPr>
+        <p:spPr>
+          <a:xfrm rot="10800000">
+            <a:off x="0" y="0"/>
+            <a:ext cx="5143500" cy="5143500"/>
+          </a:xfrm>
+          <a:custGeom>
+            <a:avLst/>
+            <a:gdLst>
+              <a:gd name="connsiteX0" fmla="*/ 5143500 w 5143500"/>
+              <a:gd name="connsiteY0" fmla="*/ 0 h 5143500"/>
+              <a:gd name="connsiteX1" fmla="*/ 5143500 w 5143500"/>
+              <a:gd name="connsiteY1" fmla="*/ 5143500 h 5143500"/>
+              <a:gd name="connsiteX2" fmla="*/ 0 w 5143500"/>
+              <a:gd name="connsiteY2" fmla="*/ 5143500 h 5143500"/>
+              <a:gd name="connsiteX3" fmla="*/ 5143500 w 5143500"/>
+              <a:gd name="connsiteY3" fmla="*/ 0 h 5143500"/>
+            </a:gdLst>
+            <a:ahLst/>
+            <a:cxnLst>
+              <a:cxn ang="0">
+                <a:pos x="connsiteX0" y="connsiteY0"/>
+              </a:cxn>
+              <a:cxn ang="0">
+                <a:pos x="connsiteX1" y="connsiteY1"/>
+              </a:cxn>
+              <a:cxn ang="0">
+                <a:pos x="connsiteX2" y="connsiteY2"/>
+              </a:cxn>
+              <a:cxn ang="0">
+                <a:pos x="connsiteX3" y="connsiteY3"/>
+              </a:cxn>
+            </a:cxnLst>
+            <a:rect l="l" t="t" r="r" b="b"/>
+            <a:pathLst>
+              <a:path w="5143500" h="5143500">
+                <a:moveTo>
+                  <a:pt x="5143500" y="0"/>
+                </a:moveTo>
+                <a:lnTo>
+                  <a:pt x="5143500" y="5143500"/>
+                </a:lnTo>
+                <a:lnTo>
+                  <a:pt x="0" y="5143500"/>
+                </a:lnTo>
+                <a:cubicBezTo>
+                  <a:pt x="0" y="2302823"/>
+                  <a:pt x="2302823" y="0"/>
+                  <a:pt x="5143500" y="0"/>
+                </a:cubicBezTo>
+                <a:close/>
+              </a:path>
+            </a:pathLst>
+          </a:custGeom>
+          <a:solidFill>
+            <a:schemeClr val="accent1"/>
+          </a:solidFill>
+          <a:ln w="63500">
+            <a:noFill/>
+          </a:ln>
+        </p:spPr>
+        <p:style>
+          <a:lnRef idx="2">
+            <a:schemeClr val="accent1">
+              <a:shade val="50000"/>
+            </a:schemeClr>
+          </a:lnRef>
+          <a:fillRef idx="1">
+            <a:schemeClr val="accent1"/>
+          </a:fillRef>
+          <a:effectRef idx="0">
+            <a:schemeClr val="accent1"/>
+          </a:effectRef>
+          <a:fontRef idx="minor">
+            <a:schemeClr val="lt1"/>
+          </a:fontRef>
+        </p:style>
+        <p:txBody>
+          <a:bodyPr rot="0" spcFirstLastPara="0" vertOverflow="overflow" horzOverflow="overflow" vert="horz" wrap="square" lIns="91440" tIns="45720" rIns="91440" bIns="45720" numCol="1" spcCol="0" rtlCol="0" fromWordArt="0" anchor="ctr" anchorCtr="0" forceAA="0" compatLnSpc="1">
+            <a:prstTxWarp prst="textNoShape">
+              <a:avLst/>
+            </a:prstTxWarp>
+            <a:noAutofit/>
+          </a:bodyPr>
+          <a:lstStyle/>
+          <a:p>
+            <a:pPr algn="ctr"/>
+            <a:endParaRPr lang="uk-UA" sz="2800">
+              <a:solidFill>
+                <a:schemeClr val="tx1"/>
+              </a:solidFill>
             </a:endParaRPr>
           </a:p>
         </p:txBody>
@@ -21521,7 +19256,7 @@
           <p:cNvPr id="6" name="TextBox 5">
             <a:extLst>
               <a:ext uri="{FF2B5EF4-FFF2-40B4-BE49-F238E27FC236}">
-                <a16:creationId xmlns:a16="http://schemas.microsoft.com/office/drawing/2014/main" id="{BB783E69-AC9A-482F-82DB-75936A41F226}"/>
+                <a16:creationId xmlns:a16="http://schemas.microsoft.com/office/drawing/2014/main" xmlns="" id="{BB783E69-AC9A-482F-82DB-75936A41F226}"/>
               </a:ext>
             </a:extLst>
           </p:cNvPr>
@@ -21573,7 +19308,7 @@
           <p:cNvPr id="9" name="Picture 8">
             <a:extLst>
               <a:ext uri="{FF2B5EF4-FFF2-40B4-BE49-F238E27FC236}">
-                <a16:creationId xmlns:a16="http://schemas.microsoft.com/office/drawing/2014/main" id="{301027B0-E30E-4D7D-8E88-ACAE4A5FCD71}"/>
+                <a16:creationId xmlns:a16="http://schemas.microsoft.com/office/drawing/2014/main" xmlns="" id="{301027B0-E30E-4D7D-8E88-ACAE4A5FCD71}"/>
               </a:ext>
             </a:extLst>
           </p:cNvPr>
@@ -21603,7 +19338,7 @@
           <p:cNvPr id="12" name="TextBox 11">
             <a:extLst>
               <a:ext uri="{FF2B5EF4-FFF2-40B4-BE49-F238E27FC236}">
-                <a16:creationId xmlns:a16="http://schemas.microsoft.com/office/drawing/2014/main" id="{DB0C3C77-2885-48B5-B593-8EC47E0C2C34}"/>
+                <a16:creationId xmlns:a16="http://schemas.microsoft.com/office/drawing/2014/main" xmlns="" id="{DB0C3C77-2885-48B5-B593-8EC47E0C2C34}"/>
               </a:ext>
             </a:extLst>
           </p:cNvPr>
@@ -21669,7 +19404,7 @@
           <p:cNvPr id="14" name="TextBox 13">
             <a:extLst>
               <a:ext uri="{FF2B5EF4-FFF2-40B4-BE49-F238E27FC236}">
-                <a16:creationId xmlns:a16="http://schemas.microsoft.com/office/drawing/2014/main" id="{85358D31-3AEA-4FD3-8619-B8D76336BF55}"/>
+                <a16:creationId xmlns:a16="http://schemas.microsoft.com/office/drawing/2014/main" xmlns="" id="{85358D31-3AEA-4FD3-8619-B8D76336BF55}"/>
               </a:ext>
             </a:extLst>
           </p:cNvPr>
@@ -21720,6 +19455,517 @@
               <a:rPr lang="en-US" sz="4400" b="1" dirty="0"/>
               <a:t> square footage!</a:t>
             </a:r>
+          </a:p>
+        </p:txBody>
+      </p:sp>
+      <p:sp>
+        <p:nvSpPr>
+          <p:cNvPr id="11" name="Freeform 98"/>
+          <p:cNvSpPr>
+            <a:spLocks noEditPoints="1"/>
+          </p:cNvSpPr>
+          <p:nvPr/>
+        </p:nvSpPr>
+        <p:spPr bwMode="auto">
+          <a:xfrm>
+            <a:off x="902349" y="800100"/>
+            <a:ext cx="2145651" cy="1811869"/>
+          </a:xfrm>
+          <a:custGeom>
+            <a:avLst/>
+            <a:gdLst>
+              <a:gd name="T0" fmla="*/ 12 w 176"/>
+              <a:gd name="T1" fmla="*/ 80 h 144"/>
+              <a:gd name="T2" fmla="*/ 0 w 176"/>
+              <a:gd name="T3" fmla="*/ 92 h 144"/>
+              <a:gd name="T4" fmla="*/ 12 w 176"/>
+              <a:gd name="T5" fmla="*/ 104 h 144"/>
+              <a:gd name="T6" fmla="*/ 24 w 176"/>
+              <a:gd name="T7" fmla="*/ 92 h 144"/>
+              <a:gd name="T8" fmla="*/ 12 w 176"/>
+              <a:gd name="T9" fmla="*/ 80 h 144"/>
+              <a:gd name="T10" fmla="*/ 12 w 176"/>
+              <a:gd name="T11" fmla="*/ 40 h 144"/>
+              <a:gd name="T12" fmla="*/ 0 w 176"/>
+              <a:gd name="T13" fmla="*/ 52 h 144"/>
+              <a:gd name="T14" fmla="*/ 12 w 176"/>
+              <a:gd name="T15" fmla="*/ 64 h 144"/>
+              <a:gd name="T16" fmla="*/ 24 w 176"/>
+              <a:gd name="T17" fmla="*/ 52 h 144"/>
+              <a:gd name="T18" fmla="*/ 12 w 176"/>
+              <a:gd name="T19" fmla="*/ 40 h 144"/>
+              <a:gd name="T20" fmla="*/ 12 w 176"/>
+              <a:gd name="T21" fmla="*/ 120 h 144"/>
+              <a:gd name="T22" fmla="*/ 0 w 176"/>
+              <a:gd name="T23" fmla="*/ 132 h 144"/>
+              <a:gd name="T24" fmla="*/ 12 w 176"/>
+              <a:gd name="T25" fmla="*/ 144 h 144"/>
+              <a:gd name="T26" fmla="*/ 24 w 176"/>
+              <a:gd name="T27" fmla="*/ 132 h 144"/>
+              <a:gd name="T28" fmla="*/ 12 w 176"/>
+              <a:gd name="T29" fmla="*/ 120 h 144"/>
+              <a:gd name="T30" fmla="*/ 44 w 176"/>
+              <a:gd name="T31" fmla="*/ 16 h 144"/>
+              <a:gd name="T32" fmla="*/ 172 w 176"/>
+              <a:gd name="T33" fmla="*/ 16 h 144"/>
+              <a:gd name="T34" fmla="*/ 176 w 176"/>
+              <a:gd name="T35" fmla="*/ 12 h 144"/>
+              <a:gd name="T36" fmla="*/ 172 w 176"/>
+              <a:gd name="T37" fmla="*/ 8 h 144"/>
+              <a:gd name="T38" fmla="*/ 44 w 176"/>
+              <a:gd name="T39" fmla="*/ 8 h 144"/>
+              <a:gd name="T40" fmla="*/ 40 w 176"/>
+              <a:gd name="T41" fmla="*/ 12 h 144"/>
+              <a:gd name="T42" fmla="*/ 44 w 176"/>
+              <a:gd name="T43" fmla="*/ 16 h 144"/>
+              <a:gd name="T44" fmla="*/ 172 w 176"/>
+              <a:gd name="T45" fmla="*/ 128 h 144"/>
+              <a:gd name="T46" fmla="*/ 44 w 176"/>
+              <a:gd name="T47" fmla="*/ 128 h 144"/>
+              <a:gd name="T48" fmla="*/ 40 w 176"/>
+              <a:gd name="T49" fmla="*/ 132 h 144"/>
+              <a:gd name="T50" fmla="*/ 44 w 176"/>
+              <a:gd name="T51" fmla="*/ 136 h 144"/>
+              <a:gd name="T52" fmla="*/ 172 w 176"/>
+              <a:gd name="T53" fmla="*/ 136 h 144"/>
+              <a:gd name="T54" fmla="*/ 176 w 176"/>
+              <a:gd name="T55" fmla="*/ 132 h 144"/>
+              <a:gd name="T56" fmla="*/ 172 w 176"/>
+              <a:gd name="T57" fmla="*/ 128 h 144"/>
+              <a:gd name="T58" fmla="*/ 12 w 176"/>
+              <a:gd name="T59" fmla="*/ 0 h 144"/>
+              <a:gd name="T60" fmla="*/ 0 w 176"/>
+              <a:gd name="T61" fmla="*/ 12 h 144"/>
+              <a:gd name="T62" fmla="*/ 12 w 176"/>
+              <a:gd name="T63" fmla="*/ 24 h 144"/>
+              <a:gd name="T64" fmla="*/ 24 w 176"/>
+              <a:gd name="T65" fmla="*/ 12 h 144"/>
+              <a:gd name="T66" fmla="*/ 12 w 176"/>
+              <a:gd name="T67" fmla="*/ 0 h 144"/>
+              <a:gd name="T68" fmla="*/ 172 w 176"/>
+              <a:gd name="T69" fmla="*/ 48 h 144"/>
+              <a:gd name="T70" fmla="*/ 44 w 176"/>
+              <a:gd name="T71" fmla="*/ 48 h 144"/>
+              <a:gd name="T72" fmla="*/ 40 w 176"/>
+              <a:gd name="T73" fmla="*/ 52 h 144"/>
+              <a:gd name="T74" fmla="*/ 44 w 176"/>
+              <a:gd name="T75" fmla="*/ 56 h 144"/>
+              <a:gd name="T76" fmla="*/ 172 w 176"/>
+              <a:gd name="T77" fmla="*/ 56 h 144"/>
+              <a:gd name="T78" fmla="*/ 176 w 176"/>
+              <a:gd name="T79" fmla="*/ 52 h 144"/>
+              <a:gd name="T80" fmla="*/ 172 w 176"/>
+              <a:gd name="T81" fmla="*/ 48 h 144"/>
+              <a:gd name="T82" fmla="*/ 172 w 176"/>
+              <a:gd name="T83" fmla="*/ 88 h 144"/>
+              <a:gd name="T84" fmla="*/ 44 w 176"/>
+              <a:gd name="T85" fmla="*/ 88 h 144"/>
+              <a:gd name="T86" fmla="*/ 40 w 176"/>
+              <a:gd name="T87" fmla="*/ 92 h 144"/>
+              <a:gd name="T88" fmla="*/ 44 w 176"/>
+              <a:gd name="T89" fmla="*/ 96 h 144"/>
+              <a:gd name="T90" fmla="*/ 172 w 176"/>
+              <a:gd name="T91" fmla="*/ 96 h 144"/>
+              <a:gd name="T92" fmla="*/ 176 w 176"/>
+              <a:gd name="T93" fmla="*/ 92 h 144"/>
+              <a:gd name="T94" fmla="*/ 172 w 176"/>
+              <a:gd name="T95" fmla="*/ 88 h 144"/>
+            </a:gdLst>
+            <a:ahLst/>
+            <a:cxnLst>
+              <a:cxn ang="0">
+                <a:pos x="T0" y="T1"/>
+              </a:cxn>
+              <a:cxn ang="0">
+                <a:pos x="T2" y="T3"/>
+              </a:cxn>
+              <a:cxn ang="0">
+                <a:pos x="T4" y="T5"/>
+              </a:cxn>
+              <a:cxn ang="0">
+                <a:pos x="T6" y="T7"/>
+              </a:cxn>
+              <a:cxn ang="0">
+                <a:pos x="T8" y="T9"/>
+              </a:cxn>
+              <a:cxn ang="0">
+                <a:pos x="T10" y="T11"/>
+              </a:cxn>
+              <a:cxn ang="0">
+                <a:pos x="T12" y="T13"/>
+              </a:cxn>
+              <a:cxn ang="0">
+                <a:pos x="T14" y="T15"/>
+              </a:cxn>
+              <a:cxn ang="0">
+                <a:pos x="T16" y="T17"/>
+              </a:cxn>
+              <a:cxn ang="0">
+                <a:pos x="T18" y="T19"/>
+              </a:cxn>
+              <a:cxn ang="0">
+                <a:pos x="T20" y="T21"/>
+              </a:cxn>
+              <a:cxn ang="0">
+                <a:pos x="T22" y="T23"/>
+              </a:cxn>
+              <a:cxn ang="0">
+                <a:pos x="T24" y="T25"/>
+              </a:cxn>
+              <a:cxn ang="0">
+                <a:pos x="T26" y="T27"/>
+              </a:cxn>
+              <a:cxn ang="0">
+                <a:pos x="T28" y="T29"/>
+              </a:cxn>
+              <a:cxn ang="0">
+                <a:pos x="T30" y="T31"/>
+              </a:cxn>
+              <a:cxn ang="0">
+                <a:pos x="T32" y="T33"/>
+              </a:cxn>
+              <a:cxn ang="0">
+                <a:pos x="T34" y="T35"/>
+              </a:cxn>
+              <a:cxn ang="0">
+                <a:pos x="T36" y="T37"/>
+              </a:cxn>
+              <a:cxn ang="0">
+                <a:pos x="T38" y="T39"/>
+              </a:cxn>
+              <a:cxn ang="0">
+                <a:pos x="T40" y="T41"/>
+              </a:cxn>
+              <a:cxn ang="0">
+                <a:pos x="T42" y="T43"/>
+              </a:cxn>
+              <a:cxn ang="0">
+                <a:pos x="T44" y="T45"/>
+              </a:cxn>
+              <a:cxn ang="0">
+                <a:pos x="T46" y="T47"/>
+              </a:cxn>
+              <a:cxn ang="0">
+                <a:pos x="T48" y="T49"/>
+              </a:cxn>
+              <a:cxn ang="0">
+                <a:pos x="T50" y="T51"/>
+              </a:cxn>
+              <a:cxn ang="0">
+                <a:pos x="T52" y="T53"/>
+              </a:cxn>
+              <a:cxn ang="0">
+                <a:pos x="T54" y="T55"/>
+              </a:cxn>
+              <a:cxn ang="0">
+                <a:pos x="T56" y="T57"/>
+              </a:cxn>
+              <a:cxn ang="0">
+                <a:pos x="T58" y="T59"/>
+              </a:cxn>
+              <a:cxn ang="0">
+                <a:pos x="T60" y="T61"/>
+              </a:cxn>
+              <a:cxn ang="0">
+                <a:pos x="T62" y="T63"/>
+              </a:cxn>
+              <a:cxn ang="0">
+                <a:pos x="T64" y="T65"/>
+              </a:cxn>
+              <a:cxn ang="0">
+                <a:pos x="T66" y="T67"/>
+              </a:cxn>
+              <a:cxn ang="0">
+                <a:pos x="T68" y="T69"/>
+              </a:cxn>
+              <a:cxn ang="0">
+                <a:pos x="T70" y="T71"/>
+              </a:cxn>
+              <a:cxn ang="0">
+                <a:pos x="T72" y="T73"/>
+              </a:cxn>
+              <a:cxn ang="0">
+                <a:pos x="T74" y="T75"/>
+              </a:cxn>
+              <a:cxn ang="0">
+                <a:pos x="T76" y="T77"/>
+              </a:cxn>
+              <a:cxn ang="0">
+                <a:pos x="T78" y="T79"/>
+              </a:cxn>
+              <a:cxn ang="0">
+                <a:pos x="T80" y="T81"/>
+              </a:cxn>
+              <a:cxn ang="0">
+                <a:pos x="T82" y="T83"/>
+              </a:cxn>
+              <a:cxn ang="0">
+                <a:pos x="T84" y="T85"/>
+              </a:cxn>
+              <a:cxn ang="0">
+                <a:pos x="T86" y="T87"/>
+              </a:cxn>
+              <a:cxn ang="0">
+                <a:pos x="T88" y="T89"/>
+              </a:cxn>
+              <a:cxn ang="0">
+                <a:pos x="T90" y="T91"/>
+              </a:cxn>
+              <a:cxn ang="0">
+                <a:pos x="T92" y="T93"/>
+              </a:cxn>
+              <a:cxn ang="0">
+                <a:pos x="T94" y="T95"/>
+              </a:cxn>
+            </a:cxnLst>
+            <a:rect l="0" t="0" r="r" b="b"/>
+            <a:pathLst>
+              <a:path w="176" h="144">
+                <a:moveTo>
+                  <a:pt x="12" y="80"/>
+                </a:moveTo>
+                <a:cubicBezTo>
+                  <a:pt x="5" y="80"/>
+                  <a:pt x="0" y="85"/>
+                  <a:pt x="0" y="92"/>
+                </a:cubicBezTo>
+                <a:cubicBezTo>
+                  <a:pt x="0" y="99"/>
+                  <a:pt x="5" y="104"/>
+                  <a:pt x="12" y="104"/>
+                </a:cubicBezTo>
+                <a:cubicBezTo>
+                  <a:pt x="19" y="104"/>
+                  <a:pt x="24" y="99"/>
+                  <a:pt x="24" y="92"/>
+                </a:cubicBezTo>
+                <a:cubicBezTo>
+                  <a:pt x="24" y="85"/>
+                  <a:pt x="19" y="80"/>
+                  <a:pt x="12" y="80"/>
+                </a:cubicBezTo>
+                <a:moveTo>
+                  <a:pt x="12" y="40"/>
+                </a:moveTo>
+                <a:cubicBezTo>
+                  <a:pt x="5" y="40"/>
+                  <a:pt x="0" y="45"/>
+                  <a:pt x="0" y="52"/>
+                </a:cubicBezTo>
+                <a:cubicBezTo>
+                  <a:pt x="0" y="59"/>
+                  <a:pt x="5" y="64"/>
+                  <a:pt x="12" y="64"/>
+                </a:cubicBezTo>
+                <a:cubicBezTo>
+                  <a:pt x="19" y="64"/>
+                  <a:pt x="24" y="59"/>
+                  <a:pt x="24" y="52"/>
+                </a:cubicBezTo>
+                <a:cubicBezTo>
+                  <a:pt x="24" y="45"/>
+                  <a:pt x="19" y="40"/>
+                  <a:pt x="12" y="40"/>
+                </a:cubicBezTo>
+                <a:moveTo>
+                  <a:pt x="12" y="120"/>
+                </a:moveTo>
+                <a:cubicBezTo>
+                  <a:pt x="5" y="120"/>
+                  <a:pt x="0" y="125"/>
+                  <a:pt x="0" y="132"/>
+                </a:cubicBezTo>
+                <a:cubicBezTo>
+                  <a:pt x="0" y="139"/>
+                  <a:pt x="5" y="144"/>
+                  <a:pt x="12" y="144"/>
+                </a:cubicBezTo>
+                <a:cubicBezTo>
+                  <a:pt x="19" y="144"/>
+                  <a:pt x="24" y="139"/>
+                  <a:pt x="24" y="132"/>
+                </a:cubicBezTo>
+                <a:cubicBezTo>
+                  <a:pt x="24" y="125"/>
+                  <a:pt x="19" y="120"/>
+                  <a:pt x="12" y="120"/>
+                </a:cubicBezTo>
+                <a:moveTo>
+                  <a:pt x="44" y="16"/>
+                </a:moveTo>
+                <a:cubicBezTo>
+                  <a:pt x="172" y="16"/>
+                  <a:pt x="172" y="16"/>
+                  <a:pt x="172" y="16"/>
+                </a:cubicBezTo>
+                <a:cubicBezTo>
+                  <a:pt x="174" y="16"/>
+                  <a:pt x="176" y="14"/>
+                  <a:pt x="176" y="12"/>
+                </a:cubicBezTo>
+                <a:cubicBezTo>
+                  <a:pt x="176" y="10"/>
+                  <a:pt x="174" y="8"/>
+                  <a:pt x="172" y="8"/>
+                </a:cubicBezTo>
+                <a:cubicBezTo>
+                  <a:pt x="44" y="8"/>
+                  <a:pt x="44" y="8"/>
+                  <a:pt x="44" y="8"/>
+                </a:cubicBezTo>
+                <a:cubicBezTo>
+                  <a:pt x="42" y="8"/>
+                  <a:pt x="40" y="10"/>
+                  <a:pt x="40" y="12"/>
+                </a:cubicBezTo>
+                <a:cubicBezTo>
+                  <a:pt x="40" y="14"/>
+                  <a:pt x="42" y="16"/>
+                  <a:pt x="44" y="16"/>
+                </a:cubicBezTo>
+                <a:moveTo>
+                  <a:pt x="172" y="128"/>
+                </a:moveTo>
+                <a:cubicBezTo>
+                  <a:pt x="44" y="128"/>
+                  <a:pt x="44" y="128"/>
+                  <a:pt x="44" y="128"/>
+                </a:cubicBezTo>
+                <a:cubicBezTo>
+                  <a:pt x="42" y="128"/>
+                  <a:pt x="40" y="130"/>
+                  <a:pt x="40" y="132"/>
+                </a:cubicBezTo>
+                <a:cubicBezTo>
+                  <a:pt x="40" y="134"/>
+                  <a:pt x="42" y="136"/>
+                  <a:pt x="44" y="136"/>
+                </a:cubicBezTo>
+                <a:cubicBezTo>
+                  <a:pt x="172" y="136"/>
+                  <a:pt x="172" y="136"/>
+                  <a:pt x="172" y="136"/>
+                </a:cubicBezTo>
+                <a:cubicBezTo>
+                  <a:pt x="174" y="136"/>
+                  <a:pt x="176" y="134"/>
+                  <a:pt x="176" y="132"/>
+                </a:cubicBezTo>
+                <a:cubicBezTo>
+                  <a:pt x="176" y="130"/>
+                  <a:pt x="174" y="128"/>
+                  <a:pt x="172" y="128"/>
+                </a:cubicBezTo>
+                <a:moveTo>
+                  <a:pt x="12" y="0"/>
+                </a:moveTo>
+                <a:cubicBezTo>
+                  <a:pt x="5" y="0"/>
+                  <a:pt x="0" y="5"/>
+                  <a:pt x="0" y="12"/>
+                </a:cubicBezTo>
+                <a:cubicBezTo>
+                  <a:pt x="0" y="19"/>
+                  <a:pt x="5" y="24"/>
+                  <a:pt x="12" y="24"/>
+                </a:cubicBezTo>
+                <a:cubicBezTo>
+                  <a:pt x="19" y="24"/>
+                  <a:pt x="24" y="19"/>
+                  <a:pt x="24" y="12"/>
+                </a:cubicBezTo>
+                <a:cubicBezTo>
+                  <a:pt x="24" y="5"/>
+                  <a:pt x="19" y="0"/>
+                  <a:pt x="12" y="0"/>
+                </a:cubicBezTo>
+                <a:moveTo>
+                  <a:pt x="172" y="48"/>
+                </a:moveTo>
+                <a:cubicBezTo>
+                  <a:pt x="44" y="48"/>
+                  <a:pt x="44" y="48"/>
+                  <a:pt x="44" y="48"/>
+                </a:cubicBezTo>
+                <a:cubicBezTo>
+                  <a:pt x="42" y="48"/>
+                  <a:pt x="40" y="50"/>
+                  <a:pt x="40" y="52"/>
+                </a:cubicBezTo>
+                <a:cubicBezTo>
+                  <a:pt x="40" y="54"/>
+                  <a:pt x="42" y="56"/>
+                  <a:pt x="44" y="56"/>
+                </a:cubicBezTo>
+                <a:cubicBezTo>
+                  <a:pt x="172" y="56"/>
+                  <a:pt x="172" y="56"/>
+                  <a:pt x="172" y="56"/>
+                </a:cubicBezTo>
+                <a:cubicBezTo>
+                  <a:pt x="174" y="56"/>
+                  <a:pt x="176" y="54"/>
+                  <a:pt x="176" y="52"/>
+                </a:cubicBezTo>
+                <a:cubicBezTo>
+                  <a:pt x="176" y="50"/>
+                  <a:pt x="174" y="48"/>
+                  <a:pt x="172" y="48"/>
+                </a:cubicBezTo>
+                <a:moveTo>
+                  <a:pt x="172" y="88"/>
+                </a:moveTo>
+                <a:cubicBezTo>
+                  <a:pt x="44" y="88"/>
+                  <a:pt x="44" y="88"/>
+                  <a:pt x="44" y="88"/>
+                </a:cubicBezTo>
+                <a:cubicBezTo>
+                  <a:pt x="42" y="88"/>
+                  <a:pt x="40" y="90"/>
+                  <a:pt x="40" y="92"/>
+                </a:cubicBezTo>
+                <a:cubicBezTo>
+                  <a:pt x="40" y="94"/>
+                  <a:pt x="42" y="96"/>
+                  <a:pt x="44" y="96"/>
+                </a:cubicBezTo>
+                <a:cubicBezTo>
+                  <a:pt x="172" y="96"/>
+                  <a:pt x="172" y="96"/>
+                  <a:pt x="172" y="96"/>
+                </a:cubicBezTo>
+                <a:cubicBezTo>
+                  <a:pt x="174" y="96"/>
+                  <a:pt x="176" y="94"/>
+                  <a:pt x="176" y="92"/>
+                </a:cubicBezTo>
+                <a:cubicBezTo>
+                  <a:pt x="176" y="90"/>
+                  <a:pt x="174" y="88"/>
+                  <a:pt x="172" y="88"/>
+                </a:cubicBezTo>
+              </a:path>
+            </a:pathLst>
+          </a:custGeom>
+          <a:solidFill>
+            <a:schemeClr val="bg1"/>
+          </a:solidFill>
+          <a:ln>
+            <a:solidFill>
+              <a:schemeClr val="accent4"/>
+            </a:solidFill>
+          </a:ln>
+        </p:spPr>
+        <p:txBody>
+          <a:bodyPr vert="horz" wrap="square" lIns="91440" tIns="45720" rIns="91440" bIns="45720" numCol="1" anchor="t" anchorCtr="0" compatLnSpc="1">
+            <a:prstTxWarp prst="textNoShape">
+              <a:avLst/>
+            </a:prstTxWarp>
+          </a:bodyPr>
+          <a:lstStyle/>
+          <a:p>
+            <a:endParaRPr lang="uk-UA"/>
           </a:p>
         </p:txBody>
       </p:sp>
